--- a/ppt_deteccion_de_comunidades.pptx
+++ b/ppt_deteccion_de_comunidades.pptx
@@ -4,14 +4,29 @@
   <p:sldMasterIdLst>
     <p:sldMasterId id="2147483673" r:id="rId1"/>
   </p:sldMasterIdLst>
+  <p:notesMasterIdLst>
+    <p:notesMasterId r:id="rId21"/>
+  </p:notesMasterIdLst>
   <p:sldIdLst>
     <p:sldId id="256" r:id="rId2"/>
     <p:sldId id="257" r:id="rId3"/>
     <p:sldId id="258" r:id="rId4"/>
-    <p:sldId id="259" r:id="rId5"/>
-    <p:sldId id="260" r:id="rId6"/>
-    <p:sldId id="261" r:id="rId7"/>
-    <p:sldId id="262" r:id="rId8"/>
+    <p:sldId id="263" r:id="rId5"/>
+    <p:sldId id="264" r:id="rId6"/>
+    <p:sldId id="267" r:id="rId7"/>
+    <p:sldId id="270" r:id="rId8"/>
+    <p:sldId id="268" r:id="rId9"/>
+    <p:sldId id="274" r:id="rId10"/>
+    <p:sldId id="259" r:id="rId11"/>
+    <p:sldId id="269" r:id="rId12"/>
+    <p:sldId id="273" r:id="rId13"/>
+    <p:sldId id="266" r:id="rId14"/>
+    <p:sldId id="271" r:id="rId15"/>
+    <p:sldId id="272" r:id="rId16"/>
+    <p:sldId id="265" r:id="rId17"/>
+    <p:sldId id="260" r:id="rId18"/>
+    <p:sldId id="261" r:id="rId19"/>
+    <p:sldId id="262" r:id="rId20"/>
   </p:sldIdLst>
   <p:sldSz cx="12192000" cy="6858000"/>
   <p:notesSz cx="6858000" cy="9144000"/>
@@ -110,6 +125,11 @@
       </a:defRPr>
     </a:lvl9pPr>
   </p:defaultTextStyle>
+  <p:extLst>
+    <p:ext uri="{EFAFB233-063F-42B5-8137-9DF3F51BA10A}">
+      <p15:sldGuideLst xmlns:p15="http://schemas.microsoft.com/office/powerpoint/2012/main"/>
+    </p:ext>
+  </p:extLst>
 </p:presentation>
 </file>
 
@@ -686,6 +706,3541 @@
 </pc:chgInfo>
 </file>
 
+<file path=ppt/diagrams/colors1.xml><?xml version="1.0" encoding="utf-8"?>
+<dgm:colorsDef xmlns:dgm="http://schemas.openxmlformats.org/drawingml/2006/diagram" xmlns:a="http://schemas.openxmlformats.org/drawingml/2006/main" uniqueId="urn:microsoft.com/office/officeart/2005/8/colors/accent1_2">
+  <dgm:title val=""/>
+  <dgm:desc val=""/>
+  <dgm:catLst>
+    <dgm:cat type="accent1" pri="11200"/>
+  </dgm:catLst>
+  <dgm:styleLbl name="node0">
+    <dgm:fillClrLst meth="repeat">
+      <a:schemeClr val="accent1"/>
+    </dgm:fillClrLst>
+    <dgm:linClrLst meth="repeat">
+      <a:schemeClr val="lt1"/>
+    </dgm:linClrLst>
+    <dgm:effectClrLst/>
+    <dgm:txLinClrLst/>
+    <dgm:txFillClrLst/>
+    <dgm:txEffectClrLst/>
+  </dgm:styleLbl>
+  <dgm:styleLbl name="alignNode1">
+    <dgm:fillClrLst meth="repeat">
+      <a:schemeClr val="accent1"/>
+    </dgm:fillClrLst>
+    <dgm:linClrLst meth="repeat">
+      <a:schemeClr val="accent1"/>
+    </dgm:linClrLst>
+    <dgm:effectClrLst/>
+    <dgm:txLinClrLst/>
+    <dgm:txFillClrLst/>
+    <dgm:txEffectClrLst/>
+  </dgm:styleLbl>
+  <dgm:styleLbl name="node1">
+    <dgm:fillClrLst meth="repeat">
+      <a:schemeClr val="accent1"/>
+    </dgm:fillClrLst>
+    <dgm:linClrLst meth="repeat">
+      <a:schemeClr val="lt1"/>
+    </dgm:linClrLst>
+    <dgm:effectClrLst/>
+    <dgm:txLinClrLst/>
+    <dgm:txFillClrLst/>
+    <dgm:txEffectClrLst/>
+  </dgm:styleLbl>
+  <dgm:styleLbl name="lnNode1">
+    <dgm:fillClrLst meth="repeat">
+      <a:schemeClr val="accent1"/>
+    </dgm:fillClrLst>
+    <dgm:linClrLst meth="repeat">
+      <a:schemeClr val="lt1"/>
+    </dgm:linClrLst>
+    <dgm:effectClrLst/>
+    <dgm:txLinClrLst/>
+    <dgm:txFillClrLst/>
+    <dgm:txEffectClrLst/>
+  </dgm:styleLbl>
+  <dgm:styleLbl name="vennNode1">
+    <dgm:fillClrLst meth="repeat">
+      <a:schemeClr val="accent1">
+        <a:alpha val="50000"/>
+      </a:schemeClr>
+    </dgm:fillClrLst>
+    <dgm:linClrLst meth="repeat">
+      <a:schemeClr val="lt1"/>
+    </dgm:linClrLst>
+    <dgm:effectClrLst/>
+    <dgm:txLinClrLst/>
+    <dgm:txFillClrLst/>
+    <dgm:txEffectClrLst/>
+  </dgm:styleLbl>
+  <dgm:styleLbl name="node2">
+    <dgm:fillClrLst meth="repeat">
+      <a:schemeClr val="accent1"/>
+    </dgm:fillClrLst>
+    <dgm:linClrLst meth="repeat">
+      <a:schemeClr val="lt1"/>
+    </dgm:linClrLst>
+    <dgm:effectClrLst/>
+    <dgm:txLinClrLst/>
+    <dgm:txFillClrLst/>
+    <dgm:txEffectClrLst/>
+  </dgm:styleLbl>
+  <dgm:styleLbl name="node3">
+    <dgm:fillClrLst meth="repeat">
+      <a:schemeClr val="accent1"/>
+    </dgm:fillClrLst>
+    <dgm:linClrLst meth="repeat">
+      <a:schemeClr val="lt1"/>
+    </dgm:linClrLst>
+    <dgm:effectClrLst/>
+    <dgm:txLinClrLst/>
+    <dgm:txFillClrLst/>
+    <dgm:txEffectClrLst/>
+  </dgm:styleLbl>
+  <dgm:styleLbl name="node4">
+    <dgm:fillClrLst meth="repeat">
+      <a:schemeClr val="accent1"/>
+    </dgm:fillClrLst>
+    <dgm:linClrLst meth="repeat">
+      <a:schemeClr val="lt1"/>
+    </dgm:linClrLst>
+    <dgm:effectClrLst/>
+    <dgm:txLinClrLst/>
+    <dgm:txFillClrLst/>
+    <dgm:txEffectClrLst/>
+  </dgm:styleLbl>
+  <dgm:styleLbl name="fgImgPlace1">
+    <dgm:fillClrLst meth="repeat">
+      <a:schemeClr val="accent1">
+        <a:tint val="50000"/>
+      </a:schemeClr>
+    </dgm:fillClrLst>
+    <dgm:linClrLst meth="repeat">
+      <a:schemeClr val="lt1"/>
+    </dgm:linClrLst>
+    <dgm:effectClrLst/>
+    <dgm:txLinClrLst/>
+    <dgm:txFillClrLst meth="repeat">
+      <a:schemeClr val="lt1"/>
+    </dgm:txFillClrLst>
+    <dgm:txEffectClrLst/>
+  </dgm:styleLbl>
+  <dgm:styleLbl name="alignImgPlace1">
+    <dgm:fillClrLst meth="repeat">
+      <a:schemeClr val="accent1">
+        <a:tint val="50000"/>
+      </a:schemeClr>
+    </dgm:fillClrLst>
+    <dgm:linClrLst meth="repeat">
+      <a:schemeClr val="lt1"/>
+    </dgm:linClrLst>
+    <dgm:effectClrLst/>
+    <dgm:txLinClrLst/>
+    <dgm:txFillClrLst meth="repeat">
+      <a:schemeClr val="lt1"/>
+    </dgm:txFillClrLst>
+    <dgm:txEffectClrLst/>
+  </dgm:styleLbl>
+  <dgm:styleLbl name="bgImgPlace1">
+    <dgm:fillClrLst meth="repeat">
+      <a:schemeClr val="accent1">
+        <a:tint val="50000"/>
+      </a:schemeClr>
+    </dgm:fillClrLst>
+    <dgm:linClrLst meth="repeat">
+      <a:schemeClr val="lt1"/>
+    </dgm:linClrLst>
+    <dgm:effectClrLst/>
+    <dgm:txLinClrLst/>
+    <dgm:txFillClrLst meth="repeat">
+      <a:schemeClr val="lt1"/>
+    </dgm:txFillClrLst>
+    <dgm:txEffectClrLst/>
+  </dgm:styleLbl>
+  <dgm:styleLbl name="sibTrans2D1">
+    <dgm:fillClrLst meth="repeat">
+      <a:schemeClr val="accent1">
+        <a:tint val="60000"/>
+      </a:schemeClr>
+    </dgm:fillClrLst>
+    <dgm:linClrLst meth="repeat">
+      <a:schemeClr val="accent1">
+        <a:tint val="60000"/>
+      </a:schemeClr>
+    </dgm:linClrLst>
+    <dgm:effectClrLst/>
+    <dgm:txLinClrLst/>
+    <dgm:txFillClrLst/>
+    <dgm:txEffectClrLst/>
+  </dgm:styleLbl>
+  <dgm:styleLbl name="fgSibTrans2D1">
+    <dgm:fillClrLst meth="repeat">
+      <a:schemeClr val="accent1">
+        <a:tint val="60000"/>
+      </a:schemeClr>
+    </dgm:fillClrLst>
+    <dgm:linClrLst meth="repeat">
+      <a:schemeClr val="accent1">
+        <a:tint val="60000"/>
+      </a:schemeClr>
+    </dgm:linClrLst>
+    <dgm:effectClrLst/>
+    <dgm:txLinClrLst/>
+    <dgm:txFillClrLst/>
+    <dgm:txEffectClrLst/>
+  </dgm:styleLbl>
+  <dgm:styleLbl name="bgSibTrans2D1">
+    <dgm:fillClrLst meth="repeat">
+      <a:schemeClr val="accent1">
+        <a:tint val="60000"/>
+      </a:schemeClr>
+    </dgm:fillClrLst>
+    <dgm:linClrLst meth="repeat">
+      <a:schemeClr val="accent1">
+        <a:tint val="60000"/>
+      </a:schemeClr>
+    </dgm:linClrLst>
+    <dgm:effectClrLst/>
+    <dgm:txLinClrLst/>
+    <dgm:txFillClrLst/>
+    <dgm:txEffectClrLst/>
+  </dgm:styleLbl>
+  <dgm:styleLbl name="sibTrans1D1">
+    <dgm:fillClrLst meth="repeat">
+      <a:schemeClr val="accent1"/>
+    </dgm:fillClrLst>
+    <dgm:linClrLst meth="repeat">
+      <a:schemeClr val="accent1"/>
+    </dgm:linClrLst>
+    <dgm:effectClrLst/>
+    <dgm:txLinClrLst/>
+    <dgm:txFillClrLst meth="repeat">
+      <a:schemeClr val="tx1"/>
+    </dgm:txFillClrLst>
+    <dgm:txEffectClrLst/>
+  </dgm:styleLbl>
+  <dgm:styleLbl name="callout">
+    <dgm:fillClrLst meth="repeat">
+      <a:schemeClr val="accent1"/>
+    </dgm:fillClrLst>
+    <dgm:linClrLst meth="repeat">
+      <a:schemeClr val="accent1">
+        <a:tint val="50000"/>
+      </a:schemeClr>
+    </dgm:linClrLst>
+    <dgm:effectClrLst/>
+    <dgm:txLinClrLst/>
+    <dgm:txFillClrLst meth="repeat">
+      <a:schemeClr val="tx1"/>
+    </dgm:txFillClrLst>
+    <dgm:txEffectClrLst/>
+  </dgm:styleLbl>
+  <dgm:styleLbl name="asst0">
+    <dgm:fillClrLst meth="repeat">
+      <a:schemeClr val="accent1"/>
+    </dgm:fillClrLst>
+    <dgm:linClrLst meth="repeat">
+      <a:schemeClr val="lt1"/>
+    </dgm:linClrLst>
+    <dgm:effectClrLst/>
+    <dgm:txLinClrLst/>
+    <dgm:txFillClrLst/>
+    <dgm:txEffectClrLst/>
+  </dgm:styleLbl>
+  <dgm:styleLbl name="asst1">
+    <dgm:fillClrLst meth="repeat">
+      <a:schemeClr val="accent1"/>
+    </dgm:fillClrLst>
+    <dgm:linClrLst meth="repeat">
+      <a:schemeClr val="lt1"/>
+    </dgm:linClrLst>
+    <dgm:effectClrLst/>
+    <dgm:txLinClrLst/>
+    <dgm:txFillClrLst/>
+    <dgm:txEffectClrLst/>
+  </dgm:styleLbl>
+  <dgm:styleLbl name="asst2">
+    <dgm:fillClrLst meth="repeat">
+      <a:schemeClr val="accent1"/>
+    </dgm:fillClrLst>
+    <dgm:linClrLst meth="repeat">
+      <a:schemeClr val="lt1"/>
+    </dgm:linClrLst>
+    <dgm:effectClrLst/>
+    <dgm:txLinClrLst/>
+    <dgm:txFillClrLst/>
+    <dgm:txEffectClrLst/>
+  </dgm:styleLbl>
+  <dgm:styleLbl name="asst3">
+    <dgm:fillClrLst meth="repeat">
+      <a:schemeClr val="accent1"/>
+    </dgm:fillClrLst>
+    <dgm:linClrLst meth="repeat">
+      <a:schemeClr val="lt1"/>
+    </dgm:linClrLst>
+    <dgm:effectClrLst/>
+    <dgm:txLinClrLst/>
+    <dgm:txFillClrLst/>
+    <dgm:txEffectClrLst/>
+  </dgm:styleLbl>
+  <dgm:styleLbl name="asst4">
+    <dgm:fillClrLst meth="repeat">
+      <a:schemeClr val="accent1"/>
+    </dgm:fillClrLst>
+    <dgm:linClrLst meth="repeat">
+      <a:schemeClr val="lt1"/>
+    </dgm:linClrLst>
+    <dgm:effectClrLst/>
+    <dgm:txLinClrLst/>
+    <dgm:txFillClrLst/>
+    <dgm:txEffectClrLst/>
+  </dgm:styleLbl>
+  <dgm:styleLbl name="parChTrans2D1">
+    <dgm:fillClrLst meth="repeat">
+      <a:schemeClr val="accent1">
+        <a:tint val="60000"/>
+      </a:schemeClr>
+    </dgm:fillClrLst>
+    <dgm:linClrLst meth="repeat">
+      <a:schemeClr val="accent1">
+        <a:tint val="60000"/>
+      </a:schemeClr>
+    </dgm:linClrLst>
+    <dgm:effectClrLst/>
+    <dgm:txLinClrLst/>
+    <dgm:txFillClrLst meth="repeat">
+      <a:schemeClr val="lt1"/>
+    </dgm:txFillClrLst>
+    <dgm:txEffectClrLst/>
+  </dgm:styleLbl>
+  <dgm:styleLbl name="parChTrans2D2">
+    <dgm:fillClrLst meth="repeat">
+      <a:schemeClr val="accent1"/>
+    </dgm:fillClrLst>
+    <dgm:linClrLst meth="repeat">
+      <a:schemeClr val="accent1"/>
+    </dgm:linClrLst>
+    <dgm:effectClrLst/>
+    <dgm:txLinClrLst/>
+    <dgm:txFillClrLst meth="repeat">
+      <a:schemeClr val="lt1"/>
+    </dgm:txFillClrLst>
+    <dgm:txEffectClrLst/>
+  </dgm:styleLbl>
+  <dgm:styleLbl name="parChTrans2D3">
+    <dgm:fillClrLst meth="repeat">
+      <a:schemeClr val="accent1"/>
+    </dgm:fillClrLst>
+    <dgm:linClrLst meth="repeat">
+      <a:schemeClr val="accent1"/>
+    </dgm:linClrLst>
+    <dgm:effectClrLst/>
+    <dgm:txLinClrLst/>
+    <dgm:txFillClrLst meth="repeat">
+      <a:schemeClr val="lt1"/>
+    </dgm:txFillClrLst>
+    <dgm:txEffectClrLst/>
+  </dgm:styleLbl>
+  <dgm:styleLbl name="parChTrans2D4">
+    <dgm:fillClrLst meth="repeat">
+      <a:schemeClr val="accent1"/>
+    </dgm:fillClrLst>
+    <dgm:linClrLst meth="repeat">
+      <a:schemeClr val="accent1"/>
+    </dgm:linClrLst>
+    <dgm:effectClrLst/>
+    <dgm:txLinClrLst/>
+    <dgm:txFillClrLst meth="repeat">
+      <a:schemeClr val="lt1"/>
+    </dgm:txFillClrLst>
+    <dgm:txEffectClrLst/>
+  </dgm:styleLbl>
+  <dgm:styleLbl name="parChTrans1D1">
+    <dgm:fillClrLst meth="repeat">
+      <a:schemeClr val="accent1"/>
+    </dgm:fillClrLst>
+    <dgm:linClrLst meth="repeat">
+      <a:schemeClr val="accent1">
+        <a:shade val="60000"/>
+      </a:schemeClr>
+    </dgm:linClrLst>
+    <dgm:effectClrLst/>
+    <dgm:txLinClrLst/>
+    <dgm:txFillClrLst meth="repeat">
+      <a:schemeClr val="tx1"/>
+    </dgm:txFillClrLst>
+    <dgm:txEffectClrLst/>
+  </dgm:styleLbl>
+  <dgm:styleLbl name="parChTrans1D2">
+    <dgm:fillClrLst meth="repeat">
+      <a:schemeClr val="accent1"/>
+    </dgm:fillClrLst>
+    <dgm:linClrLst meth="repeat">
+      <a:schemeClr val="accent1">
+        <a:shade val="60000"/>
+      </a:schemeClr>
+    </dgm:linClrLst>
+    <dgm:effectClrLst/>
+    <dgm:txLinClrLst/>
+    <dgm:txFillClrLst meth="repeat">
+      <a:schemeClr val="tx1"/>
+    </dgm:txFillClrLst>
+    <dgm:txEffectClrLst/>
+  </dgm:styleLbl>
+  <dgm:styleLbl name="parChTrans1D3">
+    <dgm:fillClrLst meth="repeat">
+      <a:schemeClr val="accent1"/>
+    </dgm:fillClrLst>
+    <dgm:linClrLst meth="repeat">
+      <a:schemeClr val="accent1">
+        <a:shade val="80000"/>
+      </a:schemeClr>
+    </dgm:linClrLst>
+    <dgm:effectClrLst/>
+    <dgm:txLinClrLst/>
+    <dgm:txFillClrLst meth="repeat">
+      <a:schemeClr val="tx1"/>
+    </dgm:txFillClrLst>
+    <dgm:txEffectClrLst/>
+  </dgm:styleLbl>
+  <dgm:styleLbl name="parChTrans1D4">
+    <dgm:fillClrLst meth="repeat">
+      <a:schemeClr val="accent1"/>
+    </dgm:fillClrLst>
+    <dgm:linClrLst meth="repeat">
+      <a:schemeClr val="accent1">
+        <a:shade val="80000"/>
+      </a:schemeClr>
+    </dgm:linClrLst>
+    <dgm:effectClrLst/>
+    <dgm:txLinClrLst/>
+    <dgm:txFillClrLst meth="repeat">
+      <a:schemeClr val="tx1"/>
+    </dgm:txFillClrLst>
+    <dgm:txEffectClrLst/>
+  </dgm:styleLbl>
+  <dgm:styleLbl name="fgAcc1">
+    <dgm:fillClrLst meth="repeat">
+      <a:schemeClr val="lt1">
+        <a:alpha val="90000"/>
+      </a:schemeClr>
+    </dgm:fillClrLst>
+    <dgm:linClrLst meth="repeat">
+      <a:schemeClr val="accent1"/>
+    </dgm:linClrLst>
+    <dgm:effectClrLst/>
+    <dgm:txLinClrLst/>
+    <dgm:txFillClrLst meth="repeat">
+      <a:schemeClr val="dk1"/>
+    </dgm:txFillClrLst>
+    <dgm:txEffectClrLst/>
+  </dgm:styleLbl>
+  <dgm:styleLbl name="conFgAcc1">
+    <dgm:fillClrLst meth="repeat">
+      <a:schemeClr val="lt1">
+        <a:alpha val="90000"/>
+      </a:schemeClr>
+    </dgm:fillClrLst>
+    <dgm:linClrLst meth="repeat">
+      <a:schemeClr val="accent1"/>
+    </dgm:linClrLst>
+    <dgm:effectClrLst/>
+    <dgm:txLinClrLst/>
+    <dgm:txFillClrLst meth="repeat">
+      <a:schemeClr val="dk1"/>
+    </dgm:txFillClrLst>
+    <dgm:txEffectClrLst/>
+  </dgm:styleLbl>
+  <dgm:styleLbl name="alignAcc1">
+    <dgm:fillClrLst meth="repeat">
+      <a:schemeClr val="lt1">
+        <a:alpha val="90000"/>
+      </a:schemeClr>
+    </dgm:fillClrLst>
+    <dgm:linClrLst meth="repeat">
+      <a:schemeClr val="accent1"/>
+    </dgm:linClrLst>
+    <dgm:effectClrLst/>
+    <dgm:txLinClrLst/>
+    <dgm:txFillClrLst meth="repeat">
+      <a:schemeClr val="dk1"/>
+    </dgm:txFillClrLst>
+    <dgm:txEffectClrLst/>
+  </dgm:styleLbl>
+  <dgm:styleLbl name="trAlignAcc1">
+    <dgm:fillClrLst meth="repeat">
+      <a:schemeClr val="lt1">
+        <a:alpha val="40000"/>
+      </a:schemeClr>
+    </dgm:fillClrLst>
+    <dgm:linClrLst meth="repeat">
+      <a:schemeClr val="accent1"/>
+    </dgm:linClrLst>
+    <dgm:effectClrLst/>
+    <dgm:txLinClrLst/>
+    <dgm:txFillClrLst meth="repeat">
+      <a:schemeClr val="dk1"/>
+    </dgm:txFillClrLst>
+    <dgm:txEffectClrLst/>
+  </dgm:styleLbl>
+  <dgm:styleLbl name="bgAcc1">
+    <dgm:fillClrLst meth="repeat">
+      <a:schemeClr val="lt1">
+        <a:alpha val="90000"/>
+      </a:schemeClr>
+    </dgm:fillClrLst>
+    <dgm:linClrLst meth="repeat">
+      <a:schemeClr val="accent1"/>
+    </dgm:linClrLst>
+    <dgm:effectClrLst/>
+    <dgm:txLinClrLst/>
+    <dgm:txFillClrLst meth="repeat">
+      <a:schemeClr val="dk1"/>
+    </dgm:txFillClrLst>
+    <dgm:txEffectClrLst/>
+  </dgm:styleLbl>
+  <dgm:styleLbl name="solidFgAcc1">
+    <dgm:fillClrLst meth="repeat">
+      <a:schemeClr val="lt1"/>
+    </dgm:fillClrLst>
+    <dgm:linClrLst meth="repeat">
+      <a:schemeClr val="accent1"/>
+    </dgm:linClrLst>
+    <dgm:effectClrLst/>
+    <dgm:txLinClrLst/>
+    <dgm:txFillClrLst meth="repeat">
+      <a:schemeClr val="dk1"/>
+    </dgm:txFillClrLst>
+    <dgm:txEffectClrLst/>
+  </dgm:styleLbl>
+  <dgm:styleLbl name="solidAlignAcc1">
+    <dgm:fillClrLst meth="repeat">
+      <a:schemeClr val="lt1"/>
+    </dgm:fillClrLst>
+    <dgm:linClrLst meth="repeat">
+      <a:schemeClr val="accent1"/>
+    </dgm:linClrLst>
+    <dgm:effectClrLst/>
+    <dgm:txLinClrLst/>
+    <dgm:txFillClrLst meth="repeat">
+      <a:schemeClr val="dk1"/>
+    </dgm:txFillClrLst>
+    <dgm:txEffectClrLst/>
+  </dgm:styleLbl>
+  <dgm:styleLbl name="solidBgAcc1">
+    <dgm:fillClrLst meth="repeat">
+      <a:schemeClr val="lt1"/>
+    </dgm:fillClrLst>
+    <dgm:linClrLst meth="repeat">
+      <a:schemeClr val="accent1"/>
+    </dgm:linClrLst>
+    <dgm:effectClrLst/>
+    <dgm:txLinClrLst/>
+    <dgm:txFillClrLst meth="repeat">
+      <a:schemeClr val="dk1"/>
+    </dgm:txFillClrLst>
+    <dgm:txEffectClrLst/>
+  </dgm:styleLbl>
+  <dgm:styleLbl name="fgAccFollowNode1">
+    <dgm:fillClrLst meth="repeat">
+      <a:schemeClr val="accent1">
+        <a:alpha val="90000"/>
+        <a:tint val="40000"/>
+      </a:schemeClr>
+    </dgm:fillClrLst>
+    <dgm:linClrLst meth="repeat">
+      <a:schemeClr val="accent1">
+        <a:alpha val="90000"/>
+        <a:tint val="40000"/>
+      </a:schemeClr>
+    </dgm:linClrLst>
+    <dgm:effectClrLst/>
+    <dgm:txLinClrLst/>
+    <dgm:txFillClrLst meth="repeat">
+      <a:schemeClr val="dk1"/>
+    </dgm:txFillClrLst>
+    <dgm:txEffectClrLst/>
+  </dgm:styleLbl>
+  <dgm:styleLbl name="alignAccFollowNode1">
+    <dgm:fillClrLst meth="repeat">
+      <a:schemeClr val="accent1">
+        <a:alpha val="90000"/>
+        <a:tint val="40000"/>
+      </a:schemeClr>
+    </dgm:fillClrLst>
+    <dgm:linClrLst meth="repeat">
+      <a:schemeClr val="accent1">
+        <a:alpha val="90000"/>
+        <a:tint val="40000"/>
+      </a:schemeClr>
+    </dgm:linClrLst>
+    <dgm:effectClrLst/>
+    <dgm:txLinClrLst/>
+    <dgm:txFillClrLst meth="repeat">
+      <a:schemeClr val="dk1"/>
+    </dgm:txFillClrLst>
+    <dgm:txEffectClrLst/>
+  </dgm:styleLbl>
+  <dgm:styleLbl name="bgAccFollowNode1">
+    <dgm:fillClrLst meth="repeat">
+      <a:schemeClr val="accent1">
+        <a:alpha val="90000"/>
+        <a:tint val="40000"/>
+      </a:schemeClr>
+    </dgm:fillClrLst>
+    <dgm:linClrLst meth="repeat">
+      <a:schemeClr val="accent1">
+        <a:alpha val="90000"/>
+        <a:tint val="40000"/>
+      </a:schemeClr>
+    </dgm:linClrLst>
+    <dgm:effectClrLst/>
+    <dgm:txLinClrLst/>
+    <dgm:txFillClrLst meth="repeat">
+      <a:schemeClr val="dk1"/>
+    </dgm:txFillClrLst>
+    <dgm:txEffectClrLst/>
+  </dgm:styleLbl>
+  <dgm:styleLbl name="fgAcc0">
+    <dgm:fillClrLst meth="repeat">
+      <a:schemeClr val="lt1">
+        <a:alpha val="90000"/>
+      </a:schemeClr>
+    </dgm:fillClrLst>
+    <dgm:linClrLst meth="repeat">
+      <a:schemeClr val="accent1"/>
+    </dgm:linClrLst>
+    <dgm:effectClrLst/>
+    <dgm:txLinClrLst/>
+    <dgm:txFillClrLst meth="repeat">
+      <a:schemeClr val="dk1"/>
+    </dgm:txFillClrLst>
+    <dgm:txEffectClrLst/>
+  </dgm:styleLbl>
+  <dgm:styleLbl name="fgAcc2">
+    <dgm:fillClrLst meth="repeat">
+      <a:schemeClr val="lt1">
+        <a:alpha val="90000"/>
+      </a:schemeClr>
+    </dgm:fillClrLst>
+    <dgm:linClrLst meth="repeat">
+      <a:schemeClr val="accent1"/>
+    </dgm:linClrLst>
+    <dgm:effectClrLst/>
+    <dgm:txLinClrLst/>
+    <dgm:txFillClrLst meth="repeat">
+      <a:schemeClr val="dk1"/>
+    </dgm:txFillClrLst>
+    <dgm:txEffectClrLst/>
+  </dgm:styleLbl>
+  <dgm:styleLbl name="fgAcc3">
+    <dgm:fillClrLst meth="repeat">
+      <a:schemeClr val="lt1">
+        <a:alpha val="90000"/>
+      </a:schemeClr>
+    </dgm:fillClrLst>
+    <dgm:linClrLst meth="repeat">
+      <a:schemeClr val="accent1"/>
+    </dgm:linClrLst>
+    <dgm:effectClrLst/>
+    <dgm:txLinClrLst/>
+    <dgm:txFillClrLst meth="repeat">
+      <a:schemeClr val="dk1"/>
+    </dgm:txFillClrLst>
+    <dgm:txEffectClrLst/>
+  </dgm:styleLbl>
+  <dgm:styleLbl name="fgAcc4">
+    <dgm:fillClrLst meth="repeat">
+      <a:schemeClr val="lt1">
+        <a:alpha val="90000"/>
+      </a:schemeClr>
+    </dgm:fillClrLst>
+    <dgm:linClrLst meth="repeat">
+      <a:schemeClr val="accent1"/>
+    </dgm:linClrLst>
+    <dgm:effectClrLst/>
+    <dgm:txLinClrLst/>
+    <dgm:txFillClrLst meth="repeat">
+      <a:schemeClr val="dk1"/>
+    </dgm:txFillClrLst>
+    <dgm:txEffectClrLst/>
+  </dgm:styleLbl>
+  <dgm:styleLbl name="bgShp">
+    <dgm:fillClrLst meth="repeat">
+      <a:schemeClr val="accent1">
+        <a:tint val="40000"/>
+      </a:schemeClr>
+    </dgm:fillClrLst>
+    <dgm:linClrLst meth="repeat">
+      <a:schemeClr val="accent1"/>
+    </dgm:linClrLst>
+    <dgm:effectClrLst/>
+    <dgm:txLinClrLst/>
+    <dgm:txFillClrLst meth="repeat">
+      <a:schemeClr val="dk1"/>
+    </dgm:txFillClrLst>
+    <dgm:txEffectClrLst/>
+  </dgm:styleLbl>
+  <dgm:styleLbl name="dkBgShp">
+    <dgm:fillClrLst meth="repeat">
+      <a:schemeClr val="accent1">
+        <a:shade val="80000"/>
+      </a:schemeClr>
+    </dgm:fillClrLst>
+    <dgm:linClrLst meth="repeat">
+      <a:schemeClr val="accent1"/>
+    </dgm:linClrLst>
+    <dgm:effectClrLst/>
+    <dgm:txLinClrLst/>
+    <dgm:txFillClrLst meth="repeat">
+      <a:schemeClr val="lt1"/>
+    </dgm:txFillClrLst>
+    <dgm:txEffectClrLst/>
+  </dgm:styleLbl>
+  <dgm:styleLbl name="trBgShp">
+    <dgm:fillClrLst meth="repeat">
+      <a:schemeClr val="accent1">
+        <a:tint val="50000"/>
+        <a:alpha val="40000"/>
+      </a:schemeClr>
+    </dgm:fillClrLst>
+    <dgm:linClrLst meth="repeat">
+      <a:schemeClr val="accent1"/>
+    </dgm:linClrLst>
+    <dgm:effectClrLst/>
+    <dgm:txLinClrLst/>
+    <dgm:txFillClrLst meth="repeat">
+      <a:schemeClr val="lt1"/>
+    </dgm:txFillClrLst>
+    <dgm:txEffectClrLst/>
+  </dgm:styleLbl>
+  <dgm:styleLbl name="fgShp">
+    <dgm:fillClrLst meth="repeat">
+      <a:schemeClr val="accent1">
+        <a:tint val="60000"/>
+      </a:schemeClr>
+    </dgm:fillClrLst>
+    <dgm:linClrLst meth="repeat">
+      <a:schemeClr val="lt1"/>
+    </dgm:linClrLst>
+    <dgm:effectClrLst/>
+    <dgm:txLinClrLst/>
+    <dgm:txFillClrLst meth="repeat">
+      <a:schemeClr val="dk1"/>
+    </dgm:txFillClrLst>
+    <dgm:txEffectClrLst/>
+  </dgm:styleLbl>
+  <dgm:styleLbl name="revTx">
+    <dgm:fillClrLst meth="repeat">
+      <a:schemeClr val="lt1">
+        <a:alpha val="0"/>
+      </a:schemeClr>
+    </dgm:fillClrLst>
+    <dgm:linClrLst meth="repeat">
+      <a:schemeClr val="dk1">
+        <a:alpha val="0"/>
+      </a:schemeClr>
+    </dgm:linClrLst>
+    <dgm:effectClrLst/>
+    <dgm:txLinClrLst/>
+    <dgm:txFillClrLst meth="repeat">
+      <a:schemeClr val="tx1"/>
+    </dgm:txFillClrLst>
+    <dgm:txEffectClrLst/>
+  </dgm:styleLbl>
+</dgm:colorsDef>
+</file>
+
+<file path=ppt/diagrams/data1.xml><?xml version="1.0" encoding="utf-8"?>
+<dgm:dataModel xmlns:dgm="http://schemas.openxmlformats.org/drawingml/2006/diagram" xmlns:a="http://schemas.openxmlformats.org/drawingml/2006/main">
+  <dgm:ptLst>
+    <dgm:pt modelId="{A0C2C3FA-A4E4-4046-A24E-815EF3A527EF}" type="doc">
+      <dgm:prSet loTypeId="urn:microsoft.com/office/officeart/2018/2/layout/IconVerticalSolidList" loCatId="icon" qsTypeId="urn:microsoft.com/office/officeart/2005/8/quickstyle/simple1" qsCatId="simple" csTypeId="urn:microsoft.com/office/officeart/2005/8/colors/accent1_2" csCatId="accent1" phldr="1"/>
+      <dgm:spPr/>
+      <dgm:t>
+        <a:bodyPr/>
+        <a:lstStyle/>
+        <a:p>
+          <a:endParaRPr lang="en-US"/>
+        </a:p>
+      </dgm:t>
+    </dgm:pt>
+    <dgm:pt modelId="{F70967AE-FE01-4263-A7D1-88E9A54EF79A}">
+      <dgm:prSet/>
+      <dgm:spPr/>
+      <dgm:t>
+        <a:bodyPr/>
+        <a:lstStyle/>
+        <a:p>
+          <a:pPr>
+            <a:lnSpc>
+              <a:spcPct val="100000"/>
+            </a:lnSpc>
+          </a:pPr>
+          <a:r>
+            <a:rPr lang="es-ES" b="1" dirty="0"/>
+            <a:t>Planteamiento:</a:t>
+          </a:r>
+          <a:br>
+            <a:rPr lang="es-ES" dirty="0"/>
+          </a:br>
+          <a:r>
+            <a:rPr lang="es-ES" dirty="0"/>
+            <a:t>En biología, los genes y proteínas interactúan formando redes complejas.</a:t>
+          </a:r>
+          <a:br>
+            <a:rPr lang="es-ES" dirty="0"/>
+          </a:br>
+          <a:r>
+            <a:rPr lang="es-ES" dirty="0"/>
+            <a:t>Identificar comunidades dentro de estas redes permite descubrir </a:t>
+          </a:r>
+          <a:r>
+            <a:rPr lang="es-ES" b="1" dirty="0"/>
+            <a:t>módulos funcionales</a:t>
+          </a:r>
+          <a:r>
+            <a:rPr lang="es-ES" dirty="0"/>
+            <a:t>, es decir, </a:t>
+          </a:r>
+          <a:r>
+            <a:rPr lang="es-ES" b="1" dirty="0"/>
+            <a:t>grupos de genes que cooperan en un mismo proceso.</a:t>
+          </a:r>
+          <a:br>
+            <a:rPr lang="es-ES" b="1" dirty="0"/>
+          </a:br>
+          <a:r>
+            <a:rPr lang="es-ES" dirty="0"/>
+            <a:t>El problema es que estas relaciones no se pueden observar directamente por su gran número y complejidad.</a:t>
+          </a:r>
+          <a:endParaRPr lang="en-US" dirty="0"/>
+        </a:p>
+      </dgm:t>
+    </dgm:pt>
+    <dgm:pt modelId="{042E3898-34AD-4CC0-AD9C-D41B7100E6B9}" type="parTrans" cxnId="{B7160A78-A25B-446C-A1CF-A0CB173867A0}">
+      <dgm:prSet/>
+      <dgm:spPr/>
+      <dgm:t>
+        <a:bodyPr/>
+        <a:lstStyle/>
+        <a:p>
+          <a:endParaRPr lang="en-US"/>
+        </a:p>
+      </dgm:t>
+    </dgm:pt>
+    <dgm:pt modelId="{F1F30ACE-10B9-4CD2-82FF-43C102E0CC3F}" type="sibTrans" cxnId="{B7160A78-A25B-446C-A1CF-A0CB173867A0}">
+      <dgm:prSet/>
+      <dgm:spPr/>
+      <dgm:t>
+        <a:bodyPr/>
+        <a:lstStyle/>
+        <a:p>
+          <a:endParaRPr lang="en-US"/>
+        </a:p>
+      </dgm:t>
+    </dgm:pt>
+    <dgm:pt modelId="{5FD305C7-3E93-4F8B-88A7-1D6E314E20A5}">
+      <dgm:prSet/>
+      <dgm:spPr/>
+      <dgm:t>
+        <a:bodyPr/>
+        <a:lstStyle/>
+        <a:p>
+          <a:pPr>
+            <a:lnSpc>
+              <a:spcPct val="100000"/>
+            </a:lnSpc>
+          </a:pPr>
+          <a:r>
+            <a:rPr lang="es-ES" b="1"/>
+            <a:t>Solución:</a:t>
+          </a:r>
+          <a:br>
+            <a:rPr lang="es-ES"/>
+          </a:br>
+          <a:r>
+            <a:rPr lang="es-ES"/>
+            <a:t>Aplicando algoritmos de detección de comunidades, se agrupan los genes según su nivel de conexión.</a:t>
+          </a:r>
+          <a:br>
+            <a:rPr lang="es-ES"/>
+          </a:br>
+          <a:r>
+            <a:rPr lang="es-ES"/>
+            <a:t>Esto permite identificar funciones biológicas compartidas, predecir comportamientos y </a:t>
+          </a:r>
+          <a:r>
+            <a:rPr lang="es-ES" b="1"/>
+            <a:t>comprender mejor </a:t>
+          </a:r>
+          <a:r>
+            <a:rPr lang="es-ES"/>
+            <a:t>enfermedades o procesos celulares.</a:t>
+          </a:r>
+          <a:endParaRPr lang="en-US"/>
+        </a:p>
+      </dgm:t>
+    </dgm:pt>
+    <dgm:pt modelId="{90A464FC-6B32-4670-B346-1363DD510312}" type="parTrans" cxnId="{6B1E3EC2-0B44-4D0A-9FB1-958B51EF2607}">
+      <dgm:prSet/>
+      <dgm:spPr/>
+      <dgm:t>
+        <a:bodyPr/>
+        <a:lstStyle/>
+        <a:p>
+          <a:endParaRPr lang="en-US"/>
+        </a:p>
+      </dgm:t>
+    </dgm:pt>
+    <dgm:pt modelId="{B69C63D5-9991-4E05-B85A-F8ADEB7FD8BF}" type="sibTrans" cxnId="{6B1E3EC2-0B44-4D0A-9FB1-958B51EF2607}">
+      <dgm:prSet/>
+      <dgm:spPr/>
+      <dgm:t>
+        <a:bodyPr/>
+        <a:lstStyle/>
+        <a:p>
+          <a:endParaRPr lang="en-US"/>
+        </a:p>
+      </dgm:t>
+    </dgm:pt>
+    <dgm:pt modelId="{5E689685-3E47-489F-89EC-04E7B5C4B466}" type="pres">
+      <dgm:prSet presAssocID="{A0C2C3FA-A4E4-4046-A24E-815EF3A527EF}" presName="root" presStyleCnt="0">
+        <dgm:presLayoutVars>
+          <dgm:dir/>
+          <dgm:resizeHandles val="exact"/>
+        </dgm:presLayoutVars>
+      </dgm:prSet>
+      <dgm:spPr/>
+    </dgm:pt>
+    <dgm:pt modelId="{4E2488CC-DC9F-465F-B606-4C773D244503}" type="pres">
+      <dgm:prSet presAssocID="{F70967AE-FE01-4263-A7D1-88E9A54EF79A}" presName="compNode" presStyleCnt="0"/>
+      <dgm:spPr/>
+    </dgm:pt>
+    <dgm:pt modelId="{02D7C16B-FD3E-4C43-A2F9-402914F3B62B}" type="pres">
+      <dgm:prSet presAssocID="{F70967AE-FE01-4263-A7D1-88E9A54EF79A}" presName="bgRect" presStyleLbl="bgShp" presStyleIdx="0" presStyleCnt="2"/>
+      <dgm:spPr/>
+    </dgm:pt>
+    <dgm:pt modelId="{714ECCC5-F730-4F4D-9AD3-8DA700F01DD2}" type="pres">
+      <dgm:prSet presAssocID="{F70967AE-FE01-4263-A7D1-88E9A54EF79A}" presName="iconRect" presStyleLbl="node1" presStyleIdx="0" presStyleCnt="2"/>
+      <dgm:spPr>
+        <a:blipFill>
+          <a:blip xmlns:r="http://schemas.openxmlformats.org/officeDocument/2006/relationships" r:embed="rId1">
+            <a:extLst>
+              <a:ext uri="{28A0092B-C50C-407E-A947-70E740481C1C}">
+                <a14:useLocalDpi xmlns:a14="http://schemas.microsoft.com/office/drawing/2010/main" val="0"/>
+              </a:ext>
+              <a:ext uri="{96DAC541-7B7A-43D3-8B79-37D633B846F1}">
+                <asvg:svgBlip xmlns:asvg="http://schemas.microsoft.com/office/drawing/2016/SVG/main" r:embed="rId2"/>
+              </a:ext>
+            </a:extLst>
+          </a:blip>
+          <a:stretch>
+            <a:fillRect/>
+          </a:stretch>
+        </a:blipFill>
+      </dgm:spPr>
+      <dgm:extLst>
+        <a:ext uri="{E40237B7-FDA0-4F09-8148-C483321AD2D9}">
+          <dgm14:cNvPr xmlns:dgm14="http://schemas.microsoft.com/office/drawing/2010/diagram" id="0" name="" descr="ADN"/>
+        </a:ext>
+      </dgm:extLst>
+    </dgm:pt>
+    <dgm:pt modelId="{939E1972-8E1B-4068-9B57-A2FE980F4878}" type="pres">
+      <dgm:prSet presAssocID="{F70967AE-FE01-4263-A7D1-88E9A54EF79A}" presName="spaceRect" presStyleCnt="0"/>
+      <dgm:spPr/>
+    </dgm:pt>
+    <dgm:pt modelId="{509AE850-AB0C-4A6C-A680-2D13955C2ECC}" type="pres">
+      <dgm:prSet presAssocID="{F70967AE-FE01-4263-A7D1-88E9A54EF79A}" presName="parTx" presStyleLbl="revTx" presStyleIdx="0" presStyleCnt="2">
+        <dgm:presLayoutVars>
+          <dgm:chMax val="0"/>
+          <dgm:chPref val="0"/>
+        </dgm:presLayoutVars>
+      </dgm:prSet>
+      <dgm:spPr/>
+    </dgm:pt>
+    <dgm:pt modelId="{285DBBD9-1BF5-42F0-B1D3-EA4BE0E42901}" type="pres">
+      <dgm:prSet presAssocID="{F1F30ACE-10B9-4CD2-82FF-43C102E0CC3F}" presName="sibTrans" presStyleCnt="0"/>
+      <dgm:spPr/>
+    </dgm:pt>
+    <dgm:pt modelId="{342C4BA0-A89E-4248-8F5C-EB7BD4B65227}" type="pres">
+      <dgm:prSet presAssocID="{5FD305C7-3E93-4F8B-88A7-1D6E314E20A5}" presName="compNode" presStyleCnt="0"/>
+      <dgm:spPr/>
+    </dgm:pt>
+    <dgm:pt modelId="{C37704E4-6C55-4114-A2CB-5DC7692D7555}" type="pres">
+      <dgm:prSet presAssocID="{5FD305C7-3E93-4F8B-88A7-1D6E314E20A5}" presName="bgRect" presStyleLbl="bgShp" presStyleIdx="1" presStyleCnt="2"/>
+      <dgm:spPr/>
+    </dgm:pt>
+    <dgm:pt modelId="{50F64AA6-9E2E-4592-90C9-0467E4EE1B85}" type="pres">
+      <dgm:prSet presAssocID="{5FD305C7-3E93-4F8B-88A7-1D6E314E20A5}" presName="iconRect" presStyleLbl="node1" presStyleIdx="1" presStyleCnt="2"/>
+      <dgm:spPr>
+        <a:blipFill>
+          <a:blip xmlns:r="http://schemas.openxmlformats.org/officeDocument/2006/relationships" r:embed="rId3">
+            <a:extLst>
+              <a:ext uri="{28A0092B-C50C-407E-A947-70E740481C1C}">
+                <a14:useLocalDpi xmlns:a14="http://schemas.microsoft.com/office/drawing/2010/main" val="0"/>
+              </a:ext>
+              <a:ext uri="{96DAC541-7B7A-43D3-8B79-37D633B846F1}">
+                <asvg:svgBlip xmlns:asvg="http://schemas.microsoft.com/office/drawing/2016/SVG/main" r:embed="rId4"/>
+              </a:ext>
+            </a:extLst>
+          </a:blip>
+          <a:stretch>
+            <a:fillRect/>
+          </a:stretch>
+        </a:blipFill>
+      </dgm:spPr>
+      <dgm:extLst>
+        <a:ext uri="{E40237B7-FDA0-4F09-8148-C483321AD2D9}">
+          <dgm14:cNvPr xmlns:dgm14="http://schemas.microsoft.com/office/drawing/2010/diagram" id="0" name="" descr="Finger Print"/>
+        </a:ext>
+      </dgm:extLst>
+    </dgm:pt>
+    <dgm:pt modelId="{6F76BB68-EDCF-4735-8436-2CDFE9EC8029}" type="pres">
+      <dgm:prSet presAssocID="{5FD305C7-3E93-4F8B-88A7-1D6E314E20A5}" presName="spaceRect" presStyleCnt="0"/>
+      <dgm:spPr/>
+    </dgm:pt>
+    <dgm:pt modelId="{04D45274-4F40-4A7E-ADFE-83607727ECCB}" type="pres">
+      <dgm:prSet presAssocID="{5FD305C7-3E93-4F8B-88A7-1D6E314E20A5}" presName="parTx" presStyleLbl="revTx" presStyleIdx="1" presStyleCnt="2">
+        <dgm:presLayoutVars>
+          <dgm:chMax val="0"/>
+          <dgm:chPref val="0"/>
+        </dgm:presLayoutVars>
+      </dgm:prSet>
+      <dgm:spPr/>
+    </dgm:pt>
+  </dgm:ptLst>
+  <dgm:cxnLst>
+    <dgm:cxn modelId="{76556B14-6C4E-44A0-AA48-728ACD9D13FE}" type="presOf" srcId="{A0C2C3FA-A4E4-4046-A24E-815EF3A527EF}" destId="{5E689685-3E47-489F-89EC-04E7B5C4B466}" srcOrd="0" destOrd="0" presId="urn:microsoft.com/office/officeart/2018/2/layout/IconVerticalSolidList"/>
+    <dgm:cxn modelId="{FE095E3F-E44E-47D4-9433-11065817D3C7}" type="presOf" srcId="{F70967AE-FE01-4263-A7D1-88E9A54EF79A}" destId="{509AE850-AB0C-4A6C-A680-2D13955C2ECC}" srcOrd="0" destOrd="0" presId="urn:microsoft.com/office/officeart/2018/2/layout/IconVerticalSolidList"/>
+    <dgm:cxn modelId="{7348D652-83ED-435E-A096-B4464A5C7115}" type="presOf" srcId="{5FD305C7-3E93-4F8B-88A7-1D6E314E20A5}" destId="{04D45274-4F40-4A7E-ADFE-83607727ECCB}" srcOrd="0" destOrd="0" presId="urn:microsoft.com/office/officeart/2018/2/layout/IconVerticalSolidList"/>
+    <dgm:cxn modelId="{B7160A78-A25B-446C-A1CF-A0CB173867A0}" srcId="{A0C2C3FA-A4E4-4046-A24E-815EF3A527EF}" destId="{F70967AE-FE01-4263-A7D1-88E9A54EF79A}" srcOrd="0" destOrd="0" parTransId="{042E3898-34AD-4CC0-AD9C-D41B7100E6B9}" sibTransId="{F1F30ACE-10B9-4CD2-82FF-43C102E0CC3F}"/>
+    <dgm:cxn modelId="{6B1E3EC2-0B44-4D0A-9FB1-958B51EF2607}" srcId="{A0C2C3FA-A4E4-4046-A24E-815EF3A527EF}" destId="{5FD305C7-3E93-4F8B-88A7-1D6E314E20A5}" srcOrd="1" destOrd="0" parTransId="{90A464FC-6B32-4670-B346-1363DD510312}" sibTransId="{B69C63D5-9991-4E05-B85A-F8ADEB7FD8BF}"/>
+    <dgm:cxn modelId="{7800258A-29F7-422E-9F68-6E9C917B1C02}" type="presParOf" srcId="{5E689685-3E47-489F-89EC-04E7B5C4B466}" destId="{4E2488CC-DC9F-465F-B606-4C773D244503}" srcOrd="0" destOrd="0" presId="urn:microsoft.com/office/officeart/2018/2/layout/IconVerticalSolidList"/>
+    <dgm:cxn modelId="{165AD436-2AFB-47C3-978A-F5B675874539}" type="presParOf" srcId="{4E2488CC-DC9F-465F-B606-4C773D244503}" destId="{02D7C16B-FD3E-4C43-A2F9-402914F3B62B}" srcOrd="0" destOrd="0" presId="urn:microsoft.com/office/officeart/2018/2/layout/IconVerticalSolidList"/>
+    <dgm:cxn modelId="{DA55DEA5-1DED-4675-8478-552C7BA16E51}" type="presParOf" srcId="{4E2488CC-DC9F-465F-B606-4C773D244503}" destId="{714ECCC5-F730-4F4D-9AD3-8DA700F01DD2}" srcOrd="1" destOrd="0" presId="urn:microsoft.com/office/officeart/2018/2/layout/IconVerticalSolidList"/>
+    <dgm:cxn modelId="{EC81188B-598F-4BE8-B002-5435264831A9}" type="presParOf" srcId="{4E2488CC-DC9F-465F-B606-4C773D244503}" destId="{939E1972-8E1B-4068-9B57-A2FE980F4878}" srcOrd="2" destOrd="0" presId="urn:microsoft.com/office/officeart/2018/2/layout/IconVerticalSolidList"/>
+    <dgm:cxn modelId="{8906B4F6-511A-4B83-9D6E-A783A23F882F}" type="presParOf" srcId="{4E2488CC-DC9F-465F-B606-4C773D244503}" destId="{509AE850-AB0C-4A6C-A680-2D13955C2ECC}" srcOrd="3" destOrd="0" presId="urn:microsoft.com/office/officeart/2018/2/layout/IconVerticalSolidList"/>
+    <dgm:cxn modelId="{62A7AA0A-89D7-443B-8F6C-503C2E265CEB}" type="presParOf" srcId="{5E689685-3E47-489F-89EC-04E7B5C4B466}" destId="{285DBBD9-1BF5-42F0-B1D3-EA4BE0E42901}" srcOrd="1" destOrd="0" presId="urn:microsoft.com/office/officeart/2018/2/layout/IconVerticalSolidList"/>
+    <dgm:cxn modelId="{C996EF9E-133F-4B1B-A69C-27B73EC2D0F3}" type="presParOf" srcId="{5E689685-3E47-489F-89EC-04E7B5C4B466}" destId="{342C4BA0-A89E-4248-8F5C-EB7BD4B65227}" srcOrd="2" destOrd="0" presId="urn:microsoft.com/office/officeart/2018/2/layout/IconVerticalSolidList"/>
+    <dgm:cxn modelId="{0E7F9CDB-FA4A-482B-ADCC-7DE189DACE26}" type="presParOf" srcId="{342C4BA0-A89E-4248-8F5C-EB7BD4B65227}" destId="{C37704E4-6C55-4114-A2CB-5DC7692D7555}" srcOrd="0" destOrd="0" presId="urn:microsoft.com/office/officeart/2018/2/layout/IconVerticalSolidList"/>
+    <dgm:cxn modelId="{7AE1FE3F-EF0A-4786-A839-025B9247B9CB}" type="presParOf" srcId="{342C4BA0-A89E-4248-8F5C-EB7BD4B65227}" destId="{50F64AA6-9E2E-4592-90C9-0467E4EE1B85}" srcOrd="1" destOrd="0" presId="urn:microsoft.com/office/officeart/2018/2/layout/IconVerticalSolidList"/>
+    <dgm:cxn modelId="{48AF33C4-2758-453F-9B2C-33884AB8DDA5}" type="presParOf" srcId="{342C4BA0-A89E-4248-8F5C-EB7BD4B65227}" destId="{6F76BB68-EDCF-4735-8436-2CDFE9EC8029}" srcOrd="2" destOrd="0" presId="urn:microsoft.com/office/officeart/2018/2/layout/IconVerticalSolidList"/>
+    <dgm:cxn modelId="{D2413A3E-296E-44B5-A284-D45E2D159AF9}" type="presParOf" srcId="{342C4BA0-A89E-4248-8F5C-EB7BD4B65227}" destId="{04D45274-4F40-4A7E-ADFE-83607727ECCB}" srcOrd="3" destOrd="0" presId="urn:microsoft.com/office/officeart/2018/2/layout/IconVerticalSolidList"/>
+  </dgm:cxnLst>
+  <dgm:bg/>
+  <dgm:whole/>
+  <dgm:extLst>
+    <a:ext uri="http://schemas.microsoft.com/office/drawing/2008/diagram">
+      <dsp:dataModelExt xmlns:dsp="http://schemas.microsoft.com/office/drawing/2008/diagram" relId="rId6" minVer="http://schemas.openxmlformats.org/drawingml/2006/diagram"/>
+    </a:ext>
+  </dgm:extLst>
+</dgm:dataModel>
+</file>
+
+<file path=ppt/diagrams/drawing1.xml><?xml version="1.0" encoding="utf-8"?>
+<dsp:drawing xmlns:dgm="http://schemas.openxmlformats.org/drawingml/2006/diagram" xmlns:dsp="http://schemas.microsoft.com/office/drawing/2008/diagram" xmlns:a="http://schemas.openxmlformats.org/drawingml/2006/main">
+  <dsp:spTree>
+    <dsp:nvGrpSpPr>
+      <dsp:cNvPr id="0" name=""/>
+      <dsp:cNvGrpSpPr/>
+    </dsp:nvGrpSpPr>
+    <dsp:grpSpPr/>
+    <dsp:sp modelId="{02D7C16B-FD3E-4C43-A2F9-402914F3B62B}">
+      <dsp:nvSpPr>
+        <dsp:cNvPr id="0" name=""/>
+        <dsp:cNvSpPr/>
+      </dsp:nvSpPr>
+      <dsp:spPr>
+        <a:xfrm>
+          <a:off x="0" y="56"/>
+          <a:ext cx="5402662" cy="92264"/>
+        </a:xfrm>
+        <a:prstGeom prst="roundRect">
+          <a:avLst>
+            <a:gd name="adj" fmla="val 10000"/>
+          </a:avLst>
+        </a:prstGeom>
+        <a:solidFill>
+          <a:schemeClr val="accent1">
+            <a:tint val="40000"/>
+            <a:hueOff val="0"/>
+            <a:satOff val="0"/>
+            <a:lumOff val="0"/>
+            <a:alphaOff val="0"/>
+          </a:schemeClr>
+        </a:solidFill>
+        <a:ln>
+          <a:noFill/>
+        </a:ln>
+        <a:effectLst/>
+      </dsp:spPr>
+      <dsp:style>
+        <a:lnRef idx="0">
+          <a:scrgbClr r="0" g="0" b="0"/>
+        </a:lnRef>
+        <a:fillRef idx="1">
+          <a:scrgbClr r="0" g="0" b="0"/>
+        </a:fillRef>
+        <a:effectRef idx="0">
+          <a:scrgbClr r="0" g="0" b="0"/>
+        </a:effectRef>
+        <a:fontRef idx="minor"/>
+      </dsp:style>
+    </dsp:sp>
+    <dsp:sp modelId="{714ECCC5-F730-4F4D-9AD3-8DA700F01DD2}">
+      <dsp:nvSpPr>
+        <dsp:cNvPr id="0" name=""/>
+        <dsp:cNvSpPr/>
+      </dsp:nvSpPr>
+      <dsp:spPr>
+        <a:xfrm>
+          <a:off x="27909" y="20816"/>
+          <a:ext cx="50745" cy="50745"/>
+        </a:xfrm>
+        <a:prstGeom prst="rect">
+          <a:avLst/>
+        </a:prstGeom>
+        <a:blipFill>
+          <a:blip xmlns:r="http://schemas.openxmlformats.org/officeDocument/2006/relationships" r:embed="rId1">
+            <a:extLst>
+              <a:ext uri="{28A0092B-C50C-407E-A947-70E740481C1C}">
+                <a14:useLocalDpi xmlns:a14="http://schemas.microsoft.com/office/drawing/2010/main" val="0"/>
+              </a:ext>
+              <a:ext uri="{96DAC541-7B7A-43D3-8B79-37D633B846F1}">
+                <asvg:svgBlip xmlns:asvg="http://schemas.microsoft.com/office/drawing/2016/SVG/main" r:embed="rId2"/>
+              </a:ext>
+            </a:extLst>
+          </a:blip>
+          <a:stretch>
+            <a:fillRect/>
+          </a:stretch>
+        </a:blipFill>
+        <a:ln w="12700" cap="flat" cmpd="sng" algn="ctr">
+          <a:solidFill>
+            <a:schemeClr val="lt1">
+              <a:hueOff val="0"/>
+              <a:satOff val="0"/>
+              <a:lumOff val="0"/>
+              <a:alphaOff val="0"/>
+            </a:schemeClr>
+          </a:solidFill>
+          <a:prstDash val="solid"/>
+          <a:miter lim="800000"/>
+        </a:ln>
+        <a:effectLst/>
+      </dsp:spPr>
+      <dsp:style>
+        <a:lnRef idx="2">
+          <a:scrgbClr r="0" g="0" b="0"/>
+        </a:lnRef>
+        <a:fillRef idx="1">
+          <a:scrgbClr r="0" g="0" b="0"/>
+        </a:fillRef>
+        <a:effectRef idx="0">
+          <a:scrgbClr r="0" g="0" b="0"/>
+        </a:effectRef>
+        <a:fontRef idx="minor">
+          <a:schemeClr val="lt1"/>
+        </a:fontRef>
+      </dsp:style>
+    </dsp:sp>
+    <dsp:sp modelId="{509AE850-AB0C-4A6C-A680-2D13955C2ECC}">
+      <dsp:nvSpPr>
+        <dsp:cNvPr id="0" name=""/>
+        <dsp:cNvSpPr/>
+      </dsp:nvSpPr>
+      <dsp:spPr>
+        <a:xfrm>
+          <a:off x="106565" y="56"/>
+          <a:ext cx="4966373" cy="2214338"/>
+        </a:xfrm>
+        <a:prstGeom prst="rect">
+          <a:avLst/>
+        </a:prstGeom>
+        <a:noFill/>
+        <a:ln>
+          <a:noFill/>
+        </a:ln>
+        <a:effectLst/>
+      </dsp:spPr>
+      <dsp:style>
+        <a:lnRef idx="0">
+          <a:scrgbClr r="0" g="0" b="0"/>
+        </a:lnRef>
+        <a:fillRef idx="0">
+          <a:scrgbClr r="0" g="0" b="0"/>
+        </a:fillRef>
+        <a:effectRef idx="0">
+          <a:scrgbClr r="0" g="0" b="0"/>
+        </a:effectRef>
+        <a:fontRef idx="minor"/>
+      </dsp:style>
+      <dsp:txBody>
+        <a:bodyPr spcFirstLastPara="0" vert="horz" wrap="square" lIns="234351" tIns="234351" rIns="234351" bIns="234351" numCol="1" spcCol="1270" anchor="ctr" anchorCtr="0">
+          <a:noAutofit/>
+        </a:bodyPr>
+        <a:lstStyle/>
+        <a:p>
+          <a:pPr marL="0" lvl="0" indent="0" algn="l" defTabSz="622300">
+            <a:lnSpc>
+              <a:spcPct val="100000"/>
+            </a:lnSpc>
+            <a:spcBef>
+              <a:spcPct val="0"/>
+            </a:spcBef>
+            <a:spcAft>
+              <a:spcPct val="35000"/>
+            </a:spcAft>
+            <a:buNone/>
+          </a:pPr>
+          <a:r>
+            <a:rPr lang="es-ES" sz="1400" b="1" kern="1200" dirty="0"/>
+            <a:t>Planteamiento:</a:t>
+          </a:r>
+          <a:br>
+            <a:rPr lang="es-ES" sz="1400" kern="1200" dirty="0"/>
+          </a:br>
+          <a:r>
+            <a:rPr lang="es-ES" sz="1400" kern="1200" dirty="0"/>
+            <a:t>En biología, los genes y proteínas interactúan formando redes complejas.</a:t>
+          </a:r>
+          <a:br>
+            <a:rPr lang="es-ES" sz="1400" kern="1200" dirty="0"/>
+          </a:br>
+          <a:r>
+            <a:rPr lang="es-ES" sz="1400" kern="1200" dirty="0"/>
+            <a:t>Identificar comunidades dentro de estas redes permite descubrir </a:t>
+          </a:r>
+          <a:r>
+            <a:rPr lang="es-ES" sz="1400" b="1" kern="1200" dirty="0"/>
+            <a:t>módulos funcionales</a:t>
+          </a:r>
+          <a:r>
+            <a:rPr lang="es-ES" sz="1400" kern="1200" dirty="0"/>
+            <a:t>, es decir, </a:t>
+          </a:r>
+          <a:r>
+            <a:rPr lang="es-ES" sz="1400" b="1" kern="1200" dirty="0"/>
+            <a:t>grupos de genes que cooperan en un mismo proceso.</a:t>
+          </a:r>
+          <a:br>
+            <a:rPr lang="es-ES" sz="1400" b="1" kern="1200" dirty="0"/>
+          </a:br>
+          <a:r>
+            <a:rPr lang="es-ES" sz="1400" kern="1200" dirty="0"/>
+            <a:t>El problema es que estas relaciones no se pueden observar directamente por su gran número y complejidad.</a:t>
+          </a:r>
+          <a:endParaRPr lang="en-US" sz="1400" kern="1200" dirty="0"/>
+        </a:p>
+      </dsp:txBody>
+      <dsp:txXfrm>
+        <a:off x="106565" y="56"/>
+        <a:ext cx="4966373" cy="2214338"/>
+      </dsp:txXfrm>
+    </dsp:sp>
+    <dsp:sp modelId="{C37704E4-6C55-4114-A2CB-5DC7692D7555}">
+      <dsp:nvSpPr>
+        <dsp:cNvPr id="0" name=""/>
+        <dsp:cNvSpPr/>
+      </dsp:nvSpPr>
+      <dsp:spPr>
+        <a:xfrm>
+          <a:off x="0" y="2441507"/>
+          <a:ext cx="5402662" cy="92264"/>
+        </a:xfrm>
+        <a:prstGeom prst="roundRect">
+          <a:avLst>
+            <a:gd name="adj" fmla="val 10000"/>
+          </a:avLst>
+        </a:prstGeom>
+        <a:solidFill>
+          <a:schemeClr val="accent1">
+            <a:tint val="40000"/>
+            <a:hueOff val="0"/>
+            <a:satOff val="0"/>
+            <a:lumOff val="0"/>
+            <a:alphaOff val="0"/>
+          </a:schemeClr>
+        </a:solidFill>
+        <a:ln>
+          <a:noFill/>
+        </a:ln>
+        <a:effectLst/>
+      </dsp:spPr>
+      <dsp:style>
+        <a:lnRef idx="0">
+          <a:scrgbClr r="0" g="0" b="0"/>
+        </a:lnRef>
+        <a:fillRef idx="1">
+          <a:scrgbClr r="0" g="0" b="0"/>
+        </a:fillRef>
+        <a:effectRef idx="0">
+          <a:scrgbClr r="0" g="0" b="0"/>
+        </a:effectRef>
+        <a:fontRef idx="minor"/>
+      </dsp:style>
+    </dsp:sp>
+    <dsp:sp modelId="{50F64AA6-9E2E-4592-90C9-0467E4EE1B85}">
+      <dsp:nvSpPr>
+        <dsp:cNvPr id="0" name=""/>
+        <dsp:cNvSpPr/>
+      </dsp:nvSpPr>
+      <dsp:spPr>
+        <a:xfrm>
+          <a:off x="27909" y="2462266"/>
+          <a:ext cx="50745" cy="50745"/>
+        </a:xfrm>
+        <a:prstGeom prst="rect">
+          <a:avLst/>
+        </a:prstGeom>
+        <a:blipFill>
+          <a:blip xmlns:r="http://schemas.openxmlformats.org/officeDocument/2006/relationships" r:embed="rId3">
+            <a:extLst>
+              <a:ext uri="{28A0092B-C50C-407E-A947-70E740481C1C}">
+                <a14:useLocalDpi xmlns:a14="http://schemas.microsoft.com/office/drawing/2010/main" val="0"/>
+              </a:ext>
+              <a:ext uri="{96DAC541-7B7A-43D3-8B79-37D633B846F1}">
+                <asvg:svgBlip xmlns:asvg="http://schemas.microsoft.com/office/drawing/2016/SVG/main" r:embed="rId4"/>
+              </a:ext>
+            </a:extLst>
+          </a:blip>
+          <a:stretch>
+            <a:fillRect/>
+          </a:stretch>
+        </a:blipFill>
+        <a:ln w="12700" cap="flat" cmpd="sng" algn="ctr">
+          <a:solidFill>
+            <a:schemeClr val="lt1">
+              <a:hueOff val="0"/>
+              <a:satOff val="0"/>
+              <a:lumOff val="0"/>
+              <a:alphaOff val="0"/>
+            </a:schemeClr>
+          </a:solidFill>
+          <a:prstDash val="solid"/>
+          <a:miter lim="800000"/>
+        </a:ln>
+        <a:effectLst/>
+      </dsp:spPr>
+      <dsp:style>
+        <a:lnRef idx="2">
+          <a:scrgbClr r="0" g="0" b="0"/>
+        </a:lnRef>
+        <a:fillRef idx="1">
+          <a:scrgbClr r="0" g="0" b="0"/>
+        </a:fillRef>
+        <a:effectRef idx="0">
+          <a:scrgbClr r="0" g="0" b="0"/>
+        </a:effectRef>
+        <a:fontRef idx="minor">
+          <a:schemeClr val="lt1"/>
+        </a:fontRef>
+      </dsp:style>
+    </dsp:sp>
+    <dsp:sp modelId="{04D45274-4F40-4A7E-ADFE-83607727ECCB}">
+      <dsp:nvSpPr>
+        <dsp:cNvPr id="0" name=""/>
+        <dsp:cNvSpPr/>
+      </dsp:nvSpPr>
+      <dsp:spPr>
+        <a:xfrm>
+          <a:off x="106565" y="2441507"/>
+          <a:ext cx="4966373" cy="2214338"/>
+        </a:xfrm>
+        <a:prstGeom prst="rect">
+          <a:avLst/>
+        </a:prstGeom>
+        <a:noFill/>
+        <a:ln>
+          <a:noFill/>
+        </a:ln>
+        <a:effectLst/>
+      </dsp:spPr>
+      <dsp:style>
+        <a:lnRef idx="0">
+          <a:scrgbClr r="0" g="0" b="0"/>
+        </a:lnRef>
+        <a:fillRef idx="0">
+          <a:scrgbClr r="0" g="0" b="0"/>
+        </a:fillRef>
+        <a:effectRef idx="0">
+          <a:scrgbClr r="0" g="0" b="0"/>
+        </a:effectRef>
+        <a:fontRef idx="minor"/>
+      </dsp:style>
+      <dsp:txBody>
+        <a:bodyPr spcFirstLastPara="0" vert="horz" wrap="square" lIns="234351" tIns="234351" rIns="234351" bIns="234351" numCol="1" spcCol="1270" anchor="ctr" anchorCtr="0">
+          <a:noAutofit/>
+        </a:bodyPr>
+        <a:lstStyle/>
+        <a:p>
+          <a:pPr marL="0" lvl="0" indent="0" algn="l" defTabSz="622300">
+            <a:lnSpc>
+              <a:spcPct val="100000"/>
+            </a:lnSpc>
+            <a:spcBef>
+              <a:spcPct val="0"/>
+            </a:spcBef>
+            <a:spcAft>
+              <a:spcPct val="35000"/>
+            </a:spcAft>
+            <a:buNone/>
+          </a:pPr>
+          <a:r>
+            <a:rPr lang="es-ES" sz="1400" b="1" kern="1200"/>
+            <a:t>Solución:</a:t>
+          </a:r>
+          <a:br>
+            <a:rPr lang="es-ES" sz="1400" kern="1200"/>
+          </a:br>
+          <a:r>
+            <a:rPr lang="es-ES" sz="1400" kern="1200"/>
+            <a:t>Aplicando algoritmos de detección de comunidades, se agrupan los genes según su nivel de conexión.</a:t>
+          </a:r>
+          <a:br>
+            <a:rPr lang="es-ES" sz="1400" kern="1200"/>
+          </a:br>
+          <a:r>
+            <a:rPr lang="es-ES" sz="1400" kern="1200"/>
+            <a:t>Esto permite identificar funciones biológicas compartidas, predecir comportamientos y </a:t>
+          </a:r>
+          <a:r>
+            <a:rPr lang="es-ES" sz="1400" b="1" kern="1200"/>
+            <a:t>comprender mejor </a:t>
+          </a:r>
+          <a:r>
+            <a:rPr lang="es-ES" sz="1400" kern="1200"/>
+            <a:t>enfermedades o procesos celulares.</a:t>
+          </a:r>
+          <a:endParaRPr lang="en-US" sz="1400" kern="1200"/>
+        </a:p>
+      </dsp:txBody>
+      <dsp:txXfrm>
+        <a:off x="106565" y="2441507"/>
+        <a:ext cx="4966373" cy="2214338"/>
+      </dsp:txXfrm>
+    </dsp:sp>
+  </dsp:spTree>
+</dsp:drawing>
+</file>
+
+<file path=ppt/diagrams/layout1.xml><?xml version="1.0" encoding="utf-8"?>
+<dgm:layoutDef xmlns:dgm="http://schemas.openxmlformats.org/drawingml/2006/diagram" xmlns:a="http://schemas.openxmlformats.org/drawingml/2006/main" uniqueId="urn:microsoft.com/office/officeart/2018/2/layout/IconVerticalSolidList">
+  <dgm:title val="Icon Vertical Solid List"/>
+  <dgm:desc val="Use to show a series of visuals from top to bottom with Level 1 or Level 1 and Level 2 text grouped in a shape. Works best with icons or small pictures with lengthier descriptions."/>
+  <dgm:catLst>
+    <dgm:cat type="icon" pri="500"/>
+  </dgm:catLst>
+  <dgm:sampData useDef="1">
+    <dgm:dataModel>
+      <dgm:ptLst/>
+      <dgm:bg/>
+      <dgm:whole/>
+    </dgm:dataModel>
+  </dgm:sampData>
+  <dgm:styleData useDef="1">
+    <dgm:dataModel>
+      <dgm:ptLst/>
+      <dgm:bg/>
+      <dgm:whole/>
+    </dgm:dataModel>
+  </dgm:styleData>
+  <dgm:clrData useDef="1">
+    <dgm:dataModel>
+      <dgm:ptLst/>
+      <dgm:bg/>
+      <dgm:whole/>
+    </dgm:dataModel>
+  </dgm:clrData>
+  <dgm:layoutNode name="root">
+    <dgm:varLst>
+      <dgm:dir/>
+      <dgm:resizeHandles val="exact"/>
+    </dgm:varLst>
+    <dgm:choose name="Name0">
+      <dgm:if name="Name1" axis="self" func="var" arg="dir" op="equ" val="norm">
+        <dgm:alg type="lin">
+          <dgm:param type="linDir" val="fromT"/>
+          <dgm:param type="nodeHorzAlign" val="l"/>
+        </dgm:alg>
+      </dgm:if>
+      <dgm:else name="Name2">
+        <dgm:alg type="lin">
+          <dgm:param type="linDir" val="fromT"/>
+          <dgm:param type="nodeHorzAlign" val="r"/>
+        </dgm:alg>
+      </dgm:else>
+    </dgm:choose>
+    <dgm:shape xmlns:r="http://schemas.openxmlformats.org/officeDocument/2006/relationships" r:blip="">
+      <dgm:adjLst/>
+    </dgm:shape>
+    <dgm:presOf/>
+    <dgm:choose name="Name3">
+      <dgm:if name="Name4" axis="ch" ptType="node" func="cnt" op="lte" val="3">
+        <dgm:constrLst>
+          <dgm:constr type="h" for="ch" forName="compNode" refType="h" fact="0.3"/>
+          <dgm:constr type="w" for="ch" forName="compNode" refType="w"/>
+          <dgm:constr type="h" for="ch" forName="sibTrans" refType="h" refFor="ch" refForName="compNode" fact="0.25"/>
+          <dgm:constr type="primFontSz" for="des" forName="parTx" val="25"/>
+          <dgm:constr type="primFontSz" for="des" forName="desTx" refType="primFontSz" refFor="des" refForName="parTx" op="lte" fact="0.75"/>
+          <dgm:constr type="h" for="des" forName="compNode" op="equ"/>
+          <dgm:constr type="h" for="des" forName="bgRect" op="equ"/>
+          <dgm:constr type="h" for="des" forName="iconRect" op="equ"/>
+          <dgm:constr type="w" for="des" forName="iconRect" op="equ"/>
+          <dgm:constr type="h" for="des" forName="spaceRect" op="equ"/>
+          <dgm:constr type="h" for="des" forName="parTx" op="equ"/>
+          <dgm:constr type="h" for="des" forName="desTx" op="equ"/>
+        </dgm:constrLst>
+      </dgm:if>
+      <dgm:if name="Name5" axis="ch" ptType="node" func="cnt" op="lte" val="4">
+        <dgm:constrLst>
+          <dgm:constr type="h" for="ch" forName="compNode" refType="h" fact="0.3"/>
+          <dgm:constr type="w" for="ch" forName="compNode" refType="w"/>
+          <dgm:constr type="h" for="ch" forName="sibTrans" refType="h" refFor="ch" refForName="compNode" fact="0.25"/>
+          <dgm:constr type="primFontSz" for="des" forName="parTx" val="22"/>
+          <dgm:constr type="primFontSz" for="des" forName="desTx" refType="primFontSz" refFor="des" refForName="parTx" op="lte" fact="0.75"/>
+          <dgm:constr type="h" for="des" forName="compNode" op="equ"/>
+          <dgm:constr type="h" for="des" forName="bgRect" op="equ"/>
+          <dgm:constr type="h" for="des" forName="iconRect" op="equ"/>
+          <dgm:constr type="w" for="des" forName="iconRect" op="equ"/>
+          <dgm:constr type="h" for="des" forName="spaceRect" op="equ"/>
+          <dgm:constr type="h" for="des" forName="parTx" op="equ"/>
+          <dgm:constr type="h" for="des" forName="desTx" op="equ"/>
+        </dgm:constrLst>
+      </dgm:if>
+      <dgm:if name="Name6" axis="ch" ptType="node" func="cnt" op="lte" val="6">
+        <dgm:constrLst>
+          <dgm:constr type="h" for="ch" forName="compNode" refType="h" fact="0.3"/>
+          <dgm:constr type="w" for="ch" forName="compNode" refType="w"/>
+          <dgm:constr type="h" for="ch" forName="sibTrans" refType="h" refFor="ch" refForName="compNode" fact="0.25"/>
+          <dgm:constr type="primFontSz" for="des" forName="parTx" val="19"/>
+          <dgm:constr type="primFontSz" for="des" forName="desTx" refType="primFontSz" refFor="des" refForName="parTx" op="lte" fact="0.75"/>
+          <dgm:constr type="h" for="des" forName="compNode" op="equ"/>
+          <dgm:constr type="h" for="des" forName="bgRect" op="equ"/>
+          <dgm:constr type="h" for="des" forName="iconRect" op="equ"/>
+          <dgm:constr type="w" for="des" forName="iconRect" op="equ"/>
+          <dgm:constr type="h" for="des" forName="spaceRect" op="equ"/>
+          <dgm:constr type="h" for="des" forName="parTx" op="equ"/>
+          <dgm:constr type="h" for="des" forName="desTx" op="equ"/>
+        </dgm:constrLst>
+      </dgm:if>
+      <dgm:else name="Name7">
+        <dgm:constrLst>
+          <dgm:constr type="h" for="ch" forName="compNode" refType="h" fact="0.3"/>
+          <dgm:constr type="w" for="ch" forName="compNode" refType="w"/>
+          <dgm:constr type="h" for="ch" forName="sibTrans" refType="h" refFor="ch" refForName="compNode" fact="0.25"/>
+          <dgm:constr type="primFontSz" for="des" forName="parTx" val="16"/>
+          <dgm:constr type="primFontSz" for="des" forName="desTx" refType="primFontSz" refFor="des" refForName="parTx" op="lte" fact="0.75"/>
+          <dgm:constr type="h" for="des" forName="compNode" op="equ"/>
+          <dgm:constr type="h" for="des" forName="bgRect" op="equ"/>
+          <dgm:constr type="h" for="des" forName="iconRect" op="equ"/>
+          <dgm:constr type="w" for="des" forName="iconRect" op="equ"/>
+          <dgm:constr type="h" for="des" forName="spaceRect" op="equ"/>
+          <dgm:constr type="h" for="des" forName="parTx" op="equ"/>
+          <dgm:constr type="h" for="des" forName="desTx" op="equ"/>
+        </dgm:constrLst>
+      </dgm:else>
+    </dgm:choose>
+    <dgm:ruleLst>
+      <dgm:rule type="h" for="ch" forName="compNode" val="0" fact="NaN" max="NaN"/>
+    </dgm:ruleLst>
+    <dgm:forEach name="Name8" axis="ch" ptType="node">
+      <dgm:layoutNode name="compNode">
+        <dgm:alg type="composite"/>
+        <dgm:shape xmlns:r="http://schemas.openxmlformats.org/officeDocument/2006/relationships" r:blip="">
+          <dgm:adjLst/>
+        </dgm:shape>
+        <dgm:presOf axis="self"/>
+        <dgm:choose name="Name9">
+          <dgm:if name="Name10" axis="ch" ptType="node" func="cnt" op="gte" val="1">
+            <dgm:constrLst>
+              <dgm:constr type="w" for="ch" forName="bgRect" refType="w"/>
+              <dgm:constr type="h" for="ch" forName="bgRect" refType="h"/>
+              <dgm:constr type="l" for="ch" forName="bgRect"/>
+              <dgm:constr type="t" for="ch" forName="bgRect"/>
+              <dgm:constr type="h" for="ch" forName="iconRect" refType="h" fact="0.55"/>
+              <dgm:constr type="w" for="ch" forName="iconRect" refType="h" refFor="ch" refForName="iconRect"/>
+              <dgm:constr type="l" for="ch" forName="iconRect" refType="h" refFor="ch" refForName="iconRect" fact="0.55"/>
+              <dgm:constr type="ctrY" for="ch" forName="iconRect" refType="ctrY" refFor="ch" refForName="bgRect"/>
+              <dgm:constr type="w" for="ch" forName="spaceRect" refType="l" refFor="ch" refForName="iconRect"/>
+              <dgm:constr type="h" for="ch" forName="spaceRect" refType="h"/>
+              <dgm:constr type="l" for="ch" forName="spaceRect" refType="r" refFor="ch" refForName="iconRect"/>
+              <dgm:constr type="t" for="ch" forName="spaceRect"/>
+              <dgm:constr type="w" for="ch" forName="parTx" refType="w" fact="0.45"/>
+              <dgm:constr type="h" for="ch" forName="parTx" refType="h"/>
+              <dgm:constr type="l" for="ch" forName="parTx" refType="r" refFor="ch" refForName="spaceRect"/>
+              <dgm:constr type="t" for="ch" forName="parTx"/>
+              <dgm:constr type="h" for="ch" forName="desTx" refType="h"/>
+              <dgm:constr type="l" for="ch" forName="desTx" refType="r" refFor="ch" refForName="parTx"/>
+              <dgm:constr type="t" for="ch" forName="desTx"/>
+            </dgm:constrLst>
+          </dgm:if>
+          <dgm:else name="Name11">
+            <dgm:constrLst>
+              <dgm:constr type="w" for="ch" forName="bgRect" refType="w"/>
+              <dgm:constr type="h" for="ch" forName="bgRect" refType="h"/>
+              <dgm:constr type="l" for="ch" forName="bgRect"/>
+              <dgm:constr type="t" for="ch" forName="bgRect"/>
+              <dgm:constr type="h" for="ch" forName="iconRect" refType="h" fact="0.55"/>
+              <dgm:constr type="w" for="ch" forName="iconRect" refType="h" refFor="ch" refForName="iconRect"/>
+              <dgm:constr type="l" for="ch" forName="iconRect" refType="h" refFor="ch" refForName="iconRect" fact="0.55"/>
+              <dgm:constr type="ctrY" for="ch" forName="iconRect" refType="ctrY" refFor="ch" refForName="bgRect"/>
+              <dgm:constr type="w" for="ch" forName="spaceRect" refType="l" refFor="ch" refForName="iconRect"/>
+              <dgm:constr type="h" for="ch" forName="spaceRect" refType="h"/>
+              <dgm:constr type="l" for="ch" forName="spaceRect" refType="r" refFor="ch" refForName="iconRect"/>
+              <dgm:constr type="t" for="ch" forName="spaceRect"/>
+              <dgm:constr type="h" for="ch" forName="parTx" refType="h"/>
+              <dgm:constr type="l" for="ch" forName="parTx" refType="r" refFor="ch" refForName="spaceRect"/>
+              <dgm:constr type="t" for="ch" forName="parTx"/>
+            </dgm:constrLst>
+          </dgm:else>
+        </dgm:choose>
+        <dgm:ruleLst>
+          <dgm:rule type="h" val="INF" fact="NaN" max="NaN"/>
+        </dgm:ruleLst>
+        <dgm:layoutNode name="bgRect" styleLbl="bgShp">
+          <dgm:alg type="sp"/>
+          <dgm:shape xmlns:r="http://schemas.openxmlformats.org/officeDocument/2006/relationships" type="roundRect" r:blip="">
+            <dgm:adjLst>
+              <dgm:adj idx="1" val="0.1"/>
+            </dgm:adjLst>
+          </dgm:shape>
+          <dgm:presOf/>
+          <dgm:constrLst/>
+          <dgm:ruleLst/>
+        </dgm:layoutNode>
+        <dgm:layoutNode name="iconRect" styleLbl="node1">
+          <dgm:alg type="sp"/>
+          <dgm:shape xmlns:r="http://schemas.openxmlformats.org/officeDocument/2006/relationships" type="rect" r:blip="" blipPhldr="1">
+            <dgm:adjLst/>
+          </dgm:shape>
+          <dgm:presOf/>
+          <dgm:constrLst/>
+          <dgm:ruleLst/>
+        </dgm:layoutNode>
+        <dgm:layoutNode name="spaceRect">
+          <dgm:alg type="sp"/>
+          <dgm:shape xmlns:r="http://schemas.openxmlformats.org/officeDocument/2006/relationships" r:blip="">
+            <dgm:adjLst/>
+          </dgm:shape>
+          <dgm:presOf/>
+          <dgm:constrLst/>
+          <dgm:ruleLst/>
+        </dgm:layoutNode>
+        <dgm:layoutNode name="parTx" styleLbl="revTx">
+          <dgm:varLst>
+            <dgm:chMax val="0"/>
+            <dgm:chPref val="0"/>
+          </dgm:varLst>
+          <dgm:alg type="tx">
+            <dgm:param type="txAnchorVert" val="mid"/>
+            <dgm:param type="parTxLTRAlign" val="l"/>
+            <dgm:param type="shpTxLTRAlignCh" val="l"/>
+            <dgm:param type="parTxRTLAlign" val="r"/>
+            <dgm:param type="shpTxRTLAlignCh" val="r"/>
+          </dgm:alg>
+          <dgm:shape xmlns:r="http://schemas.openxmlformats.org/officeDocument/2006/relationships" type="rect" r:blip="">
+            <dgm:adjLst/>
+          </dgm:shape>
+          <dgm:presOf axis="self" ptType="node"/>
+          <dgm:constrLst>
+            <dgm:constr type="lMarg" refType="h" fact="0.3"/>
+            <dgm:constr type="rMarg" refType="h" fact="0.3"/>
+            <dgm:constr type="tMarg" refType="h" fact="0.3"/>
+            <dgm:constr type="bMarg" refType="h" fact="0.3"/>
+          </dgm:constrLst>
+          <dgm:ruleLst>
+            <dgm:rule type="primFontSz" val="14" fact="NaN" max="NaN"/>
+            <dgm:rule type="h" val="INF" fact="NaN" max="NaN"/>
+          </dgm:ruleLst>
+        </dgm:layoutNode>
+        <dgm:choose name="Name12">
+          <dgm:if name="Name13" axis="ch" ptType="node" func="cnt" op="gte" val="1">
+            <dgm:layoutNode name="desTx" styleLbl="revTx">
+              <dgm:varLst/>
+              <dgm:alg type="tx">
+                <dgm:param type="txAnchorVertCh" val="mid"/>
+                <dgm:param type="parTxLTRAlign" val="l"/>
+                <dgm:param type="shpTxLTRAlignCh" val="l"/>
+                <dgm:param type="parTxRTLAlign" val="r"/>
+                <dgm:param type="shpTxRTLAlignCh" val="r"/>
+                <dgm:param type="stBulletLvl" val="0"/>
+              </dgm:alg>
+              <dgm:shape xmlns:r="http://schemas.openxmlformats.org/officeDocument/2006/relationships" type="rect" r:blip="">
+                <dgm:adjLst/>
+              </dgm:shape>
+              <dgm:presOf axis="des" ptType="node"/>
+              <dgm:constrLst>
+                <dgm:constr type="primFontSz" val="18"/>
+                <dgm:constr type="secFontSz" refType="primFontSz"/>
+                <dgm:constr type="lMarg" refType="h" fact="0.3"/>
+                <dgm:constr type="rMarg" refType="h" fact="0.3"/>
+                <dgm:constr type="tMarg" refType="h" fact="0.3"/>
+                <dgm:constr type="bMarg" refType="h" fact="0.3"/>
+              </dgm:constrLst>
+              <dgm:ruleLst>
+                <dgm:rule type="primFontSz" val="11" fact="NaN" max="NaN"/>
+              </dgm:ruleLst>
+            </dgm:layoutNode>
+          </dgm:if>
+          <dgm:else name="Name14"/>
+        </dgm:choose>
+      </dgm:layoutNode>
+      <dgm:forEach name="Name15" axis="followSib" ptType="sibTrans" cnt="1">
+        <dgm:layoutNode name="sibTrans">
+          <dgm:alg type="sp"/>
+          <dgm:shape xmlns:r="http://schemas.openxmlformats.org/officeDocument/2006/relationships" r:blip="">
+            <dgm:adjLst/>
+          </dgm:shape>
+          <dgm:presOf axis="self"/>
+          <dgm:constrLst/>
+          <dgm:ruleLst/>
+        </dgm:layoutNode>
+      </dgm:forEach>
+    </dgm:forEach>
+  </dgm:layoutNode>
+  <dgm:extLst>
+    <a:ext uri="{68A01E43-0DF5-4B5B-8FA6-DAF915123BFB}">
+      <dgm1612:lstStyle xmlns:dgm1612="http://schemas.microsoft.com/office/drawing/2016/12/diagram">
+        <a:lvl1pPr>
+          <a:lnSpc>
+            <a:spcPct val="100000"/>
+          </a:lnSpc>
+        </a:lvl1pPr>
+        <a:lvl2pPr>
+          <a:lnSpc>
+            <a:spcPct val="100000"/>
+          </a:lnSpc>
+        </a:lvl2pPr>
+      </dgm1612:lstStyle>
+    </a:ext>
+  </dgm:extLst>
+</dgm:layoutDef>
+</file>
+
+<file path=ppt/diagrams/quickStyle1.xml><?xml version="1.0" encoding="utf-8"?>
+<dgm:styleDef xmlns:dgm="http://schemas.openxmlformats.org/drawingml/2006/diagram" xmlns:a="http://schemas.openxmlformats.org/drawingml/2006/main" uniqueId="urn:microsoft.com/office/officeart/2005/8/quickstyle/simple1">
+  <dgm:title val=""/>
+  <dgm:desc val=""/>
+  <dgm:catLst>
+    <dgm:cat type="simple" pri="10100"/>
+  </dgm:catLst>
+  <dgm:scene3d>
+    <a:camera prst="orthographicFront"/>
+    <a:lightRig rig="threePt" dir="t"/>
+  </dgm:scene3d>
+  <dgm:styleLbl name="node0">
+    <dgm:scene3d>
+      <a:camera prst="orthographicFront"/>
+      <a:lightRig rig="threePt" dir="t"/>
+    </dgm:scene3d>
+    <dgm:sp3d/>
+    <dgm:txPr/>
+    <dgm:style>
+      <a:lnRef idx="2">
+        <a:scrgbClr r="0" g="0" b="0"/>
+      </a:lnRef>
+      <a:fillRef idx="1">
+        <a:scrgbClr r="0" g="0" b="0"/>
+      </a:fillRef>
+      <a:effectRef idx="0">
+        <a:scrgbClr r="0" g="0" b="0"/>
+      </a:effectRef>
+      <a:fontRef idx="minor">
+        <a:schemeClr val="lt1"/>
+      </a:fontRef>
+    </dgm:style>
+  </dgm:styleLbl>
+  <dgm:styleLbl name="lnNode1">
+    <dgm:scene3d>
+      <a:camera prst="orthographicFront"/>
+      <a:lightRig rig="threePt" dir="t"/>
+    </dgm:scene3d>
+    <dgm:sp3d/>
+    <dgm:txPr/>
+    <dgm:style>
+      <a:lnRef idx="2">
+        <a:scrgbClr r="0" g="0" b="0"/>
+      </a:lnRef>
+      <a:fillRef idx="1">
+        <a:scrgbClr r="0" g="0" b="0"/>
+      </a:fillRef>
+      <a:effectRef idx="0">
+        <a:scrgbClr r="0" g="0" b="0"/>
+      </a:effectRef>
+      <a:fontRef idx="minor">
+        <a:schemeClr val="lt1"/>
+      </a:fontRef>
+    </dgm:style>
+  </dgm:styleLbl>
+  <dgm:styleLbl name="vennNode1">
+    <dgm:scene3d>
+      <a:camera prst="orthographicFront"/>
+      <a:lightRig rig="threePt" dir="t"/>
+    </dgm:scene3d>
+    <dgm:sp3d/>
+    <dgm:txPr/>
+    <dgm:style>
+      <a:lnRef idx="2">
+        <a:scrgbClr r="0" g="0" b="0"/>
+      </a:lnRef>
+      <a:fillRef idx="1">
+        <a:scrgbClr r="0" g="0" b="0"/>
+      </a:fillRef>
+      <a:effectRef idx="0">
+        <a:scrgbClr r="0" g="0" b="0"/>
+      </a:effectRef>
+      <a:fontRef idx="minor">
+        <a:schemeClr val="tx1"/>
+      </a:fontRef>
+    </dgm:style>
+  </dgm:styleLbl>
+  <dgm:styleLbl name="alignNode1">
+    <dgm:scene3d>
+      <a:camera prst="orthographicFront"/>
+      <a:lightRig rig="threePt" dir="t"/>
+    </dgm:scene3d>
+    <dgm:sp3d/>
+    <dgm:txPr/>
+    <dgm:style>
+      <a:lnRef idx="2">
+        <a:scrgbClr r="0" g="0" b="0"/>
+      </a:lnRef>
+      <a:fillRef idx="1">
+        <a:scrgbClr r="0" g="0" b="0"/>
+      </a:fillRef>
+      <a:effectRef idx="0">
+        <a:scrgbClr r="0" g="0" b="0"/>
+      </a:effectRef>
+      <a:fontRef idx="minor">
+        <a:schemeClr val="lt1"/>
+      </a:fontRef>
+    </dgm:style>
+  </dgm:styleLbl>
+  <dgm:styleLbl name="node1">
+    <dgm:scene3d>
+      <a:camera prst="orthographicFront"/>
+      <a:lightRig rig="threePt" dir="t"/>
+    </dgm:scene3d>
+    <dgm:sp3d/>
+    <dgm:txPr/>
+    <dgm:style>
+      <a:lnRef idx="2">
+        <a:scrgbClr r="0" g="0" b="0"/>
+      </a:lnRef>
+      <a:fillRef idx="1">
+        <a:scrgbClr r="0" g="0" b="0"/>
+      </a:fillRef>
+      <a:effectRef idx="0">
+        <a:scrgbClr r="0" g="0" b="0"/>
+      </a:effectRef>
+      <a:fontRef idx="minor">
+        <a:schemeClr val="lt1"/>
+      </a:fontRef>
+    </dgm:style>
+  </dgm:styleLbl>
+  <dgm:styleLbl name="node2">
+    <dgm:scene3d>
+      <a:camera prst="orthographicFront"/>
+      <a:lightRig rig="threePt" dir="t"/>
+    </dgm:scene3d>
+    <dgm:sp3d/>
+    <dgm:txPr/>
+    <dgm:style>
+      <a:lnRef idx="2">
+        <a:scrgbClr r="0" g="0" b="0"/>
+      </a:lnRef>
+      <a:fillRef idx="1">
+        <a:scrgbClr r="0" g="0" b="0"/>
+      </a:fillRef>
+      <a:effectRef idx="0">
+        <a:scrgbClr r="0" g="0" b="0"/>
+      </a:effectRef>
+      <a:fontRef idx="minor">
+        <a:schemeClr val="lt1"/>
+      </a:fontRef>
+    </dgm:style>
+  </dgm:styleLbl>
+  <dgm:styleLbl name="node3">
+    <dgm:scene3d>
+      <a:camera prst="orthographicFront"/>
+      <a:lightRig rig="threePt" dir="t"/>
+    </dgm:scene3d>
+    <dgm:sp3d/>
+    <dgm:txPr/>
+    <dgm:style>
+      <a:lnRef idx="2">
+        <a:scrgbClr r="0" g="0" b="0"/>
+      </a:lnRef>
+      <a:fillRef idx="1">
+        <a:scrgbClr r="0" g="0" b="0"/>
+      </a:fillRef>
+      <a:effectRef idx="0">
+        <a:scrgbClr r="0" g="0" b="0"/>
+      </a:effectRef>
+      <a:fontRef idx="minor">
+        <a:schemeClr val="lt1"/>
+      </a:fontRef>
+    </dgm:style>
+  </dgm:styleLbl>
+  <dgm:styleLbl name="node4">
+    <dgm:scene3d>
+      <a:camera prst="orthographicFront"/>
+      <a:lightRig rig="threePt" dir="t"/>
+    </dgm:scene3d>
+    <dgm:sp3d/>
+    <dgm:txPr/>
+    <dgm:style>
+      <a:lnRef idx="2">
+        <a:scrgbClr r="0" g="0" b="0"/>
+      </a:lnRef>
+      <a:fillRef idx="1">
+        <a:scrgbClr r="0" g="0" b="0"/>
+      </a:fillRef>
+      <a:effectRef idx="0">
+        <a:scrgbClr r="0" g="0" b="0"/>
+      </a:effectRef>
+      <a:fontRef idx="minor">
+        <a:schemeClr val="lt1"/>
+      </a:fontRef>
+    </dgm:style>
+  </dgm:styleLbl>
+  <dgm:styleLbl name="fgImgPlace1">
+    <dgm:scene3d>
+      <a:camera prst="orthographicFront"/>
+      <a:lightRig rig="threePt" dir="t"/>
+    </dgm:scene3d>
+    <dgm:sp3d/>
+    <dgm:txPr/>
+    <dgm:style>
+      <a:lnRef idx="2">
+        <a:scrgbClr r="0" g="0" b="0"/>
+      </a:lnRef>
+      <a:fillRef idx="1">
+        <a:scrgbClr r="0" g="0" b="0"/>
+      </a:fillRef>
+      <a:effectRef idx="0">
+        <a:scrgbClr r="0" g="0" b="0"/>
+      </a:effectRef>
+      <a:fontRef idx="minor"/>
+    </dgm:style>
+  </dgm:styleLbl>
+  <dgm:styleLbl name="alignImgPlace1">
+    <dgm:scene3d>
+      <a:camera prst="orthographicFront"/>
+      <a:lightRig rig="threePt" dir="t"/>
+    </dgm:scene3d>
+    <dgm:sp3d/>
+    <dgm:txPr/>
+    <dgm:style>
+      <a:lnRef idx="2">
+        <a:scrgbClr r="0" g="0" b="0"/>
+      </a:lnRef>
+      <a:fillRef idx="1">
+        <a:scrgbClr r="0" g="0" b="0"/>
+      </a:fillRef>
+      <a:effectRef idx="0">
+        <a:scrgbClr r="0" g="0" b="0"/>
+      </a:effectRef>
+      <a:fontRef idx="minor"/>
+    </dgm:style>
+  </dgm:styleLbl>
+  <dgm:styleLbl name="bgImgPlace1">
+    <dgm:scene3d>
+      <a:camera prst="orthographicFront"/>
+      <a:lightRig rig="threePt" dir="t"/>
+    </dgm:scene3d>
+    <dgm:sp3d/>
+    <dgm:txPr/>
+    <dgm:style>
+      <a:lnRef idx="2">
+        <a:scrgbClr r="0" g="0" b="0"/>
+      </a:lnRef>
+      <a:fillRef idx="1">
+        <a:scrgbClr r="0" g="0" b="0"/>
+      </a:fillRef>
+      <a:effectRef idx="0">
+        <a:scrgbClr r="0" g="0" b="0"/>
+      </a:effectRef>
+      <a:fontRef idx="minor"/>
+    </dgm:style>
+  </dgm:styleLbl>
+  <dgm:styleLbl name="sibTrans2D1">
+    <dgm:scene3d>
+      <a:camera prst="orthographicFront"/>
+      <a:lightRig rig="threePt" dir="t"/>
+    </dgm:scene3d>
+    <dgm:sp3d/>
+    <dgm:txPr/>
+    <dgm:style>
+      <a:lnRef idx="0">
+        <a:scrgbClr r="0" g="0" b="0"/>
+      </a:lnRef>
+      <a:fillRef idx="1">
+        <a:scrgbClr r="0" g="0" b="0"/>
+      </a:fillRef>
+      <a:effectRef idx="0">
+        <a:scrgbClr r="0" g="0" b="0"/>
+      </a:effectRef>
+      <a:fontRef idx="minor">
+        <a:schemeClr val="lt1"/>
+      </a:fontRef>
+    </dgm:style>
+  </dgm:styleLbl>
+  <dgm:styleLbl name="fgSibTrans2D1">
+    <dgm:scene3d>
+      <a:camera prst="orthographicFront"/>
+      <a:lightRig rig="threePt" dir="t"/>
+    </dgm:scene3d>
+    <dgm:sp3d/>
+    <dgm:txPr/>
+    <dgm:style>
+      <a:lnRef idx="0">
+        <a:scrgbClr r="0" g="0" b="0"/>
+      </a:lnRef>
+      <a:fillRef idx="1">
+        <a:scrgbClr r="0" g="0" b="0"/>
+      </a:fillRef>
+      <a:effectRef idx="0">
+        <a:scrgbClr r="0" g="0" b="0"/>
+      </a:effectRef>
+      <a:fontRef idx="minor">
+        <a:schemeClr val="lt1"/>
+      </a:fontRef>
+    </dgm:style>
+  </dgm:styleLbl>
+  <dgm:styleLbl name="bgSibTrans2D1">
+    <dgm:scene3d>
+      <a:camera prst="orthographicFront"/>
+      <a:lightRig rig="threePt" dir="t"/>
+    </dgm:scene3d>
+    <dgm:sp3d/>
+    <dgm:txPr/>
+    <dgm:style>
+      <a:lnRef idx="0">
+        <a:scrgbClr r="0" g="0" b="0"/>
+      </a:lnRef>
+      <a:fillRef idx="1">
+        <a:scrgbClr r="0" g="0" b="0"/>
+      </a:fillRef>
+      <a:effectRef idx="0">
+        <a:scrgbClr r="0" g="0" b="0"/>
+      </a:effectRef>
+      <a:fontRef idx="minor">
+        <a:schemeClr val="lt1"/>
+      </a:fontRef>
+    </dgm:style>
+  </dgm:styleLbl>
+  <dgm:styleLbl name="sibTrans1D1">
+    <dgm:scene3d>
+      <a:camera prst="orthographicFront"/>
+      <a:lightRig rig="threePt" dir="t"/>
+    </dgm:scene3d>
+    <dgm:sp3d/>
+    <dgm:txPr/>
+    <dgm:style>
+      <a:lnRef idx="1">
+        <a:scrgbClr r="0" g="0" b="0"/>
+      </a:lnRef>
+      <a:fillRef idx="0">
+        <a:scrgbClr r="0" g="0" b="0"/>
+      </a:fillRef>
+      <a:effectRef idx="0">
+        <a:scrgbClr r="0" g="0" b="0"/>
+      </a:effectRef>
+      <a:fontRef idx="minor"/>
+    </dgm:style>
+  </dgm:styleLbl>
+  <dgm:styleLbl name="callout">
+    <dgm:scene3d>
+      <a:camera prst="orthographicFront"/>
+      <a:lightRig rig="threePt" dir="t"/>
+    </dgm:scene3d>
+    <dgm:sp3d/>
+    <dgm:txPr/>
+    <dgm:style>
+      <a:lnRef idx="2">
+        <a:scrgbClr r="0" g="0" b="0"/>
+      </a:lnRef>
+      <a:fillRef idx="1">
+        <a:scrgbClr r="0" g="0" b="0"/>
+      </a:fillRef>
+      <a:effectRef idx="0">
+        <a:scrgbClr r="0" g="0" b="0"/>
+      </a:effectRef>
+      <a:fontRef idx="minor"/>
+    </dgm:style>
+  </dgm:styleLbl>
+  <dgm:styleLbl name="asst0">
+    <dgm:scene3d>
+      <a:camera prst="orthographicFront"/>
+      <a:lightRig rig="threePt" dir="t"/>
+    </dgm:scene3d>
+    <dgm:sp3d/>
+    <dgm:txPr/>
+    <dgm:style>
+      <a:lnRef idx="2">
+        <a:scrgbClr r="0" g="0" b="0"/>
+      </a:lnRef>
+      <a:fillRef idx="1">
+        <a:scrgbClr r="0" g="0" b="0"/>
+      </a:fillRef>
+      <a:effectRef idx="0">
+        <a:scrgbClr r="0" g="0" b="0"/>
+      </a:effectRef>
+      <a:fontRef idx="minor">
+        <a:schemeClr val="lt1"/>
+      </a:fontRef>
+    </dgm:style>
+  </dgm:styleLbl>
+  <dgm:styleLbl name="asst1">
+    <dgm:scene3d>
+      <a:camera prst="orthographicFront"/>
+      <a:lightRig rig="threePt" dir="t"/>
+    </dgm:scene3d>
+    <dgm:sp3d/>
+    <dgm:txPr/>
+    <dgm:style>
+      <a:lnRef idx="2">
+        <a:scrgbClr r="0" g="0" b="0"/>
+      </a:lnRef>
+      <a:fillRef idx="1">
+        <a:scrgbClr r="0" g="0" b="0"/>
+      </a:fillRef>
+      <a:effectRef idx="0">
+        <a:scrgbClr r="0" g="0" b="0"/>
+      </a:effectRef>
+      <a:fontRef idx="minor">
+        <a:schemeClr val="lt1"/>
+      </a:fontRef>
+    </dgm:style>
+  </dgm:styleLbl>
+  <dgm:styleLbl name="asst2">
+    <dgm:scene3d>
+      <a:camera prst="orthographicFront"/>
+      <a:lightRig rig="threePt" dir="t"/>
+    </dgm:scene3d>
+    <dgm:sp3d/>
+    <dgm:txPr/>
+    <dgm:style>
+      <a:lnRef idx="2">
+        <a:scrgbClr r="0" g="0" b="0"/>
+      </a:lnRef>
+      <a:fillRef idx="1">
+        <a:scrgbClr r="0" g="0" b="0"/>
+      </a:fillRef>
+      <a:effectRef idx="0">
+        <a:scrgbClr r="0" g="0" b="0"/>
+      </a:effectRef>
+      <a:fontRef idx="minor">
+        <a:schemeClr val="lt1"/>
+      </a:fontRef>
+    </dgm:style>
+  </dgm:styleLbl>
+  <dgm:styleLbl name="asst3">
+    <dgm:scene3d>
+      <a:camera prst="orthographicFront"/>
+      <a:lightRig rig="threePt" dir="t"/>
+    </dgm:scene3d>
+    <dgm:sp3d/>
+    <dgm:txPr/>
+    <dgm:style>
+      <a:lnRef idx="2">
+        <a:scrgbClr r="0" g="0" b="0"/>
+      </a:lnRef>
+      <a:fillRef idx="1">
+        <a:scrgbClr r="0" g="0" b="0"/>
+      </a:fillRef>
+      <a:effectRef idx="0">
+        <a:scrgbClr r="0" g="0" b="0"/>
+      </a:effectRef>
+      <a:fontRef idx="minor">
+        <a:schemeClr val="lt1"/>
+      </a:fontRef>
+    </dgm:style>
+  </dgm:styleLbl>
+  <dgm:styleLbl name="asst4">
+    <dgm:scene3d>
+      <a:camera prst="orthographicFront"/>
+      <a:lightRig rig="threePt" dir="t"/>
+    </dgm:scene3d>
+    <dgm:sp3d/>
+    <dgm:txPr/>
+    <dgm:style>
+      <a:lnRef idx="2">
+        <a:scrgbClr r="0" g="0" b="0"/>
+      </a:lnRef>
+      <a:fillRef idx="1">
+        <a:scrgbClr r="0" g="0" b="0"/>
+      </a:fillRef>
+      <a:effectRef idx="0">
+        <a:scrgbClr r="0" g="0" b="0"/>
+      </a:effectRef>
+      <a:fontRef idx="minor">
+        <a:schemeClr val="lt1"/>
+      </a:fontRef>
+    </dgm:style>
+  </dgm:styleLbl>
+  <dgm:styleLbl name="parChTrans2D1">
+    <dgm:scene3d>
+      <a:camera prst="orthographicFront"/>
+      <a:lightRig rig="threePt" dir="t"/>
+    </dgm:scene3d>
+    <dgm:sp3d/>
+    <dgm:txPr/>
+    <dgm:style>
+      <a:lnRef idx="2">
+        <a:scrgbClr r="0" g="0" b="0"/>
+      </a:lnRef>
+      <a:fillRef idx="1">
+        <a:scrgbClr r="0" g="0" b="0"/>
+      </a:fillRef>
+      <a:effectRef idx="0">
+        <a:scrgbClr r="0" g="0" b="0"/>
+      </a:effectRef>
+      <a:fontRef idx="minor">
+        <a:schemeClr val="lt1"/>
+      </a:fontRef>
+    </dgm:style>
+  </dgm:styleLbl>
+  <dgm:styleLbl name="parChTrans2D2">
+    <dgm:scene3d>
+      <a:camera prst="orthographicFront"/>
+      <a:lightRig rig="threePt" dir="t"/>
+    </dgm:scene3d>
+    <dgm:sp3d/>
+    <dgm:txPr/>
+    <dgm:style>
+      <a:lnRef idx="2">
+        <a:scrgbClr r="0" g="0" b="0"/>
+      </a:lnRef>
+      <a:fillRef idx="1">
+        <a:scrgbClr r="0" g="0" b="0"/>
+      </a:fillRef>
+      <a:effectRef idx="0">
+        <a:scrgbClr r="0" g="0" b="0"/>
+      </a:effectRef>
+      <a:fontRef idx="minor">
+        <a:schemeClr val="lt1"/>
+      </a:fontRef>
+    </dgm:style>
+  </dgm:styleLbl>
+  <dgm:styleLbl name="parChTrans2D3">
+    <dgm:scene3d>
+      <a:camera prst="orthographicFront"/>
+      <a:lightRig rig="threePt" dir="t"/>
+    </dgm:scene3d>
+    <dgm:sp3d/>
+    <dgm:txPr/>
+    <dgm:style>
+      <a:lnRef idx="2">
+        <a:scrgbClr r="0" g="0" b="0"/>
+      </a:lnRef>
+      <a:fillRef idx="1">
+        <a:scrgbClr r="0" g="0" b="0"/>
+      </a:fillRef>
+      <a:effectRef idx="0">
+        <a:scrgbClr r="0" g="0" b="0"/>
+      </a:effectRef>
+      <a:fontRef idx="minor">
+        <a:schemeClr val="lt1"/>
+      </a:fontRef>
+    </dgm:style>
+  </dgm:styleLbl>
+  <dgm:styleLbl name="parChTrans2D4">
+    <dgm:scene3d>
+      <a:camera prst="orthographicFront"/>
+      <a:lightRig rig="threePt" dir="t"/>
+    </dgm:scene3d>
+    <dgm:sp3d/>
+    <dgm:txPr/>
+    <dgm:style>
+      <a:lnRef idx="2">
+        <a:scrgbClr r="0" g="0" b="0"/>
+      </a:lnRef>
+      <a:fillRef idx="1">
+        <a:scrgbClr r="0" g="0" b="0"/>
+      </a:fillRef>
+      <a:effectRef idx="0">
+        <a:scrgbClr r="0" g="0" b="0"/>
+      </a:effectRef>
+      <a:fontRef idx="minor">
+        <a:schemeClr val="lt1"/>
+      </a:fontRef>
+    </dgm:style>
+  </dgm:styleLbl>
+  <dgm:styleLbl name="parChTrans1D1">
+    <dgm:scene3d>
+      <a:camera prst="orthographicFront"/>
+      <a:lightRig rig="threePt" dir="t"/>
+    </dgm:scene3d>
+    <dgm:sp3d/>
+    <dgm:txPr/>
+    <dgm:style>
+      <a:lnRef idx="2">
+        <a:scrgbClr r="0" g="0" b="0"/>
+      </a:lnRef>
+      <a:fillRef idx="0">
+        <a:scrgbClr r="0" g="0" b="0"/>
+      </a:fillRef>
+      <a:effectRef idx="0">
+        <a:scrgbClr r="0" g="0" b="0"/>
+      </a:effectRef>
+      <a:fontRef idx="minor"/>
+    </dgm:style>
+  </dgm:styleLbl>
+  <dgm:styleLbl name="parChTrans1D2">
+    <dgm:scene3d>
+      <a:camera prst="orthographicFront"/>
+      <a:lightRig rig="threePt" dir="t"/>
+    </dgm:scene3d>
+    <dgm:sp3d/>
+    <dgm:txPr/>
+    <dgm:style>
+      <a:lnRef idx="2">
+        <a:scrgbClr r="0" g="0" b="0"/>
+      </a:lnRef>
+      <a:fillRef idx="0">
+        <a:scrgbClr r="0" g="0" b="0"/>
+      </a:fillRef>
+      <a:effectRef idx="0">
+        <a:scrgbClr r="0" g="0" b="0"/>
+      </a:effectRef>
+      <a:fontRef idx="minor"/>
+    </dgm:style>
+  </dgm:styleLbl>
+  <dgm:styleLbl name="parChTrans1D3">
+    <dgm:scene3d>
+      <a:camera prst="orthographicFront"/>
+      <a:lightRig rig="threePt" dir="t"/>
+    </dgm:scene3d>
+    <dgm:sp3d/>
+    <dgm:txPr/>
+    <dgm:style>
+      <a:lnRef idx="2">
+        <a:scrgbClr r="0" g="0" b="0"/>
+      </a:lnRef>
+      <a:fillRef idx="0">
+        <a:scrgbClr r="0" g="0" b="0"/>
+      </a:fillRef>
+      <a:effectRef idx="0">
+        <a:scrgbClr r="0" g="0" b="0"/>
+      </a:effectRef>
+      <a:fontRef idx="minor"/>
+    </dgm:style>
+  </dgm:styleLbl>
+  <dgm:styleLbl name="parChTrans1D4">
+    <dgm:scene3d>
+      <a:camera prst="orthographicFront"/>
+      <a:lightRig rig="threePt" dir="t"/>
+    </dgm:scene3d>
+    <dgm:sp3d/>
+    <dgm:txPr/>
+    <dgm:style>
+      <a:lnRef idx="2">
+        <a:scrgbClr r="0" g="0" b="0"/>
+      </a:lnRef>
+      <a:fillRef idx="0">
+        <a:scrgbClr r="0" g="0" b="0"/>
+      </a:fillRef>
+      <a:effectRef idx="0">
+        <a:scrgbClr r="0" g="0" b="0"/>
+      </a:effectRef>
+      <a:fontRef idx="minor"/>
+    </dgm:style>
+  </dgm:styleLbl>
+  <dgm:styleLbl name="fgAcc1">
+    <dgm:scene3d>
+      <a:camera prst="orthographicFront"/>
+      <a:lightRig rig="threePt" dir="t"/>
+    </dgm:scene3d>
+    <dgm:sp3d/>
+    <dgm:txPr/>
+    <dgm:style>
+      <a:lnRef idx="2">
+        <a:scrgbClr r="0" g="0" b="0"/>
+      </a:lnRef>
+      <a:fillRef idx="1">
+        <a:scrgbClr r="0" g="0" b="0"/>
+      </a:fillRef>
+      <a:effectRef idx="0">
+        <a:scrgbClr r="0" g="0" b="0"/>
+      </a:effectRef>
+      <a:fontRef idx="minor"/>
+    </dgm:style>
+  </dgm:styleLbl>
+  <dgm:styleLbl name="conFgAcc1">
+    <dgm:scene3d>
+      <a:camera prst="orthographicFront"/>
+      <a:lightRig rig="threePt" dir="t"/>
+    </dgm:scene3d>
+    <dgm:sp3d/>
+    <dgm:txPr/>
+    <dgm:style>
+      <a:lnRef idx="2">
+        <a:scrgbClr r="0" g="0" b="0"/>
+      </a:lnRef>
+      <a:fillRef idx="1">
+        <a:scrgbClr r="0" g="0" b="0"/>
+      </a:fillRef>
+      <a:effectRef idx="0">
+        <a:scrgbClr r="0" g="0" b="0"/>
+      </a:effectRef>
+      <a:fontRef idx="minor"/>
+    </dgm:style>
+  </dgm:styleLbl>
+  <dgm:styleLbl name="alignAcc1">
+    <dgm:scene3d>
+      <a:camera prst="orthographicFront"/>
+      <a:lightRig rig="threePt" dir="t"/>
+    </dgm:scene3d>
+    <dgm:sp3d/>
+    <dgm:txPr/>
+    <dgm:style>
+      <a:lnRef idx="2">
+        <a:scrgbClr r="0" g="0" b="0"/>
+      </a:lnRef>
+      <a:fillRef idx="1">
+        <a:scrgbClr r="0" g="0" b="0"/>
+      </a:fillRef>
+      <a:effectRef idx="0">
+        <a:scrgbClr r="0" g="0" b="0"/>
+      </a:effectRef>
+      <a:fontRef idx="minor"/>
+    </dgm:style>
+  </dgm:styleLbl>
+  <dgm:styleLbl name="trAlignAcc1">
+    <dgm:scene3d>
+      <a:camera prst="orthographicFront"/>
+      <a:lightRig rig="threePt" dir="t"/>
+    </dgm:scene3d>
+    <dgm:sp3d/>
+    <dgm:txPr/>
+    <dgm:style>
+      <a:lnRef idx="1">
+        <a:scrgbClr r="0" g="0" b="0"/>
+      </a:lnRef>
+      <a:fillRef idx="1">
+        <a:scrgbClr r="0" g="0" b="0"/>
+      </a:fillRef>
+      <a:effectRef idx="0">
+        <a:scrgbClr r="0" g="0" b="0"/>
+      </a:effectRef>
+      <a:fontRef idx="minor"/>
+    </dgm:style>
+  </dgm:styleLbl>
+  <dgm:styleLbl name="bgAcc1">
+    <dgm:scene3d>
+      <a:camera prst="orthographicFront"/>
+      <a:lightRig rig="threePt" dir="t"/>
+    </dgm:scene3d>
+    <dgm:sp3d/>
+    <dgm:txPr/>
+    <dgm:style>
+      <a:lnRef idx="2">
+        <a:scrgbClr r="0" g="0" b="0"/>
+      </a:lnRef>
+      <a:fillRef idx="1">
+        <a:scrgbClr r="0" g="0" b="0"/>
+      </a:fillRef>
+      <a:effectRef idx="0">
+        <a:scrgbClr r="0" g="0" b="0"/>
+      </a:effectRef>
+      <a:fontRef idx="minor"/>
+    </dgm:style>
+  </dgm:styleLbl>
+  <dgm:styleLbl name="solidFgAcc1">
+    <dgm:scene3d>
+      <a:camera prst="orthographicFront"/>
+      <a:lightRig rig="threePt" dir="t"/>
+    </dgm:scene3d>
+    <dgm:sp3d/>
+    <dgm:txPr/>
+    <dgm:style>
+      <a:lnRef idx="2">
+        <a:scrgbClr r="0" g="0" b="0"/>
+      </a:lnRef>
+      <a:fillRef idx="1">
+        <a:scrgbClr r="0" g="0" b="0"/>
+      </a:fillRef>
+      <a:effectRef idx="0">
+        <a:scrgbClr r="0" g="0" b="0"/>
+      </a:effectRef>
+      <a:fontRef idx="minor"/>
+    </dgm:style>
+  </dgm:styleLbl>
+  <dgm:styleLbl name="solidAlignAcc1">
+    <dgm:scene3d>
+      <a:camera prst="orthographicFront"/>
+      <a:lightRig rig="threePt" dir="t"/>
+    </dgm:scene3d>
+    <dgm:sp3d/>
+    <dgm:txPr/>
+    <dgm:style>
+      <a:lnRef idx="2">
+        <a:scrgbClr r="0" g="0" b="0"/>
+      </a:lnRef>
+      <a:fillRef idx="1">
+        <a:scrgbClr r="0" g="0" b="0"/>
+      </a:fillRef>
+      <a:effectRef idx="0">
+        <a:scrgbClr r="0" g="0" b="0"/>
+      </a:effectRef>
+      <a:fontRef idx="minor"/>
+    </dgm:style>
+  </dgm:styleLbl>
+  <dgm:styleLbl name="solidBgAcc1">
+    <dgm:scene3d>
+      <a:camera prst="orthographicFront"/>
+      <a:lightRig rig="threePt" dir="t"/>
+    </dgm:scene3d>
+    <dgm:sp3d/>
+    <dgm:txPr/>
+    <dgm:style>
+      <a:lnRef idx="2">
+        <a:scrgbClr r="0" g="0" b="0"/>
+      </a:lnRef>
+      <a:fillRef idx="1">
+        <a:scrgbClr r="0" g="0" b="0"/>
+      </a:fillRef>
+      <a:effectRef idx="0">
+        <a:scrgbClr r="0" g="0" b="0"/>
+      </a:effectRef>
+      <a:fontRef idx="minor"/>
+    </dgm:style>
+  </dgm:styleLbl>
+  <dgm:styleLbl name="fgAccFollowNode1">
+    <dgm:scene3d>
+      <a:camera prst="orthographicFront"/>
+      <a:lightRig rig="threePt" dir="t"/>
+    </dgm:scene3d>
+    <dgm:sp3d/>
+    <dgm:txPr/>
+    <dgm:style>
+      <a:lnRef idx="2">
+        <a:scrgbClr r="0" g="0" b="0"/>
+      </a:lnRef>
+      <a:fillRef idx="1">
+        <a:scrgbClr r="0" g="0" b="0"/>
+      </a:fillRef>
+      <a:effectRef idx="0">
+        <a:scrgbClr r="0" g="0" b="0"/>
+      </a:effectRef>
+      <a:fontRef idx="minor"/>
+    </dgm:style>
+  </dgm:styleLbl>
+  <dgm:styleLbl name="alignAccFollowNode1">
+    <dgm:scene3d>
+      <a:camera prst="orthographicFront"/>
+      <a:lightRig rig="threePt" dir="t"/>
+    </dgm:scene3d>
+    <dgm:sp3d/>
+    <dgm:txPr/>
+    <dgm:style>
+      <a:lnRef idx="2">
+        <a:scrgbClr r="0" g="0" b="0"/>
+      </a:lnRef>
+      <a:fillRef idx="1">
+        <a:scrgbClr r="0" g="0" b="0"/>
+      </a:fillRef>
+      <a:effectRef idx="0">
+        <a:scrgbClr r="0" g="0" b="0"/>
+      </a:effectRef>
+      <a:fontRef idx="minor"/>
+    </dgm:style>
+  </dgm:styleLbl>
+  <dgm:styleLbl name="bgAccFollowNode1">
+    <dgm:scene3d>
+      <a:camera prst="orthographicFront"/>
+      <a:lightRig rig="threePt" dir="t"/>
+    </dgm:scene3d>
+    <dgm:sp3d/>
+    <dgm:txPr/>
+    <dgm:style>
+      <a:lnRef idx="2">
+        <a:scrgbClr r="0" g="0" b="0"/>
+      </a:lnRef>
+      <a:fillRef idx="1">
+        <a:scrgbClr r="0" g="0" b="0"/>
+      </a:fillRef>
+      <a:effectRef idx="0">
+        <a:scrgbClr r="0" g="0" b="0"/>
+      </a:effectRef>
+      <a:fontRef idx="minor"/>
+    </dgm:style>
+  </dgm:styleLbl>
+  <dgm:styleLbl name="fgAcc0">
+    <dgm:scene3d>
+      <a:camera prst="orthographicFront"/>
+      <a:lightRig rig="threePt" dir="t"/>
+    </dgm:scene3d>
+    <dgm:sp3d/>
+    <dgm:txPr/>
+    <dgm:style>
+      <a:lnRef idx="2">
+        <a:scrgbClr r="0" g="0" b="0"/>
+      </a:lnRef>
+      <a:fillRef idx="1">
+        <a:scrgbClr r="0" g="0" b="0"/>
+      </a:fillRef>
+      <a:effectRef idx="0">
+        <a:scrgbClr r="0" g="0" b="0"/>
+      </a:effectRef>
+      <a:fontRef idx="minor"/>
+    </dgm:style>
+  </dgm:styleLbl>
+  <dgm:styleLbl name="fgAcc2">
+    <dgm:scene3d>
+      <a:camera prst="orthographicFront"/>
+      <a:lightRig rig="threePt" dir="t"/>
+    </dgm:scene3d>
+    <dgm:sp3d/>
+    <dgm:txPr/>
+    <dgm:style>
+      <a:lnRef idx="2">
+        <a:scrgbClr r="0" g="0" b="0"/>
+      </a:lnRef>
+      <a:fillRef idx="1">
+        <a:scrgbClr r="0" g="0" b="0"/>
+      </a:fillRef>
+      <a:effectRef idx="0">
+        <a:scrgbClr r="0" g="0" b="0"/>
+      </a:effectRef>
+      <a:fontRef idx="minor"/>
+    </dgm:style>
+  </dgm:styleLbl>
+  <dgm:styleLbl name="fgAcc3">
+    <dgm:scene3d>
+      <a:camera prst="orthographicFront"/>
+      <a:lightRig rig="threePt" dir="t"/>
+    </dgm:scene3d>
+    <dgm:sp3d/>
+    <dgm:txPr/>
+    <dgm:style>
+      <a:lnRef idx="2">
+        <a:scrgbClr r="0" g="0" b="0"/>
+      </a:lnRef>
+      <a:fillRef idx="1">
+        <a:scrgbClr r="0" g="0" b="0"/>
+      </a:fillRef>
+      <a:effectRef idx="0">
+        <a:scrgbClr r="0" g="0" b="0"/>
+      </a:effectRef>
+      <a:fontRef idx="minor"/>
+    </dgm:style>
+  </dgm:styleLbl>
+  <dgm:styleLbl name="fgAcc4">
+    <dgm:scene3d>
+      <a:camera prst="orthographicFront"/>
+      <a:lightRig rig="threePt" dir="t"/>
+    </dgm:scene3d>
+    <dgm:sp3d/>
+    <dgm:txPr/>
+    <dgm:style>
+      <a:lnRef idx="2">
+        <a:scrgbClr r="0" g="0" b="0"/>
+      </a:lnRef>
+      <a:fillRef idx="1">
+        <a:scrgbClr r="0" g="0" b="0"/>
+      </a:fillRef>
+      <a:effectRef idx="0">
+        <a:scrgbClr r="0" g="0" b="0"/>
+      </a:effectRef>
+      <a:fontRef idx="minor"/>
+    </dgm:style>
+  </dgm:styleLbl>
+  <dgm:styleLbl name="bgShp">
+    <dgm:scene3d>
+      <a:camera prst="orthographicFront"/>
+      <a:lightRig rig="threePt" dir="t"/>
+    </dgm:scene3d>
+    <dgm:sp3d/>
+    <dgm:txPr/>
+    <dgm:style>
+      <a:lnRef idx="0">
+        <a:scrgbClr r="0" g="0" b="0"/>
+      </a:lnRef>
+      <a:fillRef idx="1">
+        <a:scrgbClr r="0" g="0" b="0"/>
+      </a:fillRef>
+      <a:effectRef idx="0">
+        <a:scrgbClr r="0" g="0" b="0"/>
+      </a:effectRef>
+      <a:fontRef idx="minor"/>
+    </dgm:style>
+  </dgm:styleLbl>
+  <dgm:styleLbl name="dkBgShp">
+    <dgm:scene3d>
+      <a:camera prst="orthographicFront"/>
+      <a:lightRig rig="threePt" dir="t"/>
+    </dgm:scene3d>
+    <dgm:sp3d/>
+    <dgm:txPr/>
+    <dgm:style>
+      <a:lnRef idx="0">
+        <a:scrgbClr r="0" g="0" b="0"/>
+      </a:lnRef>
+      <a:fillRef idx="1">
+        <a:scrgbClr r="0" g="0" b="0"/>
+      </a:fillRef>
+      <a:effectRef idx="0">
+        <a:scrgbClr r="0" g="0" b="0"/>
+      </a:effectRef>
+      <a:fontRef idx="minor"/>
+    </dgm:style>
+  </dgm:styleLbl>
+  <dgm:styleLbl name="trBgShp">
+    <dgm:scene3d>
+      <a:camera prst="orthographicFront"/>
+      <a:lightRig rig="threePt" dir="t"/>
+    </dgm:scene3d>
+    <dgm:sp3d/>
+    <dgm:txPr/>
+    <dgm:style>
+      <a:lnRef idx="0">
+        <a:scrgbClr r="0" g="0" b="0"/>
+      </a:lnRef>
+      <a:fillRef idx="1">
+        <a:scrgbClr r="0" g="0" b="0"/>
+      </a:fillRef>
+      <a:effectRef idx="0">
+        <a:scrgbClr r="0" g="0" b="0"/>
+      </a:effectRef>
+      <a:fontRef idx="minor"/>
+    </dgm:style>
+  </dgm:styleLbl>
+  <dgm:styleLbl name="fgShp">
+    <dgm:scene3d>
+      <a:camera prst="orthographicFront"/>
+      <a:lightRig rig="threePt" dir="t"/>
+    </dgm:scene3d>
+    <dgm:sp3d/>
+    <dgm:txPr/>
+    <dgm:style>
+      <a:lnRef idx="2">
+        <a:scrgbClr r="0" g="0" b="0"/>
+      </a:lnRef>
+      <a:fillRef idx="1">
+        <a:scrgbClr r="0" g="0" b="0"/>
+      </a:fillRef>
+      <a:effectRef idx="0">
+        <a:scrgbClr r="0" g="0" b="0"/>
+      </a:effectRef>
+      <a:fontRef idx="minor"/>
+    </dgm:style>
+  </dgm:styleLbl>
+  <dgm:styleLbl name="revTx">
+    <dgm:scene3d>
+      <a:camera prst="orthographicFront"/>
+      <a:lightRig rig="threePt" dir="t"/>
+    </dgm:scene3d>
+    <dgm:sp3d/>
+    <dgm:txPr/>
+    <dgm:style>
+      <a:lnRef idx="0">
+        <a:scrgbClr r="0" g="0" b="0"/>
+      </a:lnRef>
+      <a:fillRef idx="0">
+        <a:scrgbClr r="0" g="0" b="0"/>
+      </a:fillRef>
+      <a:effectRef idx="0">
+        <a:scrgbClr r="0" g="0" b="0"/>
+      </a:effectRef>
+      <a:fontRef idx="minor"/>
+    </dgm:style>
+  </dgm:styleLbl>
+</dgm:styleDef>
+</file>
+
+<file path=ppt/notesMasters/notesMaster1.xml><?xml version="1.0" encoding="utf-8"?>
+<p:notesMaster xmlns:a="http://schemas.openxmlformats.org/drawingml/2006/main" xmlns:r="http://schemas.openxmlformats.org/officeDocument/2006/relationships" xmlns:p="http://schemas.openxmlformats.org/presentationml/2006/main">
+  <p:cSld>
+    <p:bg>
+      <p:bgRef idx="1001">
+        <a:schemeClr val="bg1"/>
+      </p:bgRef>
+    </p:bg>
+    <p:spTree>
+      <p:nvGrpSpPr>
+        <p:cNvPr id="1" name=""/>
+        <p:cNvGrpSpPr/>
+        <p:nvPr/>
+      </p:nvGrpSpPr>
+      <p:grpSpPr>
+        <a:xfrm>
+          <a:off x="0" y="0"/>
+          <a:ext cx="0" cy="0"/>
+          <a:chOff x="0" y="0"/>
+          <a:chExt cx="0" cy="0"/>
+        </a:xfrm>
+      </p:grpSpPr>
+      <p:sp>
+        <p:nvSpPr>
+          <p:cNvPr id="2" name="Marcador de encabezado 1"/>
+          <p:cNvSpPr>
+            <a:spLocks noGrp="1"/>
+          </p:cNvSpPr>
+          <p:nvPr>
+            <p:ph type="hdr" sz="quarter"/>
+          </p:nvPr>
+        </p:nvSpPr>
+        <p:spPr>
+          <a:xfrm>
+            <a:off x="0" y="0"/>
+            <a:ext cx="2971800" cy="458788"/>
+          </a:xfrm>
+          <a:prstGeom prst="rect">
+            <a:avLst/>
+          </a:prstGeom>
+        </p:spPr>
+        <p:txBody>
+          <a:bodyPr vert="horz" lIns="91440" tIns="45720" rIns="91440" bIns="45720" rtlCol="0"/>
+          <a:lstStyle>
+            <a:lvl1pPr algn="l">
+              <a:defRPr sz="1200"/>
+            </a:lvl1pPr>
+          </a:lstStyle>
+          <a:p>
+            <a:endParaRPr lang="es-419"/>
+          </a:p>
+        </p:txBody>
+      </p:sp>
+      <p:sp>
+        <p:nvSpPr>
+          <p:cNvPr id="3" name="Marcador de fecha 2"/>
+          <p:cNvSpPr>
+            <a:spLocks noGrp="1"/>
+          </p:cNvSpPr>
+          <p:nvPr>
+            <p:ph type="dt" idx="1"/>
+          </p:nvPr>
+        </p:nvSpPr>
+        <p:spPr>
+          <a:xfrm>
+            <a:off x="3884613" y="0"/>
+            <a:ext cx="2971800" cy="458788"/>
+          </a:xfrm>
+          <a:prstGeom prst="rect">
+            <a:avLst/>
+          </a:prstGeom>
+        </p:spPr>
+        <p:txBody>
+          <a:bodyPr vert="horz" lIns="91440" tIns="45720" rIns="91440" bIns="45720" rtlCol="0"/>
+          <a:lstStyle>
+            <a:lvl1pPr algn="r">
+              <a:defRPr sz="1200"/>
+            </a:lvl1pPr>
+          </a:lstStyle>
+          <a:p>
+            <a:fld id="{AF7307B7-8700-43E7-9DDC-2462EF98A639}" type="datetimeFigureOut">
+              <a:rPr lang="es-419" smtClean="0"/>
+              <a:t>13/11/2025</a:t>
+            </a:fld>
+            <a:endParaRPr lang="es-419"/>
+          </a:p>
+        </p:txBody>
+      </p:sp>
+      <p:sp>
+        <p:nvSpPr>
+          <p:cNvPr id="4" name="Marcador de imagen de diapositiva 3"/>
+          <p:cNvSpPr>
+            <a:spLocks noGrp="1" noRot="1" noChangeAspect="1"/>
+          </p:cNvSpPr>
+          <p:nvPr>
+            <p:ph type="sldImg" idx="2"/>
+          </p:nvPr>
+        </p:nvSpPr>
+        <p:spPr>
+          <a:xfrm>
+            <a:off x="685800" y="1143000"/>
+            <a:ext cx="5486400" cy="3086100"/>
+          </a:xfrm>
+          <a:prstGeom prst="rect">
+            <a:avLst/>
+          </a:prstGeom>
+          <a:noFill/>
+          <a:ln w="12700">
+            <a:solidFill>
+              <a:prstClr val="black"/>
+            </a:solidFill>
+          </a:ln>
+        </p:spPr>
+        <p:txBody>
+          <a:bodyPr vert="horz" lIns="91440" tIns="45720" rIns="91440" bIns="45720" rtlCol="0" anchor="ctr"/>
+          <a:lstStyle/>
+          <a:p>
+            <a:endParaRPr lang="es-419"/>
+          </a:p>
+        </p:txBody>
+      </p:sp>
+      <p:sp>
+        <p:nvSpPr>
+          <p:cNvPr id="5" name="Marcador de notas 4"/>
+          <p:cNvSpPr>
+            <a:spLocks noGrp="1"/>
+          </p:cNvSpPr>
+          <p:nvPr>
+            <p:ph type="body" sz="quarter" idx="3"/>
+          </p:nvPr>
+        </p:nvSpPr>
+        <p:spPr>
+          <a:xfrm>
+            <a:off x="685800" y="4400550"/>
+            <a:ext cx="5486400" cy="3600450"/>
+          </a:xfrm>
+          <a:prstGeom prst="rect">
+            <a:avLst/>
+          </a:prstGeom>
+        </p:spPr>
+        <p:txBody>
+          <a:bodyPr vert="horz" lIns="91440" tIns="45720" rIns="91440" bIns="45720" rtlCol="0"/>
+          <a:lstStyle/>
+          <a:p>
+            <a:pPr lvl="0"/>
+            <a:r>
+              <a:rPr lang="es-ES"/>
+              <a:t>Haga clic para modificar los estilos de texto del patrón</a:t>
+            </a:r>
+          </a:p>
+          <a:p>
+            <a:pPr lvl="1"/>
+            <a:r>
+              <a:rPr lang="es-ES"/>
+              <a:t>Segundo nivel</a:t>
+            </a:r>
+          </a:p>
+          <a:p>
+            <a:pPr lvl="2"/>
+            <a:r>
+              <a:rPr lang="es-ES"/>
+              <a:t>Tercer nivel</a:t>
+            </a:r>
+          </a:p>
+          <a:p>
+            <a:pPr lvl="3"/>
+            <a:r>
+              <a:rPr lang="es-ES"/>
+              <a:t>Cuarto nivel</a:t>
+            </a:r>
+          </a:p>
+          <a:p>
+            <a:pPr lvl="4"/>
+            <a:r>
+              <a:rPr lang="es-ES"/>
+              <a:t>Quinto nivel</a:t>
+            </a:r>
+            <a:endParaRPr lang="es-419"/>
+          </a:p>
+        </p:txBody>
+      </p:sp>
+      <p:sp>
+        <p:nvSpPr>
+          <p:cNvPr id="6" name="Marcador de pie de página 5"/>
+          <p:cNvSpPr>
+            <a:spLocks noGrp="1"/>
+          </p:cNvSpPr>
+          <p:nvPr>
+            <p:ph type="ftr" sz="quarter" idx="4"/>
+          </p:nvPr>
+        </p:nvSpPr>
+        <p:spPr>
+          <a:xfrm>
+            <a:off x="0" y="8685213"/>
+            <a:ext cx="2971800" cy="458787"/>
+          </a:xfrm>
+          <a:prstGeom prst="rect">
+            <a:avLst/>
+          </a:prstGeom>
+        </p:spPr>
+        <p:txBody>
+          <a:bodyPr vert="horz" lIns="91440" tIns="45720" rIns="91440" bIns="45720" rtlCol="0" anchor="b"/>
+          <a:lstStyle>
+            <a:lvl1pPr algn="l">
+              <a:defRPr sz="1200"/>
+            </a:lvl1pPr>
+          </a:lstStyle>
+          <a:p>
+            <a:endParaRPr lang="es-419"/>
+          </a:p>
+        </p:txBody>
+      </p:sp>
+      <p:sp>
+        <p:nvSpPr>
+          <p:cNvPr id="7" name="Marcador de número de diapositiva 6"/>
+          <p:cNvSpPr>
+            <a:spLocks noGrp="1"/>
+          </p:cNvSpPr>
+          <p:nvPr>
+            <p:ph type="sldNum" sz="quarter" idx="5"/>
+          </p:nvPr>
+        </p:nvSpPr>
+        <p:spPr>
+          <a:xfrm>
+            <a:off x="3884613" y="8685213"/>
+            <a:ext cx="2971800" cy="458787"/>
+          </a:xfrm>
+          <a:prstGeom prst="rect">
+            <a:avLst/>
+          </a:prstGeom>
+        </p:spPr>
+        <p:txBody>
+          <a:bodyPr vert="horz" lIns="91440" tIns="45720" rIns="91440" bIns="45720" rtlCol="0" anchor="b"/>
+          <a:lstStyle>
+            <a:lvl1pPr algn="r">
+              <a:defRPr sz="1200"/>
+            </a:lvl1pPr>
+          </a:lstStyle>
+          <a:p>
+            <a:fld id="{0F6F5107-BE6D-4DEF-AC82-DAA967DB4001}" type="slidenum">
+              <a:rPr lang="es-419" smtClean="0"/>
+              <a:t>‹Nº›</a:t>
+            </a:fld>
+            <a:endParaRPr lang="es-419"/>
+          </a:p>
+        </p:txBody>
+      </p:sp>
+    </p:spTree>
+    <p:extLst>
+      <p:ext uri="{BB962C8B-B14F-4D97-AF65-F5344CB8AC3E}">
+        <p14:creationId xmlns:p14="http://schemas.microsoft.com/office/powerpoint/2010/main" val="2942593898"/>
+      </p:ext>
+    </p:extLst>
+  </p:cSld>
+  <p:clrMap bg1="lt1" tx1="dk1" bg2="lt2" tx2="dk2" accent1="accent1" accent2="accent2" accent3="accent3" accent4="accent4" accent5="accent5" accent6="accent6" hlink="hlink" folHlink="folHlink"/>
+  <p:notesStyle>
+    <a:lvl1pPr marL="0" algn="l" defTabSz="914400" rtl="0" eaLnBrk="1" latinLnBrk="0" hangingPunct="1">
+      <a:defRPr sz="1200" kern="1200">
+        <a:solidFill>
+          <a:schemeClr val="tx1"/>
+        </a:solidFill>
+        <a:latin typeface="+mn-lt"/>
+        <a:ea typeface="+mn-ea"/>
+        <a:cs typeface="+mn-cs"/>
+      </a:defRPr>
+    </a:lvl1pPr>
+    <a:lvl2pPr marL="457200" algn="l" defTabSz="914400" rtl="0" eaLnBrk="1" latinLnBrk="0" hangingPunct="1">
+      <a:defRPr sz="1200" kern="1200">
+        <a:solidFill>
+          <a:schemeClr val="tx1"/>
+        </a:solidFill>
+        <a:latin typeface="+mn-lt"/>
+        <a:ea typeface="+mn-ea"/>
+        <a:cs typeface="+mn-cs"/>
+      </a:defRPr>
+    </a:lvl2pPr>
+    <a:lvl3pPr marL="914400" algn="l" defTabSz="914400" rtl="0" eaLnBrk="1" latinLnBrk="0" hangingPunct="1">
+      <a:defRPr sz="1200" kern="1200">
+        <a:solidFill>
+          <a:schemeClr val="tx1"/>
+        </a:solidFill>
+        <a:latin typeface="+mn-lt"/>
+        <a:ea typeface="+mn-ea"/>
+        <a:cs typeface="+mn-cs"/>
+      </a:defRPr>
+    </a:lvl3pPr>
+    <a:lvl4pPr marL="1371600" algn="l" defTabSz="914400" rtl="0" eaLnBrk="1" latinLnBrk="0" hangingPunct="1">
+      <a:defRPr sz="1200" kern="1200">
+        <a:solidFill>
+          <a:schemeClr val="tx1"/>
+        </a:solidFill>
+        <a:latin typeface="+mn-lt"/>
+        <a:ea typeface="+mn-ea"/>
+        <a:cs typeface="+mn-cs"/>
+      </a:defRPr>
+    </a:lvl4pPr>
+    <a:lvl5pPr marL="1828800" algn="l" defTabSz="914400" rtl="0" eaLnBrk="1" latinLnBrk="0" hangingPunct="1">
+      <a:defRPr sz="1200" kern="1200">
+        <a:solidFill>
+          <a:schemeClr val="tx1"/>
+        </a:solidFill>
+        <a:latin typeface="+mn-lt"/>
+        <a:ea typeface="+mn-ea"/>
+        <a:cs typeface="+mn-cs"/>
+      </a:defRPr>
+    </a:lvl5pPr>
+    <a:lvl6pPr marL="2286000" algn="l" defTabSz="914400" rtl="0" eaLnBrk="1" latinLnBrk="0" hangingPunct="1">
+      <a:defRPr sz="1200" kern="1200">
+        <a:solidFill>
+          <a:schemeClr val="tx1"/>
+        </a:solidFill>
+        <a:latin typeface="+mn-lt"/>
+        <a:ea typeface="+mn-ea"/>
+        <a:cs typeface="+mn-cs"/>
+      </a:defRPr>
+    </a:lvl6pPr>
+    <a:lvl7pPr marL="2743200" algn="l" defTabSz="914400" rtl="0" eaLnBrk="1" latinLnBrk="0" hangingPunct="1">
+      <a:defRPr sz="1200" kern="1200">
+        <a:solidFill>
+          <a:schemeClr val="tx1"/>
+        </a:solidFill>
+        <a:latin typeface="+mn-lt"/>
+        <a:ea typeface="+mn-ea"/>
+        <a:cs typeface="+mn-cs"/>
+      </a:defRPr>
+    </a:lvl7pPr>
+    <a:lvl8pPr marL="3200400" algn="l" defTabSz="914400" rtl="0" eaLnBrk="1" latinLnBrk="0" hangingPunct="1">
+      <a:defRPr sz="1200" kern="1200">
+        <a:solidFill>
+          <a:schemeClr val="tx1"/>
+        </a:solidFill>
+        <a:latin typeface="+mn-lt"/>
+        <a:ea typeface="+mn-ea"/>
+        <a:cs typeface="+mn-cs"/>
+      </a:defRPr>
+    </a:lvl8pPr>
+    <a:lvl9pPr marL="3657600" algn="l" defTabSz="914400" rtl="0" eaLnBrk="1" latinLnBrk="0" hangingPunct="1">
+      <a:defRPr sz="1200" kern="1200">
+        <a:solidFill>
+          <a:schemeClr val="tx1"/>
+        </a:solidFill>
+        <a:latin typeface="+mn-lt"/>
+        <a:ea typeface="+mn-ea"/>
+        <a:cs typeface="+mn-cs"/>
+      </a:defRPr>
+    </a:lvl9pPr>
+  </p:notesStyle>
+</p:notesMaster>
+</file>
+
+<file path=ppt/notesSlides/notesSlide1.xml><?xml version="1.0" encoding="utf-8"?>
+<p:notes xmlns:a="http://schemas.openxmlformats.org/drawingml/2006/main" xmlns:r="http://schemas.openxmlformats.org/officeDocument/2006/relationships" xmlns:p="http://schemas.openxmlformats.org/presentationml/2006/main">
+  <p:cSld>
+    <p:spTree>
+      <p:nvGrpSpPr>
+        <p:cNvPr id="1" name=""/>
+        <p:cNvGrpSpPr/>
+        <p:nvPr/>
+      </p:nvGrpSpPr>
+      <p:grpSpPr>
+        <a:xfrm>
+          <a:off x="0" y="0"/>
+          <a:ext cx="0" cy="0"/>
+          <a:chOff x="0" y="0"/>
+          <a:chExt cx="0" cy="0"/>
+        </a:xfrm>
+      </p:grpSpPr>
+      <p:sp>
+        <p:nvSpPr>
+          <p:cNvPr id="2" name="Marcador de imagen de diapositiva 1"/>
+          <p:cNvSpPr>
+            <a:spLocks noGrp="1" noRot="1" noChangeAspect="1"/>
+          </p:cNvSpPr>
+          <p:nvPr>
+            <p:ph type="sldImg"/>
+          </p:nvPr>
+        </p:nvSpPr>
+        <p:spPr/>
+      </p:sp>
+      <p:sp>
+        <p:nvSpPr>
+          <p:cNvPr id="3" name="Marcador de notas 2"/>
+          <p:cNvSpPr>
+            <a:spLocks noGrp="1"/>
+          </p:cNvSpPr>
+          <p:nvPr>
+            <p:ph type="body" idx="1"/>
+          </p:nvPr>
+        </p:nvSpPr>
+        <p:spPr/>
+        <p:txBody>
+          <a:bodyPr/>
+          <a:lstStyle/>
+          <a:p>
+            <a:r>
+              <a:rPr lang="es-ES" b="1" dirty="0"/>
+              <a:t>Red inicial:</a:t>
+            </a:r>
+            <a:endParaRPr lang="es-ES" dirty="0"/>
+          </a:p>
+          <a:p>
+            <a:r>
+              <a:rPr lang="es-ES" dirty="0"/>
+              <a:t>Cada nodo i se asigna a su propia comunidad</a:t>
+            </a:r>
+          </a:p>
+          <a:p>
+            <a:r>
+              <a:rPr lang="es-ES" dirty="0"/>
+              <a:t>Número inicial de comunidades = n (número de nodos</a:t>
+            </a:r>
+          </a:p>
+          <a:p>
+            <a:endParaRPr lang="es-ES" dirty="0"/>
+          </a:p>
+          <a:p>
+            <a:r>
+              <a:rPr lang="es-ES" dirty="0"/>
+              <a:t>Entrar a </a:t>
+            </a:r>
+            <a:r>
+              <a:rPr lang="es-ES" dirty="0" err="1"/>
+              <a:t>loop</a:t>
+            </a:r>
+            <a:endParaRPr lang="es-ES" dirty="0"/>
+          </a:p>
+          <a:p>
+            <a:endParaRPr lang="es-ES" dirty="0"/>
+          </a:p>
+          <a:p>
+            <a:r>
+              <a:rPr lang="es-ES" b="1" dirty="0"/>
+              <a:t>Evaluar vecinos</a:t>
+            </a:r>
+            <a:r>
+              <a:rPr lang="es-ES" dirty="0"/>
+              <a:t>: Para cada vecino j de i, calcular la ganancia de modularidad ΔQ que resultaría de mover i a la comunidad de j</a:t>
+            </a:r>
+          </a:p>
+          <a:p>
+            <a:endParaRPr lang="es-ES" dirty="0"/>
+          </a:p>
+          <a:p>
+            <a:r>
+              <a:rPr lang="es-ES" dirty="0"/>
+              <a:t>FIN : No hay mejora en la modularidad global después de aplicar ambas fases, O Se alcanza un número máximo de iteraciones (parámetro configurable)</a:t>
+            </a:r>
+            <a:endParaRPr lang="es-419" dirty="0"/>
+          </a:p>
+        </p:txBody>
+      </p:sp>
+      <p:sp>
+        <p:nvSpPr>
+          <p:cNvPr id="4" name="Marcador de número de diapositiva 3"/>
+          <p:cNvSpPr>
+            <a:spLocks noGrp="1"/>
+          </p:cNvSpPr>
+          <p:nvPr>
+            <p:ph type="sldNum" sz="quarter" idx="5"/>
+          </p:nvPr>
+        </p:nvSpPr>
+        <p:spPr/>
+        <p:txBody>
+          <a:bodyPr/>
+          <a:lstStyle/>
+          <a:p>
+            <a:fld id="{0F6F5107-BE6D-4DEF-AC82-DAA967DB4001}" type="slidenum">
+              <a:rPr lang="es-419" smtClean="0"/>
+              <a:t>8</a:t>
+            </a:fld>
+            <a:endParaRPr lang="es-419"/>
+          </a:p>
+        </p:txBody>
+      </p:sp>
+    </p:spTree>
+    <p:extLst>
+      <p:ext uri="{BB962C8B-B14F-4D97-AF65-F5344CB8AC3E}">
+        <p14:creationId xmlns:p14="http://schemas.microsoft.com/office/powerpoint/2010/main" val="1636492480"/>
+      </p:ext>
+    </p:extLst>
+  </p:cSld>
+  <p:clrMapOvr>
+    <a:masterClrMapping/>
+  </p:clrMapOvr>
+</p:notes>
+</file>
+
+<file path=ppt/notesSlides/notesSlide2.xml><?xml version="1.0" encoding="utf-8"?>
+<p:notes xmlns:a="http://schemas.openxmlformats.org/drawingml/2006/main" xmlns:r="http://schemas.openxmlformats.org/officeDocument/2006/relationships" xmlns:p="http://schemas.openxmlformats.org/presentationml/2006/main">
+  <p:cSld>
+    <p:spTree>
+      <p:nvGrpSpPr>
+        <p:cNvPr id="1" name=""/>
+        <p:cNvGrpSpPr/>
+        <p:nvPr/>
+      </p:nvGrpSpPr>
+      <p:grpSpPr>
+        <a:xfrm>
+          <a:off x="0" y="0"/>
+          <a:ext cx="0" cy="0"/>
+          <a:chOff x="0" y="0"/>
+          <a:chExt cx="0" cy="0"/>
+        </a:xfrm>
+      </p:grpSpPr>
+      <p:sp>
+        <p:nvSpPr>
+          <p:cNvPr id="2" name="Marcador de imagen de diapositiva 1"/>
+          <p:cNvSpPr>
+            <a:spLocks noGrp="1" noRot="1" noChangeAspect="1"/>
+          </p:cNvSpPr>
+          <p:nvPr>
+            <p:ph type="sldImg"/>
+          </p:nvPr>
+        </p:nvSpPr>
+        <p:spPr/>
+      </p:sp>
+      <p:sp>
+        <p:nvSpPr>
+          <p:cNvPr id="3" name="Marcador de notas 2"/>
+          <p:cNvSpPr>
+            <a:spLocks noGrp="1"/>
+          </p:cNvSpPr>
+          <p:nvPr>
+            <p:ph type="body" idx="1"/>
+          </p:nvPr>
+        </p:nvSpPr>
+        <p:spPr/>
+        <p:txBody>
+          <a:bodyPr/>
+          <a:lstStyle/>
+          <a:p>
+            <a:r>
+              <a:rPr lang="es-419" dirty="0"/>
+              <a:t>Al inicio cada nodo tiene etiqueta única</a:t>
+            </a:r>
+          </a:p>
+          <a:p>
+            <a:endParaRPr lang="es-419" dirty="0"/>
+          </a:p>
+          <a:p>
+            <a:r>
+              <a:rPr lang="es-419" dirty="0"/>
+              <a:t>Fin</a:t>
+            </a:r>
+          </a:p>
+          <a:p>
+            <a:r>
+              <a:rPr lang="es-ES" b="1" dirty="0"/>
+              <a:t>Estabilidad</a:t>
+            </a:r>
+            <a:r>
+              <a:rPr lang="es-ES" dirty="0"/>
+              <a:t>: Ningún nodo cambia su etiqueta en una iteración completa, </a:t>
+            </a:r>
+          </a:p>
+          <a:p>
+            <a:r>
+              <a:rPr lang="es-ES" b="1" dirty="0"/>
+              <a:t>Máximo de iteraciones</a:t>
+            </a:r>
+            <a:r>
+              <a:rPr lang="es-ES" dirty="0"/>
+              <a:t>: Se alcanza un número máximo predefinido (típicamente 10-100 iteraciones),</a:t>
+            </a:r>
+            <a:endParaRPr lang="es-419" dirty="0"/>
+          </a:p>
+        </p:txBody>
+      </p:sp>
+      <p:sp>
+        <p:nvSpPr>
+          <p:cNvPr id="4" name="Marcador de número de diapositiva 3"/>
+          <p:cNvSpPr>
+            <a:spLocks noGrp="1"/>
+          </p:cNvSpPr>
+          <p:nvPr>
+            <p:ph type="sldNum" sz="quarter" idx="5"/>
+          </p:nvPr>
+        </p:nvSpPr>
+        <p:spPr/>
+        <p:txBody>
+          <a:bodyPr/>
+          <a:lstStyle/>
+          <a:p>
+            <a:fld id="{0F6F5107-BE6D-4DEF-AC82-DAA967DB4001}" type="slidenum">
+              <a:rPr lang="es-419" smtClean="0"/>
+              <a:t>11</a:t>
+            </a:fld>
+            <a:endParaRPr lang="es-419"/>
+          </a:p>
+        </p:txBody>
+      </p:sp>
+    </p:spTree>
+    <p:extLst>
+      <p:ext uri="{BB962C8B-B14F-4D97-AF65-F5344CB8AC3E}">
+        <p14:creationId xmlns:p14="http://schemas.microsoft.com/office/powerpoint/2010/main" val="3108654533"/>
+      </p:ext>
+    </p:extLst>
+  </p:cSld>
+  <p:clrMapOvr>
+    <a:masterClrMapping/>
+  </p:clrMapOvr>
+</p:notes>
+</file>
+
+<file path=ppt/notesSlides/notesSlide3.xml><?xml version="1.0" encoding="utf-8"?>
+<p:notes xmlns:a="http://schemas.openxmlformats.org/drawingml/2006/main" xmlns:r="http://schemas.openxmlformats.org/officeDocument/2006/relationships" xmlns:p="http://schemas.openxmlformats.org/presentationml/2006/main">
+  <p:cSld>
+    <p:spTree>
+      <p:nvGrpSpPr>
+        <p:cNvPr id="1" name=""/>
+        <p:cNvGrpSpPr/>
+        <p:nvPr/>
+      </p:nvGrpSpPr>
+      <p:grpSpPr>
+        <a:xfrm>
+          <a:off x="0" y="0"/>
+          <a:ext cx="0" cy="0"/>
+          <a:chOff x="0" y="0"/>
+          <a:chExt cx="0" cy="0"/>
+        </a:xfrm>
+      </p:grpSpPr>
+      <p:sp>
+        <p:nvSpPr>
+          <p:cNvPr id="2" name="Marcador de imagen de diapositiva 1"/>
+          <p:cNvSpPr>
+            <a:spLocks noGrp="1" noRot="1" noChangeAspect="1"/>
+          </p:cNvSpPr>
+          <p:nvPr>
+            <p:ph type="sldImg"/>
+          </p:nvPr>
+        </p:nvSpPr>
+        <p:spPr/>
+      </p:sp>
+      <p:sp>
+        <p:nvSpPr>
+          <p:cNvPr id="3" name="Marcador de notas 2"/>
+          <p:cNvSpPr>
+            <a:spLocks noGrp="1"/>
+          </p:cNvSpPr>
+          <p:nvPr>
+            <p:ph type="body" idx="1"/>
+          </p:nvPr>
+        </p:nvSpPr>
+        <p:spPr/>
+        <p:txBody>
+          <a:bodyPr/>
+          <a:lstStyle/>
+          <a:p>
+            <a:pPr>
+              <a:lnSpc>
+                <a:spcPct val="110000"/>
+              </a:lnSpc>
+            </a:pPr>
+            <a:endParaRPr lang="es-ES" sz="1200" b="1" dirty="0"/>
+          </a:p>
+          <a:p>
+            <a:r>
+              <a:rPr lang="es-ES" sz="1200" dirty="0"/>
+              <a:t>Los tres métodos estudiados representan </a:t>
+            </a:r>
+            <a:r>
+              <a:rPr lang="es-ES" sz="1200" b="1" dirty="0"/>
+              <a:t>diferentes aproximaciones </a:t>
+            </a:r>
+            <a:r>
+              <a:rPr lang="es-ES" sz="1200" dirty="0"/>
+              <a:t>al problema de detección de comunidades, cada uno con compromisos distintos entre eficiencia computacional y calidad de resultados.</a:t>
+            </a:r>
+          </a:p>
+          <a:p>
+            <a:r>
+              <a:rPr lang="es-ES" sz="1200" b="1" dirty="0"/>
+              <a:t>Fundamentos del </a:t>
+            </a:r>
+            <a:r>
+              <a:rPr lang="es-ES" sz="1200" b="1" dirty="0" err="1"/>
+              <a:t>Trade</a:t>
+            </a:r>
+            <a:r>
+              <a:rPr lang="es-ES" sz="1200" b="1" dirty="0"/>
+              <a:t>-off</a:t>
+            </a:r>
+          </a:p>
+          <a:p>
+            <a:r>
+              <a:rPr lang="es-ES" sz="1200" dirty="0"/>
+              <a:t>En el análisis de redes complejas, existe una </a:t>
+            </a:r>
+            <a:r>
+              <a:rPr lang="es-ES" sz="1200" b="1" dirty="0"/>
+              <a:t>tensión fundamental</a:t>
+            </a:r>
+            <a:r>
+              <a:rPr lang="es-ES" sz="1200" dirty="0"/>
+              <a:t> entre:</a:t>
+            </a:r>
+          </a:p>
+          <a:p>
+            <a:pPr marL="285750" indent="-285750">
+              <a:buFont typeface="Arial" panose="020B0604020202020204" pitchFamily="34" charset="0"/>
+              <a:buChar char="•"/>
+            </a:pPr>
+            <a:r>
+              <a:rPr lang="es-ES" sz="1200" b="1" dirty="0"/>
+              <a:t>Eficiencia computacional</a:t>
+            </a:r>
+            <a:r>
+              <a:rPr lang="es-ES" sz="1200" dirty="0"/>
+              <a:t>: Capacidad de procesar redes grandes en tiempo razonable</a:t>
+            </a:r>
+          </a:p>
+          <a:p>
+            <a:pPr marL="285750" indent="-285750">
+              <a:buFont typeface="Arial" panose="020B0604020202020204" pitchFamily="34" charset="0"/>
+              <a:buChar char="•"/>
+            </a:pPr>
+            <a:r>
+              <a:rPr lang="es-ES" sz="1200" b="1" dirty="0"/>
+              <a:t>Calidad de detección</a:t>
+            </a:r>
+            <a:r>
+              <a:rPr lang="es-ES" sz="1200" dirty="0"/>
+              <a:t>: Precisión en identificar la estructura comunitaria real</a:t>
+            </a:r>
+          </a:p>
+          <a:p>
+            <a:pPr marL="285750" indent="-285750">
+              <a:buFont typeface="Arial" panose="020B0604020202020204" pitchFamily="34" charset="0"/>
+              <a:buChar char="•"/>
+            </a:pPr>
+            <a:r>
+              <a:rPr lang="es-ES" sz="1200" b="1" dirty="0"/>
+              <a:t>Interpretabilidad</a:t>
+            </a:r>
+            <a:r>
+              <a:rPr lang="es-ES" sz="1200" dirty="0"/>
+              <a:t>: Facilidad para entender y explicar los resultados</a:t>
+            </a:r>
+          </a:p>
+          <a:p>
+            <a:r>
+              <a:rPr lang="es-ES" sz="1200" dirty="0"/>
+              <a:t>Ningún algoritmo puede maximizar simultáneamente estas tres dimensiones, lo que genera la necesidad de elegir según el contexto del análisis.</a:t>
+            </a:r>
+          </a:p>
+          <a:p>
+            <a:endParaRPr lang="es-419" dirty="0"/>
+          </a:p>
+        </p:txBody>
+      </p:sp>
+      <p:sp>
+        <p:nvSpPr>
+          <p:cNvPr id="4" name="Marcador de número de diapositiva 3"/>
+          <p:cNvSpPr>
+            <a:spLocks noGrp="1"/>
+          </p:cNvSpPr>
+          <p:nvPr>
+            <p:ph type="sldNum" sz="quarter" idx="5"/>
+          </p:nvPr>
+        </p:nvSpPr>
+        <p:spPr/>
+        <p:txBody>
+          <a:bodyPr/>
+          <a:lstStyle/>
+          <a:p>
+            <a:fld id="{0F6F5107-BE6D-4DEF-AC82-DAA967DB4001}" type="slidenum">
+              <a:rPr lang="es-419" smtClean="0"/>
+              <a:t>16</a:t>
+            </a:fld>
+            <a:endParaRPr lang="es-419"/>
+          </a:p>
+        </p:txBody>
+      </p:sp>
+    </p:spTree>
+    <p:extLst>
+      <p:ext uri="{BB962C8B-B14F-4D97-AF65-F5344CB8AC3E}">
+        <p14:creationId xmlns:p14="http://schemas.microsoft.com/office/powerpoint/2010/main" val="4190951431"/>
+      </p:ext>
+    </p:extLst>
+  </p:cSld>
+  <p:clrMapOvr>
+    <a:masterClrMapping/>
+  </p:clrMapOvr>
+</p:notes>
+</file>
+
 <file path=ppt/slideLayouts/slideLayout1.xml><?xml version="1.0" encoding="utf-8"?>
 <p:sldLayout xmlns:a="http://schemas.openxmlformats.org/drawingml/2006/main" xmlns:r="http://schemas.openxmlformats.org/officeDocument/2006/relationships" xmlns:p="http://schemas.openxmlformats.org/presentationml/2006/main" type="title" preserve="1">
   <p:cSld name="Title Slide">
@@ -839,7 +4394,7 @@
           <a:p>
             <a:fld id="{C128FA71-3A18-48C0-980F-4B68F7F63042}" type="datetime1">
               <a:rPr lang="en-US" smtClean="0"/>
-              <a:t>11/10/2025</a:t>
+              <a:t>11/13/2025</a:t>
             </a:fld>
             <a:endParaRPr lang="en-US"/>
           </a:p>
@@ -1047,7 +4602,7 @@
           <a:p>
             <a:fld id="{7104EDB3-C0E8-45F8-9E1D-1B6C8D1880C0}" type="datetime1">
               <a:rPr lang="en-US" smtClean="0"/>
-              <a:t>11/10/2025</a:t>
+              <a:t>11/13/2025</a:t>
             </a:fld>
             <a:endParaRPr lang="en-US"/>
           </a:p>
@@ -1257,7 +4812,7 @@
           <a:p>
             <a:fld id="{9CF0EC4B-54ED-4041-B552-9BA760FA3DBA}" type="datetime1">
               <a:rPr lang="en-US" smtClean="0"/>
-              <a:t>11/10/2025</a:t>
+              <a:t>11/13/2025</a:t>
             </a:fld>
             <a:endParaRPr lang="en-US"/>
           </a:p>
@@ -1455,7 +5010,7 @@
           <a:p>
             <a:fld id="{51C1210E-201E-4473-82AC-2466F5386C38}" type="datetime1">
               <a:rPr lang="en-US" smtClean="0"/>
-              <a:t>11/10/2025</a:t>
+              <a:t>11/13/2025</a:t>
             </a:fld>
             <a:endParaRPr lang="en-US"/>
           </a:p>
@@ -1733,7 +5288,7 @@
           <a:p>
             <a:fld id="{B01EA198-6CAB-4B8F-B93F-1F9C8C4B6CE7}" type="datetime1">
               <a:rPr lang="en-US" smtClean="0"/>
-              <a:t>11/10/2025</a:t>
+              <a:t>11/13/2025</a:t>
             </a:fld>
             <a:endParaRPr lang="en-US"/>
           </a:p>
@@ -2005,7 +5560,7 @@
           <a:p>
             <a:fld id="{CA06041F-4525-44D5-AA4F-332294BF1F56}" type="datetime1">
               <a:rPr lang="en-US" smtClean="0"/>
-              <a:t>11/10/2025</a:t>
+              <a:t>11/13/2025</a:t>
             </a:fld>
             <a:endParaRPr lang="en-US"/>
           </a:p>
@@ -2429,7 +5984,7 @@
           <a:p>
             <a:fld id="{F9557091-BBDF-4EB9-BA6B-2BB67AC4FC0F}" type="datetime1">
               <a:rPr lang="en-US" smtClean="0"/>
-              <a:t>11/10/2025</a:t>
+              <a:t>11/13/2025</a:t>
             </a:fld>
             <a:endParaRPr lang="en-US"/>
           </a:p>
@@ -2570,7 +6125,7 @@
           <a:p>
             <a:fld id="{2D6B226B-77A6-410C-9796-083F278E0125}" type="datetime1">
               <a:rPr lang="en-US" smtClean="0"/>
-              <a:t>11/10/2025</a:t>
+              <a:t>11/13/2025</a:t>
             </a:fld>
             <a:endParaRPr lang="en-US"/>
           </a:p>
@@ -2683,7 +6238,7 @@
           <a:p>
             <a:fld id="{A23A578B-D289-4C40-8593-3D356C49DA58}" type="datetime1">
               <a:rPr lang="en-US" smtClean="0"/>
-              <a:t>11/10/2025</a:t>
+              <a:t>11/13/2025</a:t>
             </a:fld>
             <a:endParaRPr lang="en-US"/>
           </a:p>
@@ -3002,7 +6557,7 @@
           <a:p>
             <a:fld id="{713DFAE3-14DB-48A7-A80F-80DDB072CE3D}" type="datetime1">
               <a:rPr lang="en-US" smtClean="0"/>
-              <a:t>11/10/2025</a:t>
+              <a:t>11/13/2025</a:t>
             </a:fld>
             <a:endParaRPr lang="en-US"/>
           </a:p>
@@ -3296,7 +6851,7 @@
           <a:p>
             <a:fld id="{92C5EAEF-6478-4102-8F5D-A5FE9FC97ACB}" type="datetime1">
               <a:rPr lang="en-US" smtClean="0"/>
-              <a:t>11/10/2025</a:t>
+              <a:t>11/13/2025</a:t>
             </a:fld>
             <a:endParaRPr lang="en-US"/>
           </a:p>
@@ -3537,7 +7092,7 @@
           <a:p>
             <a:fld id="{67F45AC6-C491-4585-A584-9CE2AF7D5500}" type="datetime1">
               <a:rPr lang="en-US" smtClean="0"/>
-              <a:t>11/10/2025</a:t>
+              <a:t>11/13/2025</a:t>
             </a:fld>
             <a:endParaRPr lang="en-US"/>
           </a:p>
@@ -4478,7 +8033,7 @@
 </p:sld>
 </file>
 
-<file path=ppt/slides/slide2.xml><?xml version="1.0" encoding="utf-8"?>
+<file path=ppt/slides/slide10.xml><?xml version="1.0" encoding="utf-8"?>
 <p:sld xmlns:a="http://schemas.openxmlformats.org/drawingml/2006/main" xmlns:r="http://schemas.openxmlformats.org/officeDocument/2006/relationships" xmlns:p="http://schemas.openxmlformats.org/presentationml/2006/main">
   <p:cSld>
     <p:bg>
@@ -4505,7 +8060,7 @@
       </p:grpSpPr>
       <p:sp useBgFill="1">
         <p:nvSpPr>
-          <p:cNvPr id="11" name="Rectangle 10">
+          <p:cNvPr id="10" name="Rectangle 9">
             <a:extLst>
               <a:ext uri="{FF2B5EF4-FFF2-40B4-BE49-F238E27FC236}">
                 <a16:creationId xmlns:a16="http://schemas.microsoft.com/office/drawing/2014/main" id="{6ACA6F80-D392-A64E-3CF8-F28F1CCEE67B}"/>
@@ -4584,7 +8139,7 @@
           <p:cNvPr id="2" name="Título 1">
             <a:extLst>
               <a:ext uri="{FF2B5EF4-FFF2-40B4-BE49-F238E27FC236}">
-                <a16:creationId xmlns:a16="http://schemas.microsoft.com/office/drawing/2014/main" id="{84E5D98E-45A8-9C04-9392-26DF52338716}"/>
+                <a16:creationId xmlns:a16="http://schemas.microsoft.com/office/drawing/2014/main" id="{6AC436BC-7D3E-3602-26AE-8CFE4A375670}"/>
               </a:ext>
             </a:extLst>
           </p:cNvPr>
@@ -4597,8 +8152,8 @@
         </p:nvSpPr>
         <p:spPr>
           <a:xfrm>
-            <a:off x="614679" y="548640"/>
-            <a:ext cx="4779572" cy="2067705"/>
+            <a:off x="614678" y="322499"/>
+            <a:ext cx="5105401" cy="873760"/>
           </a:xfrm>
         </p:spPr>
         <p:txBody>
@@ -4609,17 +8164,211 @@
           <a:p>
             <a:r>
               <a:rPr lang="es-CL" dirty="0"/>
-              <a:t>Introducción</a:t>
+              <a:t>Modelos y algoritmos</a:t>
+            </a:r>
+          </a:p>
+        </p:txBody>
+      </p:sp>
+      <p:sp>
+        <p:nvSpPr>
+          <p:cNvPr id="3" name="Marcador de contenido 2">
+            <a:extLst>
+              <a:ext uri="{FF2B5EF4-FFF2-40B4-BE49-F238E27FC236}">
+                <a16:creationId xmlns:a16="http://schemas.microsoft.com/office/drawing/2014/main" id="{D26107F9-773C-0C9F-8E37-B20E5AB45B0C}"/>
+              </a:ext>
+            </a:extLst>
+          </p:cNvPr>
+          <p:cNvSpPr>
+            <a:spLocks noGrp="1"/>
+          </p:cNvSpPr>
+          <p:nvPr>
+            <p:ph idx="1"/>
+          </p:nvPr>
+        </p:nvSpPr>
+        <p:spPr>
+          <a:xfrm>
+            <a:off x="614678" y="1117599"/>
+            <a:ext cx="5684522" cy="2125561"/>
+          </a:xfrm>
+        </p:spPr>
+        <p:txBody>
+          <a:bodyPr anchor="t">
+            <a:normAutofit/>
+          </a:bodyPr>
+          <a:lstStyle/>
+          <a:p>
+            <a:pPr marL="0" indent="0">
+              <a:lnSpc>
+                <a:spcPct val="110000"/>
+              </a:lnSpc>
+              <a:buNone/>
+            </a:pPr>
+            <a:r>
+              <a:rPr lang="es-ES" sz="1100" b="1" dirty="0"/>
+              <a:t>2. </a:t>
+            </a:r>
+            <a:r>
+              <a:rPr lang="es-ES" sz="1100" b="1" dirty="0" err="1"/>
+              <a:t>Label</a:t>
+            </a:r>
+            <a:r>
+              <a:rPr lang="es-ES" sz="1100" b="1" dirty="0"/>
+              <a:t> </a:t>
+            </a:r>
+            <a:r>
+              <a:rPr lang="es-ES" sz="1100" b="1" dirty="0" err="1"/>
+              <a:t>Propagation</a:t>
+            </a:r>
+            <a:r>
+              <a:rPr lang="es-ES" sz="1100" b="1" dirty="0"/>
+              <a:t> (propagación de etiquetas)</a:t>
+            </a:r>
+            <a:endParaRPr lang="es-ES" sz="1100" dirty="0"/>
+          </a:p>
+          <a:p>
+            <a:pPr>
+              <a:lnSpc>
+                <a:spcPct val="110000"/>
+              </a:lnSpc>
+            </a:pPr>
+            <a:r>
+              <a:rPr lang="es-ES" sz="1100" dirty="0"/>
+              <a:t>Su principio fundamental es extremadamente simple: cada nodo adopta la etiqueta (comunidad) más frecuente entre sus vecinos. A pesar de su simplicidad, produce resultados comparables a métodos más complejos. </a:t>
+            </a:r>
+            <a:r>
+              <a:rPr lang="es-ES" sz="1100" b="1" dirty="0"/>
+              <a:t>Con el tiempo, los nodos cercanos comparten la misma etiqueta → forman comunidades.</a:t>
+            </a:r>
+          </a:p>
+          <a:p>
+            <a:pPr>
+              <a:lnSpc>
+                <a:spcPct val="110000"/>
+              </a:lnSpc>
+            </a:pPr>
+            <a:r>
+              <a:rPr lang="es-ES" sz="1100" dirty="0"/>
+              <a:t>El algoritmo se basa en el principio de </a:t>
+            </a:r>
+            <a:r>
+              <a:rPr lang="es-ES" sz="1100" b="1" dirty="0" err="1"/>
+              <a:t>homofilia</a:t>
+            </a:r>
+            <a:r>
+              <a:rPr lang="es-ES" sz="1100" b="1" dirty="0"/>
+              <a:t> en redes</a:t>
+            </a:r>
+            <a:r>
+              <a:rPr lang="es-ES" sz="1100" dirty="0"/>
+              <a:t>: los nodos conectados tienden a pertenecer a la misma comunidad. No optimiza explícitamente ninguna función objetivo como la modularidad, sino que permite que las comunidades "emerjan" naturalmente a través de la propagación local de información.</a:t>
+            </a:r>
+          </a:p>
+        </p:txBody>
+      </p:sp>
+      <p:sp>
+        <p:nvSpPr>
+          <p:cNvPr id="6" name="CuadroTexto 5">
+            <a:extLst>
+              <a:ext uri="{FF2B5EF4-FFF2-40B4-BE49-F238E27FC236}">
+                <a16:creationId xmlns:a16="http://schemas.microsoft.com/office/drawing/2014/main" id="{37718B53-476F-6BAF-D480-A90A9A13EA8A}"/>
+              </a:ext>
+            </a:extLst>
+          </p:cNvPr>
+          <p:cNvSpPr txBox="1"/>
+          <p:nvPr/>
+        </p:nvSpPr>
+        <p:spPr>
+          <a:xfrm>
+            <a:off x="6228265" y="1643928"/>
+            <a:ext cx="5831401" cy="1446550"/>
+          </a:xfrm>
+          <a:prstGeom prst="rect">
+            <a:avLst/>
+          </a:prstGeom>
+          <a:noFill/>
+        </p:spPr>
+        <p:txBody>
+          <a:bodyPr wrap="square">
+            <a:spAutoFit/>
+          </a:bodyPr>
+          <a:lstStyle/>
+          <a:p>
+            <a:pPr>
+              <a:buNone/>
+            </a:pPr>
+            <a:r>
+              <a:rPr lang="es-ES" sz="1100" b="1" dirty="0"/>
+              <a:t>Supuestos del Modelo</a:t>
+            </a:r>
+          </a:p>
+          <a:p>
+            <a:pPr>
+              <a:buFont typeface="+mj-lt"/>
+              <a:buAutoNum type="arabicPeriod"/>
+            </a:pPr>
+            <a:r>
+              <a:rPr lang="es-ES" sz="1100" b="1" dirty="0"/>
+              <a:t> </a:t>
+            </a:r>
+            <a:r>
+              <a:rPr lang="es-ES" sz="1100" b="1" dirty="0" err="1"/>
+              <a:t>Homofilia</a:t>
+            </a:r>
+            <a:r>
+              <a:rPr lang="es-ES" sz="1100" dirty="0"/>
+              <a:t>: Nodos conectados tienen mayor probabilidad de pertenecer a la misma comunidad</a:t>
+            </a:r>
+          </a:p>
+          <a:p>
+            <a:pPr>
+              <a:buFont typeface="+mj-lt"/>
+              <a:buAutoNum type="arabicPeriod"/>
+            </a:pPr>
+            <a:r>
+              <a:rPr lang="es-ES" sz="1100" b="1" dirty="0"/>
+              <a:t>Consenso local</a:t>
+            </a:r>
+            <a:r>
+              <a:rPr lang="es-ES" sz="1100" dirty="0"/>
+              <a:t>: La etiqueta mayoritaria entre vecinos es un buen indicador de pertenencia comunitaria</a:t>
+            </a:r>
+          </a:p>
+          <a:p>
+            <a:pPr>
+              <a:buFont typeface="+mj-lt"/>
+              <a:buAutoNum type="arabicPeriod"/>
+            </a:pPr>
+            <a:r>
+              <a:rPr lang="es-ES" sz="1100" b="1" dirty="0"/>
+              <a:t>Convergencia rápida</a:t>
+            </a:r>
+            <a:r>
+              <a:rPr lang="es-ES" sz="1100" dirty="0"/>
+              <a:t>: Las comunidades se estabilizan en pocas iteraciones</a:t>
+            </a:r>
+          </a:p>
+          <a:p>
+            <a:pPr>
+              <a:buFont typeface="+mj-lt"/>
+              <a:buAutoNum type="arabicPeriod"/>
+            </a:pPr>
+            <a:r>
+              <a:rPr lang="es-ES" sz="1100" b="1" dirty="0"/>
+              <a:t>Estructura densa</a:t>
+            </a:r>
+            <a:r>
+              <a:rPr lang="es-ES" sz="1100" dirty="0"/>
+              <a:t>: Funciona mejor en redes con comunidades densamente conectadas</a:t>
             </a:r>
           </a:p>
         </p:txBody>
       </p:sp>
       <p:pic>
         <p:nvPicPr>
-          <p:cNvPr id="8" name="Graphic 7" descr="Social Network">
+          <p:cNvPr id="9" name="Imagen 8" descr="Diagrama&#10;&#10;El contenido generado por IA puede ser incorrecto.">
             <a:extLst>
               <a:ext uri="{FF2B5EF4-FFF2-40B4-BE49-F238E27FC236}">
-                <a16:creationId xmlns:a16="http://schemas.microsoft.com/office/drawing/2014/main" id="{DC9452D4-E0B6-6737-5393-89512871B0D3}"/>
+                <a16:creationId xmlns:a16="http://schemas.microsoft.com/office/drawing/2014/main" id="{B840E9AE-4633-699C-33AE-1CA6FBC3F604}"/>
               </a:ext>
             </a:extLst>
           </p:cNvPr>
@@ -4634,9 +8383,6 @@
               <a:ext uri="{28A0092B-C50C-407E-A947-70E740481C1C}">
                 <a14:useLocalDpi xmlns:a14="http://schemas.microsoft.com/office/drawing/2010/main" val="0"/>
               </a:ext>
-              <a:ext uri="{96DAC541-7B7A-43D3-8B79-37D633B846F1}">
-                <asvg:svgBlip xmlns:asvg="http://schemas.microsoft.com/office/drawing/2016/SVG/main" r:embed="rId3"/>
-              </a:ext>
             </a:extLst>
           </a:blip>
           <a:stretch>
@@ -4645,403 +8391,48 @@
         </p:blipFill>
         <p:spPr>
           <a:xfrm>
-            <a:off x="10007598" y="-234279"/>
-            <a:ext cx="2347559" cy="2347559"/>
+            <a:off x="1724004" y="3487386"/>
+            <a:ext cx="8150063" cy="2799403"/>
           </a:xfrm>
           <a:prstGeom prst="rect">
             <a:avLst/>
           </a:prstGeom>
         </p:spPr>
       </p:pic>
-      <p:sp>
-        <p:nvSpPr>
-          <p:cNvPr id="4" name="Rectangle 1">
+      <p:pic>
+        <p:nvPicPr>
+          <p:cNvPr id="12" name="Imagen 11">
             <a:extLst>
               <a:ext uri="{FF2B5EF4-FFF2-40B4-BE49-F238E27FC236}">
-                <a16:creationId xmlns:a16="http://schemas.microsoft.com/office/drawing/2014/main" id="{4163AE12-FBB8-A78F-747F-14604E99ED8F}"/>
+                <a16:creationId xmlns:a16="http://schemas.microsoft.com/office/drawing/2014/main" id="{4EEFD667-A657-8C68-2410-6E3F3B268123}"/>
               </a:ext>
             </a:extLst>
           </p:cNvPr>
-          <p:cNvSpPr>
-            <a:spLocks noGrp="1" noChangeArrowheads="1"/>
-          </p:cNvSpPr>
-          <p:nvPr>
-            <p:ph idx="1"/>
-          </p:nvPr>
-        </p:nvSpPr>
-        <p:spPr bwMode="auto">
+          <p:cNvPicPr>
+            <a:picLocks noChangeAspect="1"/>
+          </p:cNvPicPr>
+          <p:nvPr/>
+        </p:nvPicPr>
+        <p:blipFill>
+          <a:blip r:embed="rId3"/>
+          <a:stretch>
+            <a:fillRect/>
+          </a:stretch>
+        </p:blipFill>
+        <p:spPr>
           <a:xfrm>
-            <a:off x="614680" y="1158240"/>
-            <a:ext cx="10962642" cy="5151119"/>
+            <a:off x="6299200" y="152749"/>
+            <a:ext cx="5133789" cy="1441248"/>
           </a:xfrm>
           <a:prstGeom prst="rect">
             <a:avLst/>
           </a:prstGeom>
-          <a:extLst>
-            <a:ext uri="{909E8E84-426E-40DD-AFC4-6F175D3DCCD1}">
-              <a14:hiddenFill xmlns:a14="http://schemas.microsoft.com/office/drawing/2010/main">
-                <a:solidFill>
-                  <a:schemeClr val="accent1"/>
-                </a:solidFill>
-              </a14:hiddenFill>
-            </a:ext>
-            <a:ext uri="{91240B29-F687-4F45-9708-019B960494DF}">
-              <a14:hiddenLine xmlns:a14="http://schemas.microsoft.com/office/drawing/2010/main" w="9525">
-                <a:solidFill>
-                  <a:schemeClr val="tx1"/>
-                </a:solidFill>
-                <a:miter lim="800000"/>
-                <a:headEnd/>
-                <a:tailEnd/>
-              </a14:hiddenLine>
-            </a:ext>
-            <a:ext uri="{AF507438-7753-43E0-B8FC-AC1667EBCBE1}">
-              <a14:hiddenEffects xmlns:a14="http://schemas.microsoft.com/office/drawing/2010/main">
-                <a:effectLst>
-                  <a:outerShdw dist="35921" dir="2700000" algn="ctr" rotWithShape="0">
-                    <a:schemeClr val="bg2"/>
-                  </a:outerShdw>
-                </a:effectLst>
-              </a14:hiddenEffects>
-            </a:ext>
-          </a:extLst>
         </p:spPr>
-        <p:txBody>
-          <a:bodyPr vert="horz" lIns="91440" tIns="45720" rIns="91440" bIns="45720" numCol="1" anchor="t" anchorCtr="0" compatLnSpc="1">
-            <a:prstTxWarp prst="textNoShape">
-              <a:avLst/>
-            </a:prstTxWarp>
-            <a:normAutofit/>
-          </a:bodyPr>
-          <a:lstStyle/>
-          <a:p>
-            <a:pPr marL="0" marR="0" lvl="0" indent="0" defTabSz="914400" rtl="0" eaLnBrk="0" fontAlgn="base" latinLnBrk="0" hangingPunct="0">
-              <a:lnSpc>
-                <a:spcPct val="110000"/>
-              </a:lnSpc>
-              <a:spcBef>
-                <a:spcPct val="0"/>
-              </a:spcBef>
-              <a:spcAft>
-                <a:spcPct val="0"/>
-              </a:spcAft>
-              <a:buClrTx/>
-              <a:buSzTx/>
-              <a:buFontTx/>
-              <a:buChar char="•"/>
-              <a:tabLst/>
-            </a:pPr>
-            <a:r>
-              <a:rPr kumimoji="0" lang="es-CL" altLang="es-CL" sz="1400" b="0" i="0" u="none" strike="noStrike" cap="none" normalizeH="0" baseline="0" dirty="0">
-                <a:ln>
-                  <a:noFill/>
-                </a:ln>
-                <a:effectLst/>
-                <a:latin typeface="Arial" panose="020B0604020202020204" pitchFamily="34" charset="0"/>
-              </a:rPr>
-              <a:t>Una </a:t>
-            </a:r>
-            <a:r>
-              <a:rPr kumimoji="0" lang="es-CL" altLang="es-CL" sz="1400" b="1" i="0" u="none" strike="noStrike" cap="none" normalizeH="0" baseline="0" dirty="0">
-                <a:ln>
-                  <a:noFill/>
-                </a:ln>
-                <a:effectLst/>
-                <a:latin typeface="Arial" panose="020B0604020202020204" pitchFamily="34" charset="0"/>
-              </a:rPr>
-              <a:t>red</a:t>
-            </a:r>
-            <a:r>
-              <a:rPr kumimoji="0" lang="es-CL" altLang="es-CL" sz="1400" b="0" i="0" u="none" strike="noStrike" cap="none" normalizeH="0" baseline="0" dirty="0">
-                <a:ln>
-                  <a:noFill/>
-                </a:ln>
-                <a:effectLst/>
-                <a:latin typeface="Arial" panose="020B0604020202020204" pitchFamily="34" charset="0"/>
-              </a:rPr>
-              <a:t> es un conjunto de elementos (llamados </a:t>
-            </a:r>
-            <a:r>
-              <a:rPr kumimoji="0" lang="es-CL" altLang="es-CL" sz="1400" b="0" i="1" u="none" strike="noStrike" cap="none" normalizeH="0" baseline="0" dirty="0">
-                <a:ln>
-                  <a:noFill/>
-                </a:ln>
-                <a:effectLst/>
-                <a:latin typeface="Arial" panose="020B0604020202020204" pitchFamily="34" charset="0"/>
-              </a:rPr>
-              <a:t>nodos</a:t>
-            </a:r>
-            <a:r>
-              <a:rPr kumimoji="0" lang="es-CL" altLang="es-CL" sz="1400" b="0" i="0" u="none" strike="noStrike" cap="none" normalizeH="0" baseline="0" dirty="0">
-                <a:ln>
-                  <a:noFill/>
-                </a:ln>
-                <a:effectLst/>
-                <a:latin typeface="Arial" panose="020B0604020202020204" pitchFamily="34" charset="0"/>
-              </a:rPr>
-              <a:t>) conectados entre sí mediante relaciones o enlaces.</a:t>
-            </a:r>
-          </a:p>
-          <a:p>
-            <a:pPr marL="0" marR="0" lvl="0" indent="0" defTabSz="914400" rtl="0" eaLnBrk="0" fontAlgn="base" latinLnBrk="0" hangingPunct="0">
-              <a:lnSpc>
-                <a:spcPct val="110000"/>
-              </a:lnSpc>
-              <a:spcBef>
-                <a:spcPct val="0"/>
-              </a:spcBef>
-              <a:spcAft>
-                <a:spcPct val="0"/>
-              </a:spcAft>
-              <a:buClrTx/>
-              <a:buSzTx/>
-              <a:buFontTx/>
-              <a:buChar char="•"/>
-              <a:tabLst/>
-            </a:pPr>
-            <a:endParaRPr lang="es-CL" altLang="es-CL" sz="1400" dirty="0">
-              <a:latin typeface="Arial" panose="020B0604020202020204" pitchFamily="34" charset="0"/>
-            </a:endParaRPr>
-          </a:p>
-          <a:p>
-            <a:pPr>
-              <a:lnSpc>
-                <a:spcPct val="110000"/>
-              </a:lnSpc>
-            </a:pPr>
-            <a:r>
-              <a:rPr lang="es-ES" sz="1400" b="1" dirty="0"/>
-              <a:t>Contexto:</a:t>
-            </a:r>
-          </a:p>
-          <a:p>
-            <a:pPr>
-              <a:lnSpc>
-                <a:spcPct val="110000"/>
-              </a:lnSpc>
-            </a:pPr>
-            <a:r>
-              <a:rPr lang="es-ES" sz="1400" dirty="0"/>
-              <a:t>En ciencia de datos, estudiar redes permite </a:t>
-            </a:r>
-            <a:r>
-              <a:rPr lang="es-ES" sz="1400" b="1" dirty="0"/>
-              <a:t>entender la estructura oculta</a:t>
-            </a:r>
-            <a:r>
-              <a:rPr lang="es-ES" sz="1400" dirty="0"/>
-              <a:t> detrás de grandes volúmenes de información.</a:t>
-            </a:r>
-          </a:p>
-          <a:p>
-            <a:pPr>
-              <a:lnSpc>
-                <a:spcPct val="110000"/>
-              </a:lnSpc>
-            </a:pPr>
-            <a:r>
-              <a:rPr lang="es-ES" sz="1400" dirty="0"/>
-              <a:t>Cada conexión revela una relación importante: colaboración, comunicación, influencia, etc.</a:t>
-            </a:r>
-          </a:p>
-          <a:p>
-            <a:pPr>
-              <a:lnSpc>
-                <a:spcPct val="110000"/>
-              </a:lnSpc>
-            </a:pPr>
-            <a:r>
-              <a:rPr lang="es-ES" sz="1400" dirty="0"/>
-              <a:t>Las </a:t>
-            </a:r>
-            <a:r>
-              <a:rPr lang="es-ES" sz="1400" b="1" dirty="0"/>
-              <a:t>comunidades</a:t>
-            </a:r>
-            <a:r>
-              <a:rPr lang="es-ES" sz="1400" dirty="0"/>
-              <a:t> dentro de una red son grupos de nodos que están más conectados entre sí que con el resto.</a:t>
-            </a:r>
-          </a:p>
-          <a:p>
-            <a:pPr>
-              <a:lnSpc>
-                <a:spcPct val="110000"/>
-              </a:lnSpc>
-            </a:pPr>
-            <a:r>
-              <a:rPr lang="es-ES" sz="1400" b="1" dirty="0"/>
-              <a:t>Motivación:</a:t>
-            </a:r>
-          </a:p>
-          <a:p>
-            <a:pPr>
-              <a:lnSpc>
-                <a:spcPct val="110000"/>
-              </a:lnSpc>
-            </a:pPr>
-            <a:r>
-              <a:rPr lang="es-ES" sz="1400" dirty="0"/>
-              <a:t>Detectar comunidades permite:</a:t>
-            </a:r>
-          </a:p>
-          <a:p>
-            <a:pPr lvl="1">
-              <a:lnSpc>
-                <a:spcPct val="110000"/>
-              </a:lnSpc>
-            </a:pPr>
-            <a:r>
-              <a:rPr lang="es-ES" sz="1400" dirty="0"/>
-              <a:t>Encontrar </a:t>
-            </a:r>
-            <a:r>
-              <a:rPr lang="es-ES" sz="1400" b="1" dirty="0"/>
-              <a:t>grupos naturales</a:t>
-            </a:r>
-            <a:r>
-              <a:rPr lang="es-ES" sz="1400" dirty="0"/>
-              <a:t> dentro de un sistema (por ejemplo, intereses comunes o temas relacionados).</a:t>
-            </a:r>
-          </a:p>
-          <a:p>
-            <a:pPr lvl="1">
-              <a:lnSpc>
-                <a:spcPct val="110000"/>
-              </a:lnSpc>
-            </a:pPr>
-            <a:r>
-              <a:rPr lang="es-ES" sz="1400" dirty="0"/>
-              <a:t>Comprender cómo se organiza la información o los actores en una red.</a:t>
-            </a:r>
-          </a:p>
-          <a:p>
-            <a:pPr lvl="1">
-              <a:lnSpc>
-                <a:spcPct val="110000"/>
-              </a:lnSpc>
-            </a:pPr>
-            <a:r>
-              <a:rPr lang="es-ES" sz="1400" dirty="0"/>
-              <a:t>Aplicar esto en áreas como biología, sociología o informática.</a:t>
-            </a:r>
-          </a:p>
-          <a:p>
-            <a:pPr>
-              <a:lnSpc>
-                <a:spcPct val="110000"/>
-              </a:lnSpc>
-            </a:pPr>
-            <a:r>
-              <a:rPr lang="es-ES" sz="1400" b="1" dirty="0"/>
-              <a:t>Objetivos:</a:t>
-            </a:r>
-          </a:p>
-          <a:p>
-            <a:pPr>
-              <a:lnSpc>
-                <a:spcPct val="110000"/>
-              </a:lnSpc>
-            </a:pPr>
-            <a:r>
-              <a:rPr lang="es-ES" sz="1400" dirty="0"/>
-              <a:t>Comprender el concepto de red y comunidad.</a:t>
-            </a:r>
-          </a:p>
-          <a:p>
-            <a:pPr>
-              <a:lnSpc>
-                <a:spcPct val="110000"/>
-              </a:lnSpc>
-            </a:pPr>
-            <a:r>
-              <a:rPr lang="es-ES" sz="1400" dirty="0"/>
-              <a:t>Aplicar algoritmos que detectan comunidades en redes complejas.</a:t>
-            </a:r>
-          </a:p>
-          <a:p>
-            <a:pPr>
-              <a:lnSpc>
-                <a:spcPct val="110000"/>
-              </a:lnSpc>
-            </a:pPr>
-            <a:r>
-              <a:rPr lang="es-ES" sz="1400" dirty="0"/>
-              <a:t>Evaluar la </a:t>
-            </a:r>
-            <a:r>
-              <a:rPr lang="es-ES" sz="1400" b="1" dirty="0"/>
-              <a:t>cohesión y estabilidad</a:t>
-            </a:r>
-            <a:r>
-              <a:rPr lang="es-ES" sz="1400" dirty="0"/>
-              <a:t> de esas comunidades para entender la estructura del sistema.</a:t>
-            </a:r>
-          </a:p>
-          <a:p>
-            <a:pPr lvl="1">
-              <a:lnSpc>
-                <a:spcPct val="110000"/>
-              </a:lnSpc>
-            </a:pPr>
-            <a:endParaRPr lang="es-ES" sz="1100" dirty="0"/>
-          </a:p>
-          <a:p>
-            <a:pPr marL="0" marR="0" lvl="0" indent="0" defTabSz="914400" rtl="0" eaLnBrk="0" fontAlgn="base" latinLnBrk="0" hangingPunct="0">
-              <a:lnSpc>
-                <a:spcPct val="110000"/>
-              </a:lnSpc>
-              <a:spcBef>
-                <a:spcPct val="0"/>
-              </a:spcBef>
-              <a:spcAft>
-                <a:spcPct val="0"/>
-              </a:spcAft>
-              <a:buClrTx/>
-              <a:buSzTx/>
-              <a:buFontTx/>
-              <a:buChar char="•"/>
-              <a:tabLst/>
-            </a:pPr>
-            <a:endParaRPr kumimoji="0" lang="es-CL" altLang="es-CL" sz="1100" b="0" i="0" u="none" strike="noStrike" cap="none" normalizeH="0" baseline="0" dirty="0">
-              <a:ln>
-                <a:noFill/>
-              </a:ln>
-              <a:effectLst/>
-              <a:latin typeface="Arial" panose="020B0604020202020204" pitchFamily="34" charset="0"/>
-            </a:endParaRPr>
-          </a:p>
-          <a:p>
-            <a:pPr marL="0" marR="0" lvl="0" indent="0" defTabSz="914400" rtl="0" eaLnBrk="0" fontAlgn="base" latinLnBrk="0" hangingPunct="0">
-              <a:lnSpc>
-                <a:spcPct val="110000"/>
-              </a:lnSpc>
-              <a:spcBef>
-                <a:spcPct val="0"/>
-              </a:spcBef>
-              <a:spcAft>
-                <a:spcPct val="0"/>
-              </a:spcAft>
-              <a:buClrTx/>
-              <a:buSzTx/>
-              <a:buFontTx/>
-              <a:buNone/>
-              <a:tabLst/>
-            </a:pPr>
-            <a:endParaRPr kumimoji="0" lang="es-CL" altLang="es-CL" sz="1100" b="0" i="0" u="none" strike="noStrike" cap="none" normalizeH="0" baseline="0" dirty="0">
-              <a:ln>
-                <a:noFill/>
-              </a:ln>
-              <a:effectLst/>
-              <a:latin typeface="Arial" panose="020B0604020202020204" pitchFamily="34" charset="0"/>
-            </a:endParaRPr>
-          </a:p>
-        </p:txBody>
-      </p:sp>
+      </p:pic>
     </p:spTree>
     <p:extLst>
       <p:ext uri="{BB962C8B-B14F-4D97-AF65-F5344CB8AC3E}">
-        <p14:creationId xmlns:p14="http://schemas.microsoft.com/office/powerpoint/2010/main" val="1671452555"/>
+        <p14:creationId xmlns:p14="http://schemas.microsoft.com/office/powerpoint/2010/main" val="3873678984"/>
       </p:ext>
     </p:extLst>
   </p:cSld>
@@ -5051,17 +8442,9 @@
 </p:sld>
 </file>
 
-<file path=ppt/slides/slide3.xml><?xml version="1.0" encoding="utf-8"?>
+<file path=ppt/slides/slide11.xml><?xml version="1.0" encoding="utf-8"?>
 <p:sld xmlns:a="http://schemas.openxmlformats.org/drawingml/2006/main" xmlns:r="http://schemas.openxmlformats.org/officeDocument/2006/relationships" xmlns:p="http://schemas.openxmlformats.org/presentationml/2006/main">
   <p:cSld>
-    <p:bg>
-      <p:bgPr>
-        <a:solidFill>
-          <a:schemeClr val="bg1"/>
-        </a:solidFill>
-        <a:effectLst/>
-      </p:bgPr>
-    </p:bg>
     <p:spTree>
       <p:nvGrpSpPr>
         <p:cNvPr id="1" name=""/>
@@ -5076,12 +8459,157 @@
           <a:chExt cx="0" cy="0"/>
         </a:xfrm>
       </p:grpSpPr>
+      <p:pic>
+        <p:nvPicPr>
+          <p:cNvPr id="5" name="Imagen 4" descr="Diagrama&#10;&#10;El contenido generado por IA puede ser incorrecto.">
+            <a:extLst>
+              <a:ext uri="{FF2B5EF4-FFF2-40B4-BE49-F238E27FC236}">
+                <a16:creationId xmlns:a16="http://schemas.microsoft.com/office/drawing/2014/main" id="{7F818633-B13C-CC16-A7A6-5B765CDF3BE3}"/>
+              </a:ext>
+            </a:extLst>
+          </p:cNvPr>
+          <p:cNvPicPr>
+            <a:picLocks noChangeAspect="1"/>
+          </p:cNvPicPr>
+          <p:nvPr/>
+        </p:nvPicPr>
+        <p:blipFill>
+          <a:blip r:embed="rId3">
+            <a:extLst>
+              <a:ext uri="{28A0092B-C50C-407E-A947-70E740481C1C}">
+                <a14:useLocalDpi xmlns:a14="http://schemas.microsoft.com/office/drawing/2010/main" val="0"/>
+              </a:ext>
+            </a:extLst>
+          </a:blip>
+          <a:stretch>
+            <a:fillRect/>
+          </a:stretch>
+        </p:blipFill>
+        <p:spPr>
+          <a:xfrm>
+            <a:off x="168205" y="920103"/>
+            <a:ext cx="11855590" cy="4750595"/>
+          </a:xfrm>
+          <a:prstGeom prst="rect">
+            <a:avLst/>
+          </a:prstGeom>
+        </p:spPr>
+      </p:pic>
+    </p:spTree>
+    <p:extLst>
+      <p:ext uri="{BB962C8B-B14F-4D97-AF65-F5344CB8AC3E}">
+        <p14:creationId xmlns:p14="http://schemas.microsoft.com/office/powerpoint/2010/main" val="2608595000"/>
+      </p:ext>
+    </p:extLst>
+  </p:cSld>
+  <p:clrMapOvr>
+    <a:masterClrMapping/>
+  </p:clrMapOvr>
+</p:sld>
+</file>
+
+<file path=ppt/slides/slide12.xml><?xml version="1.0" encoding="utf-8"?>
+<p:sld xmlns:a="http://schemas.openxmlformats.org/drawingml/2006/main" xmlns:r="http://schemas.openxmlformats.org/officeDocument/2006/relationships" xmlns:p="http://schemas.openxmlformats.org/presentationml/2006/main">
+  <p:cSld>
+    <p:spTree>
+      <p:nvGrpSpPr>
+        <p:cNvPr id="1" name=""/>
+        <p:cNvGrpSpPr/>
+        <p:nvPr/>
+      </p:nvGrpSpPr>
+      <p:grpSpPr>
+        <a:xfrm>
+          <a:off x="0" y="0"/>
+          <a:ext cx="0" cy="0"/>
+          <a:chOff x="0" y="0"/>
+          <a:chExt cx="0" cy="0"/>
+        </a:xfrm>
+      </p:grpSpPr>
+      <p:pic>
+        <p:nvPicPr>
+          <p:cNvPr id="5" name="Marcador de contenido 4" descr="Diagrama&#10;&#10;El contenido generado por IA puede ser incorrecto.">
+            <a:extLst>
+              <a:ext uri="{FF2B5EF4-FFF2-40B4-BE49-F238E27FC236}">
+                <a16:creationId xmlns:a16="http://schemas.microsoft.com/office/drawing/2014/main" id="{13D2BFBA-2D4C-0272-CF92-D756D45A8420}"/>
+              </a:ext>
+            </a:extLst>
+          </p:cNvPr>
+          <p:cNvPicPr>
+            <a:picLocks noGrp="1" noChangeAspect="1"/>
+          </p:cNvPicPr>
+          <p:nvPr>
+            <p:ph idx="1"/>
+          </p:nvPr>
+        </p:nvPicPr>
+        <p:blipFill>
+          <a:blip r:embed="rId2">
+            <a:extLst>
+              <a:ext uri="{28A0092B-C50C-407E-A947-70E740481C1C}">
+                <a14:useLocalDpi xmlns:a14="http://schemas.microsoft.com/office/drawing/2010/main" val="0"/>
+              </a:ext>
+            </a:extLst>
+          </a:blip>
+          <a:stretch>
+            <a:fillRect/>
+          </a:stretch>
+        </p:blipFill>
+        <p:spPr>
+          <a:xfrm>
+            <a:off x="2000210" y="876583"/>
+            <a:ext cx="8191580" cy="4538844"/>
+          </a:xfrm>
+        </p:spPr>
+      </p:pic>
+    </p:spTree>
+    <p:extLst>
+      <p:ext uri="{BB962C8B-B14F-4D97-AF65-F5344CB8AC3E}">
+        <p14:creationId xmlns:p14="http://schemas.microsoft.com/office/powerpoint/2010/main" val="2443754170"/>
+      </p:ext>
+    </p:extLst>
+  </p:cSld>
+  <p:clrMapOvr>
+    <a:masterClrMapping/>
+  </p:clrMapOvr>
+</p:sld>
+</file>
+
+<file path=ppt/slides/slide13.xml><?xml version="1.0" encoding="utf-8"?>
+<p:sld xmlns:a="http://schemas.openxmlformats.org/drawingml/2006/main" xmlns:r="http://schemas.openxmlformats.org/officeDocument/2006/relationships" xmlns:p="http://schemas.openxmlformats.org/presentationml/2006/main">
+  <p:cSld>
+    <p:bg>
+      <p:bgPr>
+        <a:solidFill>
+          <a:schemeClr val="bg1"/>
+        </a:solidFill>
+        <a:effectLst/>
+      </p:bgPr>
+    </p:bg>
+    <p:spTree>
+      <p:nvGrpSpPr>
+        <p:cNvPr id="1" name="">
+          <a:extLst>
+            <a:ext uri="{FF2B5EF4-FFF2-40B4-BE49-F238E27FC236}">
+              <a16:creationId xmlns:a16="http://schemas.microsoft.com/office/drawing/2014/main" id="{AD45BC99-A348-7675-80FC-103E7576E25E}"/>
+            </a:ext>
+          </a:extLst>
+        </p:cNvPr>
+        <p:cNvGrpSpPr/>
+        <p:nvPr/>
+      </p:nvGrpSpPr>
+      <p:grpSpPr>
+        <a:xfrm>
+          <a:off x="0" y="0"/>
+          <a:ext cx="0" cy="0"/>
+          <a:chOff x="0" y="0"/>
+          <a:chExt cx="0" cy="0"/>
+        </a:xfrm>
+      </p:grpSpPr>
       <p:sp useBgFill="1">
         <p:nvSpPr>
-          <p:cNvPr id="10" name="Rectangle 9">
+          <p:cNvPr id="15" name="Rectangle 14">
             <a:extLst>
               <a:ext uri="{FF2B5EF4-FFF2-40B4-BE49-F238E27FC236}">
-                <a16:creationId xmlns:a16="http://schemas.microsoft.com/office/drawing/2014/main" id="{6ACA6F80-D392-A64E-3CF8-F28F1CCEE67B}"/>
+                <a16:creationId xmlns:a16="http://schemas.microsoft.com/office/drawing/2014/main" id="{8207B083-EAC0-A5BB-C369-C9589EC7F2F0}"/>
               </a:ext>
               <a:ext uri="{C183D7F6-B498-43B3-948B-1728B52AA6E4}">
                 <adec:decorative xmlns:adec="http://schemas.microsoft.com/office/drawing/2017/decorative" val="1"/>
@@ -5157,7 +8685,7 @@
           <p:cNvPr id="2" name="Título 1">
             <a:extLst>
               <a:ext uri="{FF2B5EF4-FFF2-40B4-BE49-F238E27FC236}">
-                <a16:creationId xmlns:a16="http://schemas.microsoft.com/office/drawing/2014/main" id="{34EA09C7-E3C1-6568-5E31-081B55229B8D}"/>
+                <a16:creationId xmlns:a16="http://schemas.microsoft.com/office/drawing/2014/main" id="{067CC483-8EE7-1AEE-26AB-59173627DAB0}"/>
               </a:ext>
             </a:extLst>
           </p:cNvPr>
@@ -5170,224 +8698,29 @@
         </p:nvSpPr>
         <p:spPr>
           <a:xfrm>
-            <a:off x="614678" y="548641"/>
-            <a:ext cx="10835641" cy="579120"/>
+            <a:off x="614677" y="603504"/>
+            <a:ext cx="10872216" cy="1527048"/>
           </a:xfrm>
         </p:spPr>
         <p:txBody>
-          <a:bodyPr anchor="t">
-            <a:normAutofit fontScale="90000"/>
+          <a:bodyPr anchor="b">
+            <a:normAutofit/>
           </a:bodyPr>
           <a:lstStyle/>
           <a:p>
             <a:r>
               <a:rPr lang="es-CL" dirty="0"/>
-              <a:t>Ejemplos, planteamiento y solución</a:t>
-            </a:r>
-          </a:p>
-        </p:txBody>
-      </p:sp>
-      <p:sp>
-        <p:nvSpPr>
-          <p:cNvPr id="3" name="Marcador de contenido 2">
-            <a:extLst>
-              <a:ext uri="{FF2B5EF4-FFF2-40B4-BE49-F238E27FC236}">
-                <a16:creationId xmlns:a16="http://schemas.microsoft.com/office/drawing/2014/main" id="{8B6B7235-2C05-885F-A613-FFCF543338AF}"/>
-              </a:ext>
-            </a:extLst>
-          </p:cNvPr>
-          <p:cNvSpPr>
-            <a:spLocks noGrp="1"/>
-          </p:cNvSpPr>
-          <p:nvPr>
-            <p:ph idx="1"/>
-          </p:nvPr>
-        </p:nvSpPr>
-        <p:spPr>
-          <a:xfrm>
-            <a:off x="614678" y="1893911"/>
-            <a:ext cx="5402663" cy="4655903"/>
-          </a:xfrm>
-        </p:spPr>
-        <p:txBody>
-          <a:bodyPr anchor="t">
-            <a:normAutofit fontScale="55000" lnSpcReduction="20000"/>
-          </a:bodyPr>
-          <a:lstStyle/>
-          <a:p>
-            <a:r>
-              <a:rPr lang="es-ES" sz="2900" b="1" dirty="0"/>
-              <a:t>Planteamiento:</a:t>
-            </a:r>
-            <a:br>
-              <a:rPr lang="es-ES" sz="2900" dirty="0"/>
-            </a:br>
-            <a:r>
-              <a:rPr lang="es-ES" sz="2900" dirty="0"/>
-              <a:t>En biología, los genes y proteínas interactúan formando redes complejas.</a:t>
-            </a:r>
-            <a:br>
-              <a:rPr lang="es-ES" sz="2900" dirty="0"/>
-            </a:br>
-            <a:r>
-              <a:rPr lang="es-ES" sz="2900" dirty="0"/>
-              <a:t>Identificar comunidades dentro de estas redes permite descubrir </a:t>
-            </a:r>
-            <a:r>
-              <a:rPr lang="es-ES" sz="2900" b="1" dirty="0"/>
-              <a:t>módulos funcionales</a:t>
-            </a:r>
-            <a:r>
-              <a:rPr lang="es-ES" sz="2900" dirty="0"/>
-              <a:t>, es decir, </a:t>
-            </a:r>
-            <a:r>
-              <a:rPr lang="es-ES" sz="2900" b="1" dirty="0"/>
-              <a:t>grupos de genes que cooperan en un mismo proceso.</a:t>
-            </a:r>
-            <a:br>
-              <a:rPr lang="es-ES" sz="2900" b="1" dirty="0"/>
-            </a:br>
-            <a:r>
-              <a:rPr lang="es-ES" sz="2900" dirty="0"/>
-              <a:t>El problema es que estas relaciones no se pueden observar directamente por su gran número y complejidad.</a:t>
-            </a:r>
-          </a:p>
-          <a:p>
-            <a:r>
-              <a:rPr lang="es-ES" sz="2900" b="1" dirty="0"/>
-              <a:t>Solución:</a:t>
-            </a:r>
-            <a:br>
-              <a:rPr lang="es-ES" sz="2900" dirty="0"/>
-            </a:br>
-            <a:r>
-              <a:rPr lang="es-ES" sz="2900" dirty="0"/>
-              <a:t>Aplicando algoritmos de detección de comunidades, se agrupan los genes según su nivel de conexión.</a:t>
-            </a:r>
-            <a:br>
-              <a:rPr lang="es-ES" sz="2900" dirty="0"/>
-            </a:br>
-            <a:r>
-              <a:rPr lang="es-ES" sz="2900" dirty="0"/>
-              <a:t>Esto permite identificar funciones biológicas compartidas, predecir comportamientos y </a:t>
-            </a:r>
-            <a:r>
-              <a:rPr lang="es-ES" sz="2900" b="1" dirty="0"/>
-              <a:t>comprender mejor </a:t>
-            </a:r>
-            <a:r>
-              <a:rPr lang="es-ES" sz="2900" dirty="0"/>
-              <a:t>enfermedades o procesos celulares.</a:t>
-            </a:r>
-          </a:p>
-          <a:p>
-            <a:pPr>
-              <a:lnSpc>
-                <a:spcPct val="110000"/>
-              </a:lnSpc>
-            </a:pPr>
-            <a:endParaRPr lang="es-CL" sz="1500" dirty="0"/>
-          </a:p>
-        </p:txBody>
-      </p:sp>
-      <p:sp>
-        <p:nvSpPr>
-          <p:cNvPr id="6" name="CuadroTexto 5">
-            <a:extLst>
-              <a:ext uri="{FF2B5EF4-FFF2-40B4-BE49-F238E27FC236}">
-                <a16:creationId xmlns:a16="http://schemas.microsoft.com/office/drawing/2014/main" id="{8799049C-162B-E164-AFF1-B3EB5A88C334}"/>
-              </a:ext>
-            </a:extLst>
-          </p:cNvPr>
-          <p:cNvSpPr txBox="1"/>
-          <p:nvPr/>
-        </p:nvSpPr>
-        <p:spPr>
-          <a:xfrm>
-            <a:off x="6017342" y="1869222"/>
-            <a:ext cx="5975152" cy="3816429"/>
-          </a:xfrm>
-          <a:prstGeom prst="rect">
-            <a:avLst/>
-          </a:prstGeom>
-          <a:noFill/>
-        </p:spPr>
-        <p:txBody>
-          <a:bodyPr wrap="square" rtlCol="0">
-            <a:spAutoFit/>
-          </a:bodyPr>
-          <a:lstStyle/>
-          <a:p>
-            <a:r>
-              <a:rPr lang="es-ES" sz="1600" b="1" dirty="0"/>
-              <a:t>Planteamiento:</a:t>
-            </a:r>
-            <a:br>
-              <a:rPr lang="es-ES" sz="1600" dirty="0"/>
-            </a:br>
-            <a:r>
-              <a:rPr lang="es-ES" sz="1600" dirty="0"/>
-              <a:t>En una red de información como Wikipedia, cada nodo representa un artículo y los enlaces muestran referencias entre temas.</a:t>
-            </a:r>
-            <a:br>
-              <a:rPr lang="es-ES" sz="1600" dirty="0"/>
-            </a:br>
-            <a:r>
-              <a:rPr lang="es-ES" sz="1600" dirty="0"/>
-              <a:t>El desafío es </a:t>
-            </a:r>
-            <a:r>
-              <a:rPr lang="es-ES" sz="1600" b="1" dirty="0"/>
-              <a:t>entender cómo se agrupan los contenidos</a:t>
-            </a:r>
-            <a:r>
-              <a:rPr lang="es-ES" sz="1600" dirty="0"/>
-              <a:t> y cómo ciertos artículos conectan áreas distintas del conocimiento.</a:t>
-            </a:r>
-          </a:p>
-          <a:p>
-            <a:endParaRPr lang="es-ES" sz="1600" dirty="0"/>
-          </a:p>
-          <a:p>
-            <a:r>
-              <a:rPr lang="es-ES" sz="1600" b="1" dirty="0"/>
-              <a:t>Solución:</a:t>
-            </a:r>
-            <a:br>
-              <a:rPr lang="es-ES" sz="1600" dirty="0"/>
-            </a:br>
-            <a:r>
-              <a:rPr lang="es-ES" sz="1600" dirty="0"/>
-              <a:t>Usando técnicas de detección de comunidades, se identifican grupos de artículos relacionados (por ejemplo, ciencia, historia o arte).</a:t>
-            </a:r>
-            <a:br>
-              <a:rPr lang="es-ES" sz="1600" dirty="0"/>
-            </a:br>
-            <a:r>
-              <a:rPr lang="es-ES" sz="1600" dirty="0"/>
-              <a:t>Esto permite visualizar la </a:t>
-            </a:r>
-            <a:r>
-              <a:rPr lang="es-ES" sz="1600" b="1" dirty="0"/>
-              <a:t>estructura temática</a:t>
-            </a:r>
-            <a:r>
-              <a:rPr lang="es-ES" sz="1600" dirty="0"/>
-              <a:t> de la enciclopedia y entender cómo se organiza el conocimiento.</a:t>
-            </a:r>
-          </a:p>
-          <a:p>
-            <a:endParaRPr lang="es-CL" dirty="0"/>
+              <a:t>Modelos y algoritmos</a:t>
+            </a:r>
           </a:p>
         </p:txBody>
       </p:sp>
       <p:pic>
         <p:nvPicPr>
-          <p:cNvPr id="8" name="Imagen 7">
+          <p:cNvPr id="6" name="Imagen 5">
             <a:extLst>
               <a:ext uri="{FF2B5EF4-FFF2-40B4-BE49-F238E27FC236}">
-                <a16:creationId xmlns:a16="http://schemas.microsoft.com/office/drawing/2014/main" id="{BA5B6BBC-2690-64CD-F72F-D81BEA2C5D0C}"/>
+                <a16:creationId xmlns:a16="http://schemas.microsoft.com/office/drawing/2014/main" id="{C8EB9145-6D93-1209-DD04-BAA8DFD66EE1}"/>
               </a:ext>
             </a:extLst>
           </p:cNvPr>
@@ -5404,18 +8737,237 @@
         </p:blipFill>
         <p:spPr>
           <a:xfrm>
-            <a:off x="10491019" y="263993"/>
-            <a:ext cx="1629918" cy="1629918"/>
+            <a:off x="614678" y="2441274"/>
+            <a:ext cx="5173647" cy="3414606"/>
           </a:xfrm>
           <a:prstGeom prst="rect">
             <a:avLst/>
           </a:prstGeom>
         </p:spPr>
       </p:pic>
+      <p:sp>
+        <p:nvSpPr>
+          <p:cNvPr id="3" name="Marcador de contenido 2">
+            <a:extLst>
+              <a:ext uri="{FF2B5EF4-FFF2-40B4-BE49-F238E27FC236}">
+                <a16:creationId xmlns:a16="http://schemas.microsoft.com/office/drawing/2014/main" id="{5B58F075-6DF5-7CBE-4464-0A315055BED3}"/>
+              </a:ext>
+            </a:extLst>
+          </p:cNvPr>
+          <p:cNvSpPr>
+            <a:spLocks noGrp="1"/>
+          </p:cNvSpPr>
+          <p:nvPr>
+            <p:ph idx="1"/>
+          </p:nvPr>
+        </p:nvSpPr>
+        <p:spPr>
+          <a:xfrm>
+            <a:off x="6096000" y="2441273"/>
+            <a:ext cx="5385816" cy="1684160"/>
+          </a:xfrm>
+        </p:spPr>
+        <p:txBody>
+          <a:bodyPr anchor="t">
+            <a:normAutofit/>
+          </a:bodyPr>
+          <a:lstStyle/>
+          <a:p>
+            <a:pPr marL="0" indent="0">
+              <a:lnSpc>
+                <a:spcPct val="110000"/>
+              </a:lnSpc>
+              <a:buNone/>
+            </a:pPr>
+            <a:r>
+              <a:rPr lang="es-ES" sz="1000" b="1" dirty="0"/>
+              <a:t>3. </a:t>
+            </a:r>
+            <a:r>
+              <a:rPr lang="es-ES" sz="1000" b="1" dirty="0" err="1"/>
+              <a:t>Girvan</a:t>
+            </a:r>
+            <a:r>
+              <a:rPr lang="es-ES" sz="1000" b="1" dirty="0"/>
+              <a:t>–Newman (división jerárquica)</a:t>
+            </a:r>
+          </a:p>
+          <a:p>
+            <a:pPr marL="0" indent="0">
+              <a:lnSpc>
+                <a:spcPct val="110000"/>
+              </a:lnSpc>
+              <a:buNone/>
+            </a:pPr>
+            <a:r>
+              <a:rPr lang="es-ES" sz="1000" dirty="0"/>
+              <a:t>A diferencia de los métodos </a:t>
+            </a:r>
+            <a:r>
+              <a:rPr lang="es-ES" sz="1000" dirty="0" err="1"/>
+              <a:t>aglomerativos</a:t>
+            </a:r>
+            <a:r>
+              <a:rPr lang="es-ES" sz="1000" dirty="0"/>
+              <a:t> que fusionan nodos, este algoritmo identifica comunidades mediante la </a:t>
+            </a:r>
+            <a:r>
+              <a:rPr lang="es-ES" sz="1000" b="1" dirty="0"/>
+              <a:t>eliminación progresiva de enlaces</a:t>
+            </a:r>
+            <a:r>
+              <a:rPr lang="es-ES" sz="1000" dirty="0"/>
+              <a:t> que conectan diferentes comunidades, basándose en el concepto de </a:t>
+            </a:r>
+            <a:r>
+              <a:rPr lang="es-ES" sz="1000" b="1" dirty="0" err="1"/>
+              <a:t>betweenness</a:t>
+            </a:r>
+            <a:r>
+              <a:rPr lang="es-ES" sz="1000" dirty="0"/>
+              <a:t> (intermediación).</a:t>
+            </a:r>
+          </a:p>
+          <a:p>
+            <a:pPr marL="0" indent="0">
+              <a:lnSpc>
+                <a:spcPct val="110000"/>
+              </a:lnSpc>
+              <a:buNone/>
+            </a:pPr>
+            <a:r>
+              <a:rPr lang="es-ES" sz="1000" dirty="0"/>
+              <a:t>El algoritmo se fundamenta en el concepto de </a:t>
+            </a:r>
+            <a:r>
+              <a:rPr lang="es-ES" sz="1000" b="1" dirty="0" err="1"/>
+              <a:t>edge</a:t>
+            </a:r>
+            <a:r>
+              <a:rPr lang="es-ES" sz="1000" b="1" dirty="0"/>
+              <a:t> </a:t>
+            </a:r>
+            <a:r>
+              <a:rPr lang="es-ES" sz="1000" b="1" dirty="0" err="1"/>
+              <a:t>betweenness</a:t>
+            </a:r>
+            <a:r>
+              <a:rPr lang="es-ES" sz="1000" dirty="0"/>
+              <a:t> (intermediación de aristas), que mide cuántos caminos más cortos entre pares de nodos pasan por un enlace específico. Los enlaces con alta intermediación actúan como "puentes" entre comunidades, por lo que su remoción revela la estructura comunitaria subyacente.</a:t>
+            </a:r>
+          </a:p>
+        </p:txBody>
+      </p:sp>
+      <p:sp>
+        <p:nvSpPr>
+          <p:cNvPr id="9" name="CuadroTexto 8">
+            <a:extLst>
+              <a:ext uri="{FF2B5EF4-FFF2-40B4-BE49-F238E27FC236}">
+                <a16:creationId xmlns:a16="http://schemas.microsoft.com/office/drawing/2014/main" id="{4382BCDE-A136-603D-1353-5F7BF540E1B2}"/>
+              </a:ext>
+            </a:extLst>
+          </p:cNvPr>
+          <p:cNvSpPr txBox="1"/>
+          <p:nvPr/>
+        </p:nvSpPr>
+        <p:spPr>
+          <a:xfrm>
+            <a:off x="6050785" y="4383720"/>
+            <a:ext cx="6096000" cy="1107996"/>
+          </a:xfrm>
+          <a:prstGeom prst="rect">
+            <a:avLst/>
+          </a:prstGeom>
+          <a:noFill/>
+        </p:spPr>
+        <p:txBody>
+          <a:bodyPr wrap="square">
+            <a:spAutoFit/>
+          </a:bodyPr>
+          <a:lstStyle/>
+          <a:p>
+            <a:pPr>
+              <a:buNone/>
+            </a:pPr>
+            <a:r>
+              <a:rPr lang="es-ES" sz="1100" b="1" dirty="0"/>
+              <a:t>Supuestos del Modelo</a:t>
+            </a:r>
+          </a:p>
+          <a:p>
+            <a:pPr>
+              <a:buFont typeface="+mj-lt"/>
+              <a:buAutoNum type="arabicPeriod"/>
+            </a:pPr>
+            <a:r>
+              <a:rPr lang="es-ES" sz="1100" b="1" dirty="0"/>
+              <a:t>Enlaces </a:t>
+            </a:r>
+            <a:r>
+              <a:rPr lang="es-ES" sz="1100" b="1" dirty="0" err="1"/>
+              <a:t>inter-comunitarios</a:t>
+            </a:r>
+            <a:r>
+              <a:rPr lang="es-ES" sz="1100" dirty="0"/>
+              <a:t>: Los enlaces entre comunidades tienen alta intermediación</a:t>
+            </a:r>
+          </a:p>
+          <a:p>
+            <a:pPr>
+              <a:buFont typeface="+mj-lt"/>
+              <a:buAutoNum type="arabicPeriod"/>
+            </a:pPr>
+            <a:r>
+              <a:rPr lang="es-ES" sz="1100" b="1" dirty="0"/>
+              <a:t>Estructura jerárquica</a:t>
+            </a:r>
+            <a:r>
+              <a:rPr lang="es-ES" sz="1100" dirty="0"/>
+              <a:t>: Las comunidades están organizadas en niveles (</a:t>
+            </a:r>
+            <a:r>
+              <a:rPr lang="es-ES" sz="1100" dirty="0" err="1"/>
+              <a:t>dendrograma</a:t>
+            </a:r>
+            <a:r>
+              <a:rPr lang="es-ES" sz="1100" dirty="0"/>
+              <a:t>)</a:t>
+            </a:r>
+          </a:p>
+          <a:p>
+            <a:pPr>
+              <a:buFont typeface="+mj-lt"/>
+              <a:buAutoNum type="arabicPeriod"/>
+            </a:pPr>
+            <a:r>
+              <a:rPr lang="es-ES" sz="1100" b="1" dirty="0"/>
+              <a:t>Caminos más cortos informativos</a:t>
+            </a:r>
+            <a:r>
+              <a:rPr lang="es-ES" sz="1100" dirty="0"/>
+              <a:t>: La información fluye principalmente por caminos más cortos</a:t>
+            </a:r>
+          </a:p>
+          <a:p>
+            <a:pPr>
+              <a:buFont typeface="+mj-lt"/>
+              <a:buAutoNum type="arabicPeriod"/>
+            </a:pPr>
+            <a:r>
+              <a:rPr lang="es-ES" sz="1100" b="1" dirty="0"/>
+              <a:t>Modularidad como métrica</a:t>
+            </a:r>
+            <a:r>
+              <a:rPr lang="es-ES" sz="1100" dirty="0"/>
+              <a:t>: La mejor partición es la que maximiza Q</a:t>
+            </a:r>
+          </a:p>
+        </p:txBody>
+      </p:sp>
     </p:spTree>
     <p:extLst>
       <p:ext uri="{BB962C8B-B14F-4D97-AF65-F5344CB8AC3E}">
-        <p14:creationId xmlns:p14="http://schemas.microsoft.com/office/powerpoint/2010/main" val="4272429548"/>
+        <p14:creationId xmlns:p14="http://schemas.microsoft.com/office/powerpoint/2010/main" val="251074550"/>
       </p:ext>
     </p:extLst>
   </p:cSld>
@@ -5425,17 +8977,9 @@
 </p:sld>
 </file>
 
-<file path=ppt/slides/slide4.xml><?xml version="1.0" encoding="utf-8"?>
+<file path=ppt/slides/slide14.xml><?xml version="1.0" encoding="utf-8"?>
 <p:sld xmlns:a="http://schemas.openxmlformats.org/drawingml/2006/main" xmlns:r="http://schemas.openxmlformats.org/officeDocument/2006/relationships" xmlns:p="http://schemas.openxmlformats.org/presentationml/2006/main">
   <p:cSld>
-    <p:bg>
-      <p:bgPr>
-        <a:solidFill>
-          <a:schemeClr val="bg1"/>
-        </a:solidFill>
-        <a:effectLst/>
-      </p:bgPr>
-    </p:bg>
     <p:spTree>
       <p:nvGrpSpPr>
         <p:cNvPr id="1" name=""/>
@@ -5450,12 +8994,188 @@
           <a:chExt cx="0" cy="0"/>
         </a:xfrm>
       </p:grpSpPr>
+      <p:pic>
+        <p:nvPicPr>
+          <p:cNvPr id="5" name="Imagen 4" descr="Diagrama&#10;&#10;El contenido generado por IA puede ser incorrecto.">
+            <a:extLst>
+              <a:ext uri="{FF2B5EF4-FFF2-40B4-BE49-F238E27FC236}">
+                <a16:creationId xmlns:a16="http://schemas.microsoft.com/office/drawing/2014/main" id="{9E7EE541-12CE-7F69-5284-1AFD07334318}"/>
+              </a:ext>
+            </a:extLst>
+          </p:cNvPr>
+          <p:cNvPicPr>
+            <a:picLocks noChangeAspect="1"/>
+          </p:cNvPicPr>
+          <p:nvPr/>
+        </p:nvPicPr>
+        <p:blipFill>
+          <a:blip r:embed="rId2">
+            <a:extLst>
+              <a:ext uri="{28A0092B-C50C-407E-A947-70E740481C1C}">
+                <a14:useLocalDpi xmlns:a14="http://schemas.microsoft.com/office/drawing/2010/main" val="0"/>
+              </a:ext>
+            </a:extLst>
+          </a:blip>
+          <a:stretch>
+            <a:fillRect/>
+          </a:stretch>
+        </p:blipFill>
+        <p:spPr>
+          <a:xfrm>
+            <a:off x="42429" y="372721"/>
+            <a:ext cx="12149571" cy="3185642"/>
+          </a:xfrm>
+          <a:prstGeom prst="rect">
+            <a:avLst/>
+          </a:prstGeom>
+        </p:spPr>
+      </p:pic>
+      <p:pic>
+        <p:nvPicPr>
+          <p:cNvPr id="7" name="Imagen 6">
+            <a:extLst>
+              <a:ext uri="{FF2B5EF4-FFF2-40B4-BE49-F238E27FC236}">
+                <a16:creationId xmlns:a16="http://schemas.microsoft.com/office/drawing/2014/main" id="{DDB107C9-461A-5E53-1669-1388077B78A3}"/>
+              </a:ext>
+            </a:extLst>
+          </p:cNvPr>
+          <p:cNvPicPr>
+            <a:picLocks noChangeAspect="1"/>
+          </p:cNvPicPr>
+          <p:nvPr/>
+        </p:nvPicPr>
+        <p:blipFill>
+          <a:blip r:embed="rId3"/>
+          <a:stretch>
+            <a:fillRect/>
+          </a:stretch>
+        </p:blipFill>
+        <p:spPr>
+          <a:xfrm>
+            <a:off x="2180248" y="3788760"/>
+            <a:ext cx="6984577" cy="2791160"/>
+          </a:xfrm>
+          <a:prstGeom prst="rect">
+            <a:avLst/>
+          </a:prstGeom>
+        </p:spPr>
+      </p:pic>
+    </p:spTree>
+    <p:extLst>
+      <p:ext uri="{BB962C8B-B14F-4D97-AF65-F5344CB8AC3E}">
+        <p14:creationId xmlns:p14="http://schemas.microsoft.com/office/powerpoint/2010/main" val="4124059781"/>
+      </p:ext>
+    </p:extLst>
+  </p:cSld>
+  <p:clrMapOvr>
+    <a:masterClrMapping/>
+  </p:clrMapOvr>
+</p:sld>
+</file>
+
+<file path=ppt/slides/slide15.xml><?xml version="1.0" encoding="utf-8"?>
+<p:sld xmlns:a="http://schemas.openxmlformats.org/drawingml/2006/main" xmlns:r="http://schemas.openxmlformats.org/officeDocument/2006/relationships" xmlns:p="http://schemas.openxmlformats.org/presentationml/2006/main">
+  <p:cSld>
+    <p:spTree>
+      <p:nvGrpSpPr>
+        <p:cNvPr id="1" name=""/>
+        <p:cNvGrpSpPr/>
+        <p:nvPr/>
+      </p:nvGrpSpPr>
+      <p:grpSpPr>
+        <a:xfrm>
+          <a:off x="0" y="0"/>
+          <a:ext cx="0" cy="0"/>
+          <a:chOff x="0" y="0"/>
+          <a:chExt cx="0" cy="0"/>
+        </a:xfrm>
+      </p:grpSpPr>
+      <p:pic>
+        <p:nvPicPr>
+          <p:cNvPr id="7" name="Imagen 6" descr="Forma, Círculo&#10;&#10;El contenido generado por IA puede ser incorrecto.">
+            <a:extLst>
+              <a:ext uri="{FF2B5EF4-FFF2-40B4-BE49-F238E27FC236}">
+                <a16:creationId xmlns:a16="http://schemas.microsoft.com/office/drawing/2014/main" id="{792B44F2-9D23-ADB1-C0EF-6DD1FAE531E9}"/>
+              </a:ext>
+            </a:extLst>
+          </p:cNvPr>
+          <p:cNvPicPr>
+            <a:picLocks noChangeAspect="1"/>
+          </p:cNvPicPr>
+          <p:nvPr/>
+        </p:nvPicPr>
+        <p:blipFill>
+          <a:blip r:embed="rId2">
+            <a:extLst>
+              <a:ext uri="{28A0092B-C50C-407E-A947-70E740481C1C}">
+                <a14:useLocalDpi xmlns:a14="http://schemas.microsoft.com/office/drawing/2010/main" val="0"/>
+              </a:ext>
+            </a:extLst>
+          </a:blip>
+          <a:stretch>
+            <a:fillRect/>
+          </a:stretch>
+        </p:blipFill>
+        <p:spPr>
+          <a:xfrm>
+            <a:off x="717089" y="0"/>
+            <a:ext cx="10757821" cy="6858000"/>
+          </a:xfrm>
+          <a:prstGeom prst="rect">
+            <a:avLst/>
+          </a:prstGeom>
+        </p:spPr>
+      </p:pic>
+    </p:spTree>
+    <p:extLst>
+      <p:ext uri="{BB962C8B-B14F-4D97-AF65-F5344CB8AC3E}">
+        <p14:creationId xmlns:p14="http://schemas.microsoft.com/office/powerpoint/2010/main" val="2682241564"/>
+      </p:ext>
+    </p:extLst>
+  </p:cSld>
+  <p:clrMapOvr>
+    <a:masterClrMapping/>
+  </p:clrMapOvr>
+</p:sld>
+</file>
+
+<file path=ppt/slides/slide16.xml><?xml version="1.0" encoding="utf-8"?>
+<p:sld xmlns:a="http://schemas.openxmlformats.org/drawingml/2006/main" xmlns:r="http://schemas.openxmlformats.org/officeDocument/2006/relationships" xmlns:p="http://schemas.openxmlformats.org/presentationml/2006/main">
+  <p:cSld>
+    <p:bg>
+      <p:bgPr>
+        <a:solidFill>
+          <a:schemeClr val="bg1"/>
+        </a:solidFill>
+        <a:effectLst/>
+      </p:bgPr>
+    </p:bg>
+    <p:spTree>
+      <p:nvGrpSpPr>
+        <p:cNvPr id="1" name="">
+          <a:extLst>
+            <a:ext uri="{FF2B5EF4-FFF2-40B4-BE49-F238E27FC236}">
+              <a16:creationId xmlns:a16="http://schemas.microsoft.com/office/drawing/2014/main" id="{45151AF8-061B-DF49-CF5E-9C1AD511750F}"/>
+            </a:ext>
+          </a:extLst>
+        </p:cNvPr>
+        <p:cNvGrpSpPr/>
+        <p:nvPr/>
+      </p:nvGrpSpPr>
+      <p:grpSpPr>
+        <a:xfrm>
+          <a:off x="0" y="0"/>
+          <a:ext cx="0" cy="0"/>
+          <a:chOff x="0" y="0"/>
+          <a:chExt cx="0" cy="0"/>
+        </a:xfrm>
+      </p:grpSpPr>
       <p:sp useBgFill="1">
         <p:nvSpPr>
           <p:cNvPr id="10" name="Rectangle 9">
             <a:extLst>
               <a:ext uri="{FF2B5EF4-FFF2-40B4-BE49-F238E27FC236}">
-                <a16:creationId xmlns:a16="http://schemas.microsoft.com/office/drawing/2014/main" id="{6ACA6F80-D392-A64E-3CF8-F28F1CCEE67B}"/>
+                <a16:creationId xmlns:a16="http://schemas.microsoft.com/office/drawing/2014/main" id="{F724F705-E4BF-C283-ED18-E470C7F61BC4}"/>
               </a:ext>
               <a:ext uri="{C183D7F6-B498-43B3-948B-1728B52AA6E4}">
                 <adec:decorative xmlns:adec="http://schemas.microsoft.com/office/drawing/2017/decorative" val="1"/>
@@ -5531,7 +9251,7 @@
           <p:cNvPr id="2" name="Título 1">
             <a:extLst>
               <a:ext uri="{FF2B5EF4-FFF2-40B4-BE49-F238E27FC236}">
-                <a16:creationId xmlns:a16="http://schemas.microsoft.com/office/drawing/2014/main" id="{6AC436BC-7D3E-3602-26AE-8CFE4A375670}"/>
+                <a16:creationId xmlns:a16="http://schemas.microsoft.com/office/drawing/2014/main" id="{F8281518-7432-0712-CCB5-33CA1FAFEC67}"/>
               </a:ext>
             </a:extLst>
           </p:cNvPr>
@@ -5566,7 +9286,7 @@
           <p:cNvPr id="7" name="Graphic 6" descr="Network Diagram">
             <a:extLst>
               <a:ext uri="{FF2B5EF4-FFF2-40B4-BE49-F238E27FC236}">
-                <a16:creationId xmlns:a16="http://schemas.microsoft.com/office/drawing/2014/main" id="{B8E358F7-CB98-64A1-1194-8557CD476F93}"/>
+                <a16:creationId xmlns:a16="http://schemas.microsoft.com/office/drawing/2014/main" id="{AE496008-A2DE-FB43-43A1-57199E229B74}"/>
               </a:ext>
             </a:extLst>
           </p:cNvPr>
@@ -5576,13 +9296,13 @@
           <p:nvPr/>
         </p:nvPicPr>
         <p:blipFill>
-          <a:blip r:embed="rId2">
+          <a:blip r:embed="rId3">
             <a:extLst>
               <a:ext uri="{28A0092B-C50C-407E-A947-70E740481C1C}">
                 <a14:useLocalDpi xmlns:a14="http://schemas.microsoft.com/office/drawing/2010/main" val="0"/>
               </a:ext>
               <a:ext uri="{96DAC541-7B7A-43D3-8B79-37D633B846F1}">
-                <asvg:svgBlip xmlns:asvg="http://schemas.microsoft.com/office/drawing/2016/SVG/main" r:embed="rId3"/>
+                <asvg:svgBlip xmlns:asvg="http://schemas.microsoft.com/office/drawing/2016/SVG/main" r:embed="rId4"/>
               </a:ext>
             </a:extLst>
           </a:blip>
@@ -5602,235 +9322,50 @@
       </p:pic>
       <p:sp>
         <p:nvSpPr>
-          <p:cNvPr id="3" name="Marcador de contenido 2">
+          <p:cNvPr id="9" name="Rectángulo: esquinas redondeadas 8">
             <a:extLst>
               <a:ext uri="{FF2B5EF4-FFF2-40B4-BE49-F238E27FC236}">
-                <a16:creationId xmlns:a16="http://schemas.microsoft.com/office/drawing/2014/main" id="{D26107F9-773C-0C9F-8E37-B20E5AB45B0C}"/>
+                <a16:creationId xmlns:a16="http://schemas.microsoft.com/office/drawing/2014/main" id="{D2002859-D135-0565-8CF6-0E34EBBE17F2}"/>
               </a:ext>
             </a:extLst>
           </p:cNvPr>
-          <p:cNvSpPr>
-            <a:spLocks noGrp="1"/>
-          </p:cNvSpPr>
-          <p:nvPr>
-            <p:ph idx="1"/>
-          </p:nvPr>
+          <p:cNvSpPr/>
+          <p:nvPr/>
         </p:nvSpPr>
         <p:spPr>
           <a:xfrm>
-            <a:off x="614678" y="1117599"/>
-            <a:ext cx="5684522" cy="5568335"/>
+            <a:off x="58250" y="2270413"/>
+            <a:ext cx="3681538" cy="2565614"/>
           </a:xfrm>
+          <a:prstGeom prst="roundRect">
+            <a:avLst/>
+          </a:prstGeom>
+          <a:solidFill>
+            <a:schemeClr val="bg2"/>
+          </a:solidFill>
         </p:spPr>
+        <p:style>
+          <a:lnRef idx="2">
+            <a:schemeClr val="accent2">
+              <a:shade val="15000"/>
+            </a:schemeClr>
+          </a:lnRef>
+          <a:fillRef idx="1">
+            <a:schemeClr val="accent2"/>
+          </a:fillRef>
+          <a:effectRef idx="0">
+            <a:schemeClr val="accent2"/>
+          </a:effectRef>
+          <a:fontRef idx="minor">
+            <a:schemeClr val="lt1"/>
+          </a:fontRef>
+        </p:style>
         <p:txBody>
-          <a:bodyPr anchor="t">
-            <a:normAutofit/>
-          </a:bodyPr>
+          <a:bodyPr rtlCol="0" anchor="ctr"/>
           <a:lstStyle/>
           <a:p>
-            <a:pPr>
-              <a:lnSpc>
-                <a:spcPct val="110000"/>
-              </a:lnSpc>
-            </a:pPr>
-            <a:r>
-              <a:rPr lang="es-ES" sz="1100" b="1" dirty="0"/>
-              <a:t>1. </a:t>
-            </a:r>
-            <a:r>
-              <a:rPr lang="es-ES" sz="1100" b="1" dirty="0" err="1"/>
-              <a:t>Louvain</a:t>
-            </a:r>
-            <a:r>
-              <a:rPr lang="es-ES" sz="1100" b="1" dirty="0"/>
-              <a:t> (optimización de modularidad)</a:t>
-            </a:r>
-            <a:endParaRPr lang="es-ES" sz="1100" dirty="0"/>
-          </a:p>
-          <a:p>
-            <a:pPr>
-              <a:lnSpc>
-                <a:spcPct val="110000"/>
-              </a:lnSpc>
-            </a:pPr>
-            <a:r>
-              <a:rPr lang="es-ES" sz="1100" b="1" dirty="0"/>
-              <a:t>Divide la red en comunidades maximizando una métrica llamada </a:t>
-            </a:r>
-            <a:r>
-              <a:rPr lang="es-ES" sz="1100" b="1" i="1" dirty="0"/>
-              <a:t>modularidad</a:t>
-            </a:r>
-            <a:r>
-              <a:rPr lang="es-ES" sz="1100" b="1" dirty="0"/>
-              <a:t>, que mide qué tan bien conectados están los nodos dentro de un grupo.</a:t>
-            </a:r>
-          </a:p>
-          <a:p>
-            <a:pPr>
-              <a:lnSpc>
-                <a:spcPct val="110000"/>
-              </a:lnSpc>
-            </a:pPr>
-            <a:r>
-              <a:rPr lang="es-ES" sz="1100" dirty="0"/>
-              <a:t>Es eficiente y escalable, ideal para redes grandes.</a:t>
-            </a:r>
-          </a:p>
-          <a:p>
-            <a:pPr>
-              <a:lnSpc>
-                <a:spcPct val="110000"/>
-              </a:lnSpc>
-            </a:pPr>
-            <a:r>
-              <a:rPr lang="es-ES" sz="1100" dirty="0"/>
-              <a:t>Supuesto: las comunidades se definen por una alta densidad de conexiones internas.</a:t>
-            </a:r>
-            <a:br>
-              <a:rPr lang="es-ES" sz="1100" dirty="0"/>
-            </a:br>
-            <a:endParaRPr lang="es-ES" sz="1100" dirty="0"/>
-          </a:p>
-          <a:p>
-            <a:pPr>
-              <a:lnSpc>
-                <a:spcPct val="110000"/>
-              </a:lnSpc>
-            </a:pPr>
-            <a:r>
-              <a:rPr lang="es-ES" sz="1100" b="1" dirty="0"/>
-              <a:t>2. </a:t>
-            </a:r>
-            <a:r>
-              <a:rPr lang="es-ES" sz="1100" b="1" dirty="0" err="1"/>
-              <a:t>Label</a:t>
-            </a:r>
-            <a:r>
-              <a:rPr lang="es-ES" sz="1100" b="1" dirty="0"/>
-              <a:t> </a:t>
-            </a:r>
-            <a:r>
-              <a:rPr lang="es-ES" sz="1100" b="1" dirty="0" err="1"/>
-              <a:t>Propagation</a:t>
-            </a:r>
-            <a:r>
-              <a:rPr lang="es-ES" sz="1100" b="1" dirty="0"/>
-              <a:t> (propagación de etiquetas)</a:t>
-            </a:r>
-            <a:endParaRPr lang="es-ES" sz="1100" dirty="0"/>
-          </a:p>
-          <a:p>
-            <a:pPr>
-              <a:lnSpc>
-                <a:spcPct val="110000"/>
-              </a:lnSpc>
-            </a:pPr>
-            <a:r>
-              <a:rPr lang="es-ES" sz="1100" dirty="0"/>
-              <a:t>Cada nodo empieza con una etiqueta única.</a:t>
-            </a:r>
-          </a:p>
-          <a:p>
-            <a:pPr>
-              <a:lnSpc>
-                <a:spcPct val="110000"/>
-              </a:lnSpc>
-            </a:pPr>
-            <a:r>
-              <a:rPr lang="es-ES" sz="1100" dirty="0"/>
-              <a:t>En cada iteración, adopta la etiqueta más común entre sus vecinos.</a:t>
-            </a:r>
-          </a:p>
-          <a:p>
-            <a:pPr>
-              <a:lnSpc>
-                <a:spcPct val="110000"/>
-              </a:lnSpc>
-            </a:pPr>
-            <a:r>
-              <a:rPr lang="es-ES" sz="1100" b="1" dirty="0"/>
-              <a:t>Con el tiempo, los nodos cercanos comparten la misma etiqueta → forman comunidades.</a:t>
-            </a:r>
-          </a:p>
-          <a:p>
-            <a:pPr>
-              <a:lnSpc>
-                <a:spcPct val="110000"/>
-              </a:lnSpc>
-            </a:pPr>
-            <a:r>
-              <a:rPr lang="es-ES" sz="1100" dirty="0"/>
-              <a:t>Supuesto: la influencia local define la estructura global de la red.</a:t>
-            </a:r>
-            <a:br>
-              <a:rPr lang="es-ES" sz="1100" dirty="0"/>
-            </a:br>
-            <a:endParaRPr lang="es-ES" sz="1100" dirty="0"/>
-          </a:p>
-          <a:p>
-            <a:pPr>
-              <a:lnSpc>
-                <a:spcPct val="110000"/>
-              </a:lnSpc>
-            </a:pPr>
-            <a:r>
-              <a:rPr lang="es-ES" sz="1100" b="1" dirty="0"/>
-              <a:t>3. </a:t>
-            </a:r>
-            <a:r>
-              <a:rPr lang="es-ES" sz="1100" b="1" dirty="0" err="1"/>
-              <a:t>Girvan</a:t>
-            </a:r>
-            <a:r>
-              <a:rPr lang="es-ES" sz="1100" b="1" dirty="0"/>
-              <a:t>–Newman (división jerárquica)</a:t>
-            </a:r>
-            <a:endParaRPr lang="es-ES" sz="1100" dirty="0"/>
-          </a:p>
-          <a:p>
-            <a:pPr>
-              <a:lnSpc>
-                <a:spcPct val="110000"/>
-              </a:lnSpc>
-            </a:pPr>
-            <a:r>
-              <a:rPr lang="es-ES" sz="1100" b="1" dirty="0"/>
-              <a:t>Elimina iterativamente las conexiones más “importantes” (de mayor intermediación).</a:t>
-            </a:r>
-          </a:p>
-          <a:p>
-            <a:pPr>
-              <a:lnSpc>
-                <a:spcPct val="110000"/>
-              </a:lnSpc>
-            </a:pPr>
-            <a:r>
-              <a:rPr lang="es-ES" sz="1100" dirty="0"/>
-              <a:t>Al cortar esos enlaces, la red se separa en grupos.</a:t>
-            </a:r>
-          </a:p>
-          <a:p>
-            <a:pPr>
-              <a:lnSpc>
-                <a:spcPct val="110000"/>
-              </a:lnSpc>
-            </a:pPr>
-            <a:r>
-              <a:rPr lang="es-ES" sz="1100" dirty="0"/>
-              <a:t>Ideal para redes pequeñas o para estudiar jerarquías.</a:t>
-            </a:r>
-          </a:p>
-          <a:p>
-            <a:pPr>
-              <a:lnSpc>
-                <a:spcPct val="110000"/>
-              </a:lnSpc>
-            </a:pPr>
-            <a:r>
-              <a:rPr lang="es-ES" sz="1100" dirty="0"/>
-              <a:t>Supuesto: los enlaces con alta intermediación conectan comunidades distintas.</a:t>
-            </a:r>
+            <a:pPr algn="ctr"/>
+            <a:endParaRPr lang="es-419" dirty="0"/>
           </a:p>
         </p:txBody>
       </p:sp>
@@ -5839,7 +9374,7 @@
           <p:cNvPr id="4" name="CuadroTexto 3">
             <a:extLst>
               <a:ext uri="{FF2B5EF4-FFF2-40B4-BE49-F238E27FC236}">
-                <a16:creationId xmlns:a16="http://schemas.microsoft.com/office/drawing/2014/main" id="{38BE287E-C490-A047-D0C3-B60BB21F50DC}"/>
+                <a16:creationId xmlns:a16="http://schemas.microsoft.com/office/drawing/2014/main" id="{FBFEA0FE-11C9-F2A4-36BF-3F0DEE05EFF6}"/>
               </a:ext>
             </a:extLst>
           </p:cNvPr>
@@ -5848,8 +9383,8 @@
         </p:nvSpPr>
         <p:spPr>
           <a:xfrm>
-            <a:off x="7002689" y="2123439"/>
-            <a:ext cx="4314239" cy="2739211"/>
+            <a:off x="122421" y="2350168"/>
+            <a:ext cx="3687579" cy="2485859"/>
           </a:xfrm>
           <a:prstGeom prst="rect">
             <a:avLst/>
@@ -5867,113 +9402,649 @@
                 <a:spcPct val="110000"/>
               </a:lnSpc>
             </a:pPr>
-            <a:endParaRPr lang="es-ES" sz="1400" b="1" dirty="0"/>
-          </a:p>
+            <a:r>
+              <a:rPr lang="es-ES" sz="900" b="1" dirty="0"/>
+              <a:t>LOUVAIN:</a:t>
+            </a:r>
+          </a:p>
+          <a:p>
+            <a:r>
+              <a:rPr lang="es-ES" sz="900" b="1" dirty="0"/>
+              <a:t>Optimización Heurística Inteligente:</a:t>
+            </a:r>
+            <a:endParaRPr lang="es-ES" sz="900" dirty="0"/>
+          </a:p>
+          <a:p>
+            <a:r>
+              <a:rPr lang="es-ES" sz="900" dirty="0"/>
+              <a:t>No busca el óptimo global (demasiado costoso)</a:t>
+            </a:r>
+          </a:p>
+          <a:p>
+            <a:r>
+              <a:rPr lang="es-ES" sz="900" dirty="0"/>
+              <a:t>Encuentra óptimos locales de alta calidad rápidamente</a:t>
+            </a:r>
+          </a:p>
+          <a:p>
+            <a:r>
+              <a:rPr lang="es-ES" sz="900" dirty="0"/>
+              <a:t>La heurística </a:t>
+            </a:r>
+            <a:r>
+              <a:rPr lang="es-ES" sz="900" dirty="0" err="1"/>
+              <a:t>greedy</a:t>
+            </a:r>
+            <a:r>
+              <a:rPr lang="es-ES" sz="900" dirty="0"/>
+              <a:t> (codiciosa) reduce drásticamente el espacio de búsqueda</a:t>
+            </a:r>
+          </a:p>
+          <a:p>
+            <a:r>
+              <a:rPr lang="es-ES" sz="900" b="1" dirty="0"/>
+              <a:t>b) Agregación Progresiva:</a:t>
+            </a:r>
+            <a:endParaRPr lang="es-ES" sz="900" dirty="0"/>
+          </a:p>
+          <a:p>
+            <a:r>
+              <a:rPr lang="es-ES" sz="900" dirty="0"/>
+              <a:t>Reduce el tamaño del problema en cada fase</a:t>
+            </a:r>
+          </a:p>
+          <a:p>
+            <a:r>
+              <a:rPr lang="es-ES" sz="900" dirty="0"/>
+              <a:t>La red se vuelve más manejable iterativamente</a:t>
+            </a:r>
+          </a:p>
+          <a:p>
+            <a:r>
+              <a:rPr lang="es-ES" sz="900" dirty="0"/>
+              <a:t>Complejidad efectiva: O(n log n) en redes dispersas</a:t>
+            </a:r>
+          </a:p>
+          <a:p>
+            <a:r>
+              <a:rPr lang="es-ES" sz="900" b="1" dirty="0"/>
+              <a:t>c) Maximización de Modularidad:</a:t>
+            </a:r>
+            <a:endParaRPr lang="es-ES" sz="900" dirty="0"/>
+          </a:p>
+          <a:p>
+            <a:r>
+              <a:rPr lang="es-ES" sz="900" dirty="0"/>
+              <a:t>Optimiza directamente la métrica más aceptada (Q)</a:t>
+            </a:r>
+          </a:p>
+          <a:p>
+            <a:r>
+              <a:rPr lang="es-ES" sz="900" dirty="0"/>
+              <a:t>Garantiza que las comunidades detectadas tienen fundamento teórico</a:t>
+            </a:r>
+          </a:p>
+          <a:p>
+            <a:r>
+              <a:rPr lang="es-ES" sz="900" dirty="0"/>
+              <a:t>Balance entre cohesión interna y separación externa</a:t>
+            </a:r>
+          </a:p>
+          <a:p>
+            <a:endParaRPr lang="es-CL" dirty="0"/>
+          </a:p>
+        </p:txBody>
+      </p:sp>
+      <p:sp>
+        <p:nvSpPr>
+          <p:cNvPr id="12" name="Rectángulo: esquinas redondeadas 11">
+            <a:extLst>
+              <a:ext uri="{FF2B5EF4-FFF2-40B4-BE49-F238E27FC236}">
+                <a16:creationId xmlns:a16="http://schemas.microsoft.com/office/drawing/2014/main" id="{2ED10185-EE38-7FDC-D8A1-5523BF40DEED}"/>
+              </a:ext>
+            </a:extLst>
+          </p:cNvPr>
+          <p:cNvSpPr/>
+          <p:nvPr/>
+        </p:nvSpPr>
+        <p:spPr>
+          <a:xfrm>
+            <a:off x="4374409" y="2327239"/>
+            <a:ext cx="3270676" cy="2565614"/>
+          </a:xfrm>
+          <a:prstGeom prst="roundRect">
+            <a:avLst/>
+          </a:prstGeom>
+          <a:solidFill>
+            <a:schemeClr val="bg2"/>
+          </a:solidFill>
+        </p:spPr>
+        <p:style>
+          <a:lnRef idx="2">
+            <a:schemeClr val="accent2">
+              <a:shade val="15000"/>
+            </a:schemeClr>
+          </a:lnRef>
+          <a:fillRef idx="1">
+            <a:schemeClr val="accent2"/>
+          </a:fillRef>
+          <a:effectRef idx="0">
+            <a:schemeClr val="accent2"/>
+          </a:effectRef>
+          <a:fontRef idx="minor">
+            <a:schemeClr val="lt1"/>
+          </a:fontRef>
+        </p:style>
+        <p:txBody>
+          <a:bodyPr rtlCol="0" anchor="ctr"/>
+          <a:lstStyle/>
+          <a:p>
+            <a:pPr algn="ctr"/>
+            <a:endParaRPr lang="es-419" dirty="0"/>
+          </a:p>
+        </p:txBody>
+      </p:sp>
+      <p:sp>
+        <p:nvSpPr>
+          <p:cNvPr id="5" name="CuadroTexto 4">
+            <a:extLst>
+              <a:ext uri="{FF2B5EF4-FFF2-40B4-BE49-F238E27FC236}">
+                <a16:creationId xmlns:a16="http://schemas.microsoft.com/office/drawing/2014/main" id="{D85078E1-DB09-4A88-A6D6-6C7C921ECF90}"/>
+              </a:ext>
+            </a:extLst>
+          </p:cNvPr>
+          <p:cNvSpPr txBox="1"/>
+          <p:nvPr/>
+        </p:nvSpPr>
+        <p:spPr>
+          <a:xfrm>
+            <a:off x="4695342" y="2569787"/>
+            <a:ext cx="2949742" cy="1892826"/>
+          </a:xfrm>
+          <a:prstGeom prst="rect">
+            <a:avLst/>
+          </a:prstGeom>
+          <a:noFill/>
+        </p:spPr>
+        <p:txBody>
+          <a:bodyPr wrap="square">
+            <a:spAutoFit/>
+          </a:bodyPr>
+          <a:lstStyle/>
           <a:p>
             <a:pPr>
-              <a:lnSpc>
-                <a:spcPct val="110000"/>
-              </a:lnSpc>
+              <a:buNone/>
             </a:pPr>
             <a:r>
-              <a:rPr lang="es-ES" sz="1400" b="1" dirty="0"/>
-              <a:t>-</a:t>
-            </a:r>
-            <a:r>
-              <a:rPr lang="es-ES" sz="1400" dirty="0"/>
-              <a:t>Los tres métodos permiten </a:t>
-            </a:r>
-            <a:r>
-              <a:rPr lang="es-ES" sz="1400" b="1" dirty="0"/>
-              <a:t>comparar eficiencia y calidad de detección</a:t>
-            </a:r>
-            <a:r>
-              <a:rPr lang="es-ES" sz="1400" dirty="0"/>
-              <a:t>.</a:t>
+              <a:rPr lang="es-ES" sz="900" b="1" dirty="0"/>
+              <a:t>LABEL PROPAGATION:</a:t>
             </a:r>
           </a:p>
           <a:p>
             <a:pPr>
-              <a:lnSpc>
-                <a:spcPct val="110000"/>
-              </a:lnSpc>
+              <a:buNone/>
             </a:pPr>
-            <a:endParaRPr lang="es-ES" sz="1400" dirty="0"/>
+            <a:r>
+              <a:rPr lang="es-ES" sz="900" b="1" dirty="0"/>
+              <a:t>Simplicidad Radical:</a:t>
+            </a:r>
+            <a:endParaRPr lang="es-ES" sz="900" dirty="0"/>
           </a:p>
           <a:p>
             <a:pPr>
-              <a:lnSpc>
-                <a:spcPct val="110000"/>
-              </a:lnSpc>
+              <a:buFont typeface="Arial" panose="020B0604020202020204" pitchFamily="34" charset="0"/>
+              <a:buChar char="•"/>
             </a:pPr>
             <a:r>
-              <a:rPr lang="es-ES" sz="1400" dirty="0"/>
-              <a:t>-</a:t>
-            </a:r>
-            <a:r>
-              <a:rPr lang="es-ES" sz="1400" dirty="0" err="1"/>
-              <a:t>Louvain</a:t>
-            </a:r>
-            <a:r>
-              <a:rPr lang="es-ES" sz="1400" dirty="0"/>
-              <a:t> logra un equilibrio entre precisión y velocidad.</a:t>
+              <a:rPr lang="es-ES" sz="900" dirty="0"/>
+              <a:t>No calcula funciones objetivo complejas</a:t>
             </a:r>
           </a:p>
           <a:p>
             <a:pPr>
-              <a:lnSpc>
-                <a:spcPct val="110000"/>
-              </a:lnSpc>
+              <a:buFont typeface="Arial" panose="020B0604020202020204" pitchFamily="34" charset="0"/>
+              <a:buChar char="•"/>
             </a:pPr>
             <a:r>
-              <a:rPr lang="es-ES" sz="1400" dirty="0"/>
-              <a:t>-</a:t>
-            </a:r>
-            <a:r>
-              <a:rPr lang="es-ES" sz="1400" dirty="0" err="1"/>
-              <a:t>Label</a:t>
-            </a:r>
-            <a:r>
-              <a:rPr lang="es-ES" sz="1400" dirty="0"/>
-              <a:t> </a:t>
-            </a:r>
-            <a:r>
-              <a:rPr lang="es-ES" sz="1400" dirty="0" err="1"/>
-              <a:t>Propagation</a:t>
-            </a:r>
-            <a:r>
-              <a:rPr lang="es-ES" sz="1400" dirty="0"/>
-              <a:t> es rápido, pero puede variar entre ejecuciones.</a:t>
+              <a:rPr lang="es-ES" sz="900" dirty="0"/>
+              <a:t>No requiere optimización global</a:t>
             </a:r>
           </a:p>
           <a:p>
             <a:pPr>
-              <a:lnSpc>
-                <a:spcPct val="110000"/>
-              </a:lnSpc>
+              <a:buFont typeface="Arial" panose="020B0604020202020204" pitchFamily="34" charset="0"/>
+              <a:buChar char="•"/>
             </a:pPr>
             <a:r>
-              <a:rPr lang="es-ES" sz="1400" dirty="0"/>
-              <a:t>-</a:t>
-            </a:r>
-            <a:r>
-              <a:rPr lang="es-ES" sz="1400" dirty="0" err="1"/>
+              <a:rPr lang="es-ES" sz="900" dirty="0"/>
+              <a:t>Solo cuenta frecuencias locales</a:t>
+            </a:r>
+          </a:p>
+          <a:p>
+            <a:pPr>
+              <a:buNone/>
+            </a:pPr>
+            <a:r>
+              <a:rPr lang="es-ES" sz="900" b="1" dirty="0"/>
+              <a:t>b) Actualización Local:</a:t>
+            </a:r>
+            <a:endParaRPr lang="es-ES" sz="900" dirty="0"/>
+          </a:p>
+          <a:p>
+            <a:pPr>
+              <a:buFont typeface="Arial" panose="020B0604020202020204" pitchFamily="34" charset="0"/>
+              <a:buChar char="•"/>
+            </a:pPr>
+            <a:r>
+              <a:rPr lang="es-ES" sz="900" dirty="0"/>
+              <a:t>Cada nodo solo consulta a sus vecinos inmediatos</a:t>
+            </a:r>
+          </a:p>
+          <a:p>
+            <a:pPr>
+              <a:buFont typeface="Arial" panose="020B0604020202020204" pitchFamily="34" charset="0"/>
+              <a:buChar char="•"/>
+            </a:pPr>
+            <a:r>
+              <a:rPr lang="es-ES" sz="900" dirty="0"/>
+              <a:t>No necesita información global de la red</a:t>
+            </a:r>
+          </a:p>
+          <a:p>
+            <a:pPr>
+              <a:buFont typeface="Arial" panose="020B0604020202020204" pitchFamily="34" charset="0"/>
+              <a:buChar char="•"/>
+            </a:pPr>
+            <a:r>
+              <a:rPr lang="es-ES" sz="900" dirty="0" err="1"/>
+              <a:t>Paralelizable</a:t>
+            </a:r>
+            <a:r>
+              <a:rPr lang="es-ES" sz="900" dirty="0"/>
+              <a:t> naturalmente</a:t>
+            </a:r>
+          </a:p>
+          <a:p>
+            <a:pPr>
+              <a:buNone/>
+            </a:pPr>
+            <a:r>
+              <a:rPr lang="es-ES" sz="900" b="1" dirty="0"/>
+              <a:t>c) Convergencia Rápida:</a:t>
+            </a:r>
+            <a:endParaRPr lang="es-ES" sz="900" dirty="0"/>
+          </a:p>
+          <a:p>
+            <a:pPr>
+              <a:buFont typeface="Arial" panose="020B0604020202020204" pitchFamily="34" charset="0"/>
+              <a:buChar char="•"/>
+            </a:pPr>
+            <a:r>
+              <a:rPr lang="es-ES" sz="900" dirty="0"/>
+              <a:t>Típicamente converge en 5-20 iteraciones</a:t>
+            </a:r>
+          </a:p>
+          <a:p>
+            <a:pPr>
+              <a:buFont typeface="Arial" panose="020B0604020202020204" pitchFamily="34" charset="0"/>
+              <a:buChar char="•"/>
+            </a:pPr>
+            <a:r>
+              <a:rPr lang="es-ES" sz="900" dirty="0"/>
+              <a:t>Cada iteración es O(m) - lineal en enlaces</a:t>
+            </a:r>
+          </a:p>
+          <a:p>
+            <a:pPr>
+              <a:buFont typeface="Arial" panose="020B0604020202020204" pitchFamily="34" charset="0"/>
+              <a:buChar char="•"/>
+            </a:pPr>
+            <a:r>
+              <a:rPr lang="es-ES" sz="900" dirty="0"/>
+              <a:t>Complejidad total: O(</a:t>
+            </a:r>
+            <a:r>
+              <a:rPr lang="es-ES" sz="900" dirty="0" err="1"/>
+              <a:t>m·t</a:t>
+            </a:r>
+            <a:r>
+              <a:rPr lang="es-ES" sz="900" dirty="0"/>
+              <a:t>) donde t es pequeño</a:t>
+            </a:r>
+          </a:p>
+        </p:txBody>
+      </p:sp>
+      <p:sp>
+        <p:nvSpPr>
+          <p:cNvPr id="13" name="Rectángulo: esquinas redondeadas 12">
+            <a:extLst>
+              <a:ext uri="{FF2B5EF4-FFF2-40B4-BE49-F238E27FC236}">
+                <a16:creationId xmlns:a16="http://schemas.microsoft.com/office/drawing/2014/main" id="{08E59FDC-4108-23E9-76AD-297A6BFE73E1}"/>
+              </a:ext>
+            </a:extLst>
+          </p:cNvPr>
+          <p:cNvSpPr/>
+          <p:nvPr/>
+        </p:nvSpPr>
+        <p:spPr>
+          <a:xfrm>
+            <a:off x="8273666" y="2318656"/>
+            <a:ext cx="3912293" cy="2565614"/>
+          </a:xfrm>
+          <a:prstGeom prst="roundRect">
+            <a:avLst/>
+          </a:prstGeom>
+          <a:solidFill>
+            <a:schemeClr val="bg2"/>
+          </a:solidFill>
+        </p:spPr>
+        <p:style>
+          <a:lnRef idx="2">
+            <a:schemeClr val="accent2">
+              <a:shade val="15000"/>
+            </a:schemeClr>
+          </a:lnRef>
+          <a:fillRef idx="1">
+            <a:schemeClr val="accent2"/>
+          </a:fillRef>
+          <a:effectRef idx="0">
+            <a:schemeClr val="accent2"/>
+          </a:effectRef>
+          <a:fontRef idx="minor">
+            <a:schemeClr val="lt1"/>
+          </a:fontRef>
+        </p:style>
+        <p:txBody>
+          <a:bodyPr rtlCol="0" anchor="ctr"/>
+          <a:lstStyle/>
+          <a:p>
+            <a:pPr algn="ctr"/>
+            <a:endParaRPr lang="es-419" dirty="0"/>
+          </a:p>
+        </p:txBody>
+      </p:sp>
+      <p:sp>
+        <p:nvSpPr>
+          <p:cNvPr id="8" name="CuadroTexto 7">
+            <a:extLst>
+              <a:ext uri="{FF2B5EF4-FFF2-40B4-BE49-F238E27FC236}">
+                <a16:creationId xmlns:a16="http://schemas.microsoft.com/office/drawing/2014/main" id="{0A3A94E5-7339-80DD-C644-F50DDBBD5477}"/>
+              </a:ext>
+            </a:extLst>
+          </p:cNvPr>
+          <p:cNvSpPr txBox="1"/>
+          <p:nvPr/>
+        </p:nvSpPr>
+        <p:spPr>
+          <a:xfrm>
+            <a:off x="8456295" y="2527703"/>
+            <a:ext cx="3793955" cy="2308324"/>
+          </a:xfrm>
+          <a:prstGeom prst="rect">
+            <a:avLst/>
+          </a:prstGeom>
+          <a:noFill/>
+        </p:spPr>
+        <p:txBody>
+          <a:bodyPr wrap="square">
+            <a:spAutoFit/>
+          </a:bodyPr>
+          <a:lstStyle/>
+          <a:p>
+            <a:pPr>
+              <a:buNone/>
+            </a:pPr>
+            <a:r>
+              <a:rPr lang="es-ES" sz="900" b="1" dirty="0"/>
+              <a:t>GIRVAN-NEWMAN:</a:t>
+            </a:r>
+          </a:p>
+          <a:p>
+            <a:pPr>
+              <a:buNone/>
+            </a:pPr>
+            <a:r>
+              <a:rPr lang="es-ES" sz="900" b="1" dirty="0"/>
+              <a:t>Enfoque Divisivo Completo</a:t>
+            </a:r>
+          </a:p>
+          <a:p>
+            <a:pPr>
+              <a:buNone/>
+            </a:pPr>
+            <a:r>
+              <a:rPr lang="es-ES" sz="900" dirty="0" err="1"/>
               <a:t>Girvan</a:t>
             </a:r>
             <a:r>
-              <a:rPr lang="es-ES" sz="1400" dirty="0"/>
-              <a:t>–Newman aporta una visión jerárquica más interpretativa.</a:t>
-            </a:r>
-          </a:p>
-          <a:p>
-            <a:endParaRPr lang="es-CL" dirty="0"/>
+              <a:rPr lang="es-ES" sz="900" dirty="0"/>
+              <a:t>-Newman adopta una </a:t>
+            </a:r>
+            <a:r>
+              <a:rPr lang="es-ES" sz="900" b="1" dirty="0"/>
+              <a:t>estrategia top-</a:t>
+            </a:r>
+            <a:r>
+              <a:rPr lang="es-ES" sz="900" b="1" dirty="0" err="1"/>
+              <a:t>down</a:t>
+            </a:r>
+            <a:r>
+              <a:rPr lang="es-ES" sz="900" dirty="0"/>
+              <a:t> fundamentalmente diferente:</a:t>
+            </a:r>
+          </a:p>
+          <a:p>
+            <a:pPr>
+              <a:buNone/>
+            </a:pPr>
+            <a:r>
+              <a:rPr lang="es-ES" sz="900" b="1" dirty="0"/>
+              <a:t>a) Deconstrucción Progresiva:</a:t>
+            </a:r>
+            <a:endParaRPr lang="es-ES" sz="900" dirty="0"/>
+          </a:p>
+          <a:p>
+            <a:pPr>
+              <a:buFont typeface="Arial" panose="020B0604020202020204" pitchFamily="34" charset="0"/>
+              <a:buChar char="•"/>
+            </a:pPr>
+            <a:r>
+              <a:rPr lang="es-ES" sz="900" dirty="0"/>
+              <a:t>Comienza con la red completa como una comunidad</a:t>
+            </a:r>
+          </a:p>
+          <a:p>
+            <a:pPr>
+              <a:buFont typeface="Arial" panose="020B0604020202020204" pitchFamily="34" charset="0"/>
+              <a:buChar char="•"/>
+            </a:pPr>
+            <a:r>
+              <a:rPr lang="es-ES" sz="900" dirty="0"/>
+              <a:t>Divide iterativamente eliminando "puentes"</a:t>
+            </a:r>
+          </a:p>
+          <a:p>
+            <a:pPr>
+              <a:buFont typeface="Arial" panose="020B0604020202020204" pitchFamily="34" charset="0"/>
+              <a:buChar char="•"/>
+            </a:pPr>
+            <a:r>
+              <a:rPr lang="es-ES" sz="900" dirty="0"/>
+              <a:t>Genera todas las particiones posibles</a:t>
+            </a:r>
+          </a:p>
+          <a:p>
+            <a:pPr>
+              <a:buNone/>
+            </a:pPr>
+            <a:r>
+              <a:rPr lang="es-ES" sz="900" b="1" dirty="0"/>
+              <a:t>b) </a:t>
+            </a:r>
+            <a:r>
+              <a:rPr lang="es-ES" sz="900" b="1" dirty="0" err="1"/>
+              <a:t>Betweenness</a:t>
+            </a:r>
+            <a:r>
+              <a:rPr lang="es-ES" sz="900" b="1" dirty="0"/>
+              <a:t> como Guía:</a:t>
+            </a:r>
+            <a:endParaRPr lang="es-ES" sz="900" dirty="0"/>
+          </a:p>
+          <a:p>
+            <a:pPr>
+              <a:buFont typeface="Arial" panose="020B0604020202020204" pitchFamily="34" charset="0"/>
+              <a:buChar char="•"/>
+            </a:pPr>
+            <a:r>
+              <a:rPr lang="es-ES" sz="900" dirty="0"/>
+              <a:t>Enlaces con alta intermediación conectan comunidades diferentes</a:t>
+            </a:r>
+          </a:p>
+          <a:p>
+            <a:pPr>
+              <a:buFont typeface="Arial" panose="020B0604020202020204" pitchFamily="34" charset="0"/>
+              <a:buChar char="•"/>
+            </a:pPr>
+            <a:r>
+              <a:rPr lang="es-ES" sz="900" dirty="0"/>
+              <a:t>Su eliminación revela la estructura subyacente</a:t>
+            </a:r>
+          </a:p>
+          <a:p>
+            <a:pPr>
+              <a:buFont typeface="Arial" panose="020B0604020202020204" pitchFamily="34" charset="0"/>
+              <a:buChar char="•"/>
+            </a:pPr>
+            <a:r>
+              <a:rPr lang="es-ES" sz="900" dirty="0"/>
+              <a:t>Fundamentación teórica sólida en teoría de flujos</a:t>
+            </a:r>
+          </a:p>
+          <a:p>
+            <a:pPr>
+              <a:buNone/>
+            </a:pPr>
+            <a:r>
+              <a:rPr lang="es-ES" sz="900" b="1" dirty="0"/>
+              <a:t>c) </a:t>
+            </a:r>
+            <a:r>
+              <a:rPr lang="es-ES" sz="900" b="1" dirty="0" err="1"/>
+              <a:t>Dendrograma</a:t>
+            </a:r>
+            <a:r>
+              <a:rPr lang="es-ES" sz="900" b="1" dirty="0"/>
+              <a:t> Completo:</a:t>
+            </a:r>
+            <a:endParaRPr lang="es-ES" sz="900" dirty="0"/>
+          </a:p>
+          <a:p>
+            <a:pPr>
+              <a:buFont typeface="Arial" panose="020B0604020202020204" pitchFamily="34" charset="0"/>
+              <a:buChar char="•"/>
+            </a:pPr>
+            <a:r>
+              <a:rPr lang="es-ES" sz="900" dirty="0"/>
+              <a:t>Registra cada paso de la división</a:t>
+            </a:r>
+          </a:p>
+          <a:p>
+            <a:pPr>
+              <a:buFont typeface="Arial" panose="020B0604020202020204" pitchFamily="34" charset="0"/>
+              <a:buChar char="•"/>
+            </a:pPr>
+            <a:r>
+              <a:rPr lang="es-ES" sz="900" dirty="0"/>
+              <a:t>Permite "cortar" el árbol a cualquier nivel</a:t>
+            </a:r>
+          </a:p>
+          <a:p>
+            <a:pPr>
+              <a:buFont typeface="Arial" panose="020B0604020202020204" pitchFamily="34" charset="0"/>
+              <a:buChar char="•"/>
+            </a:pPr>
+            <a:r>
+              <a:rPr lang="es-ES" sz="900" dirty="0"/>
+              <a:t>Visión completa de la jerarquía estructural</a:t>
+            </a:r>
+          </a:p>
+        </p:txBody>
+      </p:sp>
+      <p:sp>
+        <p:nvSpPr>
+          <p:cNvPr id="14" name="CuadroTexto 13">
+            <a:extLst>
+              <a:ext uri="{FF2B5EF4-FFF2-40B4-BE49-F238E27FC236}">
+                <a16:creationId xmlns:a16="http://schemas.microsoft.com/office/drawing/2014/main" id="{CDF4F9FD-91ED-13F7-A292-226E486BB3F5}"/>
+              </a:ext>
+            </a:extLst>
+          </p:cNvPr>
+          <p:cNvSpPr txBox="1"/>
+          <p:nvPr/>
+        </p:nvSpPr>
+        <p:spPr>
+          <a:xfrm>
+            <a:off x="3813698" y="3425380"/>
+            <a:ext cx="494046" cy="369332"/>
+          </a:xfrm>
+          <a:prstGeom prst="rect">
+            <a:avLst/>
+          </a:prstGeom>
+          <a:noFill/>
+        </p:spPr>
+        <p:txBody>
+          <a:bodyPr wrap="none" rtlCol="0">
+            <a:spAutoFit/>
+          </a:bodyPr>
+          <a:lstStyle/>
+          <a:p>
+            <a:r>
+              <a:rPr lang="es-419" dirty="0"/>
+              <a:t>VS</a:t>
+            </a:r>
+          </a:p>
+        </p:txBody>
+      </p:sp>
+      <p:sp>
+        <p:nvSpPr>
+          <p:cNvPr id="15" name="CuadroTexto 14">
+            <a:extLst>
+              <a:ext uri="{FF2B5EF4-FFF2-40B4-BE49-F238E27FC236}">
+                <a16:creationId xmlns:a16="http://schemas.microsoft.com/office/drawing/2014/main" id="{FC2BAE42-5218-CD06-6055-A3272A1831E5}"/>
+              </a:ext>
+            </a:extLst>
+          </p:cNvPr>
+          <p:cNvSpPr txBox="1"/>
+          <p:nvPr/>
+        </p:nvSpPr>
+        <p:spPr>
+          <a:xfrm>
+            <a:off x="7759495" y="3425380"/>
+            <a:ext cx="494046" cy="369332"/>
+          </a:xfrm>
+          <a:prstGeom prst="rect">
+            <a:avLst/>
+          </a:prstGeom>
+          <a:noFill/>
+        </p:spPr>
+        <p:txBody>
+          <a:bodyPr wrap="none" rtlCol="0">
+            <a:spAutoFit/>
+          </a:bodyPr>
+          <a:lstStyle/>
+          <a:p>
+            <a:r>
+              <a:rPr lang="es-419" dirty="0"/>
+              <a:t>VS</a:t>
+            </a:r>
           </a:p>
         </p:txBody>
       </p:sp>
     </p:spTree>
     <p:extLst>
       <p:ext uri="{BB962C8B-B14F-4D97-AF65-F5344CB8AC3E}">
-        <p14:creationId xmlns:p14="http://schemas.microsoft.com/office/powerpoint/2010/main" val="3873678984"/>
+        <p14:creationId xmlns:p14="http://schemas.microsoft.com/office/powerpoint/2010/main" val="127615219"/>
       </p:ext>
     </p:extLst>
   </p:cSld>
@@ -5983,7 +10054,7 @@
 </p:sld>
 </file>
 
-<file path=ppt/slides/slide5.xml><?xml version="1.0" encoding="utf-8"?>
+<file path=ppt/slides/slide17.xml><?xml version="1.0" encoding="utf-8"?>
 <p:sld xmlns:a="http://schemas.openxmlformats.org/drawingml/2006/main" xmlns:r="http://schemas.openxmlformats.org/officeDocument/2006/relationships" xmlns:p="http://schemas.openxmlformats.org/presentationml/2006/main">
   <p:cSld>
     <p:bg>
@@ -6382,7 +10453,7 @@
 </p:sld>
 </file>
 
-<file path=ppt/slides/slide6.xml><?xml version="1.0" encoding="utf-8"?>
+<file path=ppt/slides/slide18.xml><?xml version="1.0" encoding="utf-8"?>
 <p:sld xmlns:a="http://schemas.openxmlformats.org/drawingml/2006/main" xmlns:r="http://schemas.openxmlformats.org/officeDocument/2006/relationships" xmlns:p="http://schemas.openxmlformats.org/presentationml/2006/main">
   <p:cSld>
     <p:spTree>
@@ -6674,7 +10745,7 @@
 </p:sld>
 </file>
 
-<file path=ppt/slides/slide7.xml><?xml version="1.0" encoding="utf-8"?>
+<file path=ppt/slides/slide19.xml><?xml version="1.0" encoding="utf-8"?>
 <p:sld xmlns:a="http://schemas.openxmlformats.org/drawingml/2006/main" xmlns:r="http://schemas.openxmlformats.org/officeDocument/2006/relationships" xmlns:p="http://schemas.openxmlformats.org/presentationml/2006/main">
   <p:cSld>
     <p:bg>
@@ -7199,6 +11270,2344 @@
     <p:extLst>
       <p:ext uri="{BB962C8B-B14F-4D97-AF65-F5344CB8AC3E}">
         <p14:creationId xmlns:p14="http://schemas.microsoft.com/office/powerpoint/2010/main" val="2686816546"/>
+      </p:ext>
+    </p:extLst>
+  </p:cSld>
+  <p:clrMapOvr>
+    <a:masterClrMapping/>
+  </p:clrMapOvr>
+</p:sld>
+</file>
+
+<file path=ppt/slides/slide2.xml><?xml version="1.0" encoding="utf-8"?>
+<p:sld xmlns:a="http://schemas.openxmlformats.org/drawingml/2006/main" xmlns:r="http://schemas.openxmlformats.org/officeDocument/2006/relationships" xmlns:p="http://schemas.openxmlformats.org/presentationml/2006/main">
+  <p:cSld>
+    <p:bg>
+      <p:bgPr>
+        <a:solidFill>
+          <a:schemeClr val="bg1"/>
+        </a:solidFill>
+        <a:effectLst/>
+      </p:bgPr>
+    </p:bg>
+    <p:spTree>
+      <p:nvGrpSpPr>
+        <p:cNvPr id="1" name=""/>
+        <p:cNvGrpSpPr/>
+        <p:nvPr/>
+      </p:nvGrpSpPr>
+      <p:grpSpPr>
+        <a:xfrm>
+          <a:off x="0" y="0"/>
+          <a:ext cx="0" cy="0"/>
+          <a:chOff x="0" y="0"/>
+          <a:chExt cx="0" cy="0"/>
+        </a:xfrm>
+      </p:grpSpPr>
+      <p:sp useBgFill="1">
+        <p:nvSpPr>
+          <p:cNvPr id="16" name="Rectangle 15">
+            <a:extLst>
+              <a:ext uri="{FF2B5EF4-FFF2-40B4-BE49-F238E27FC236}">
+                <a16:creationId xmlns:a16="http://schemas.microsoft.com/office/drawing/2014/main" id="{6ACA6F80-D392-A64E-3CF8-F28F1CCEE67B}"/>
+              </a:ext>
+              <a:ext uri="{C183D7F6-B498-43B3-948B-1728B52AA6E4}">
+                <adec:decorative xmlns:adec="http://schemas.microsoft.com/office/drawing/2017/decorative" val="1"/>
+              </a:ext>
+            </a:extLst>
+          </p:cNvPr>
+          <p:cNvSpPr>
+            <a:spLocks noGrp="1" noRot="1" noChangeAspect="1" noMove="1" noResize="1" noEditPoints="1" noAdjustHandles="1" noChangeArrowheads="1" noChangeShapeType="1" noTextEdit="1"/>
+          </p:cNvSpPr>
+          <p:nvPr>
+            <p:extLst>
+              <p:ext uri="{386F3935-93C4-4BCD-93E2-E3B085C9AB24}">
+                <p16:designElem xmlns:p16="http://schemas.microsoft.com/office/powerpoint/2015/main" val="1"/>
+              </p:ext>
+            </p:extLst>
+          </p:nvPr>
+        </p:nvSpPr>
+        <p:spPr>
+          <a:xfrm>
+            <a:off x="0" y="0"/>
+            <a:ext cx="12192000" cy="6858000"/>
+          </a:xfrm>
+          <a:prstGeom prst="rect">
+            <a:avLst/>
+          </a:prstGeom>
+          <a:ln w="12700" cap="flat" cmpd="sng" algn="ctr">
+            <a:noFill/>
+            <a:prstDash val="solid"/>
+            <a:miter lim="800000"/>
+          </a:ln>
+          <a:effectLst/>
+          <a:extLst>
+            <a:ext uri="{91240B29-F687-4F45-9708-019B960494DF}">
+              <a14:hiddenLine xmlns:a14="http://schemas.microsoft.com/office/drawing/2010/main" w="12700" cap="flat" cmpd="sng" algn="ctr">
+                <a:solidFill>
+                  <a:schemeClr val="accent1">
+                    <a:shade val="15000"/>
+                  </a:schemeClr>
+                </a:solidFill>
+                <a:prstDash val="solid"/>
+                <a:miter lim="800000"/>
+              </a14:hiddenLine>
+            </a:ext>
+          </a:extLst>
+        </p:spPr>
+        <p:style>
+          <a:lnRef idx="2">
+            <a:schemeClr val="accent1">
+              <a:shade val="15000"/>
+            </a:schemeClr>
+          </a:lnRef>
+          <a:fillRef idx="1">
+            <a:schemeClr val="accent1"/>
+          </a:fillRef>
+          <a:effectRef idx="0">
+            <a:schemeClr val="accent1"/>
+          </a:effectRef>
+          <a:fontRef idx="minor">
+            <a:schemeClr val="lt1"/>
+          </a:fontRef>
+        </p:style>
+        <p:txBody>
+          <a:bodyPr rtlCol="0" anchor="ctr"/>
+          <a:lstStyle/>
+          <a:p>
+            <a:pPr algn="ctr"/>
+            <a:endParaRPr lang="en-US"/>
+          </a:p>
+        </p:txBody>
+      </p:sp>
+      <p:sp>
+        <p:nvSpPr>
+          <p:cNvPr id="2" name="Título 1">
+            <a:extLst>
+              <a:ext uri="{FF2B5EF4-FFF2-40B4-BE49-F238E27FC236}">
+                <a16:creationId xmlns:a16="http://schemas.microsoft.com/office/drawing/2014/main" id="{84E5D98E-45A8-9C04-9392-26DF52338716}"/>
+              </a:ext>
+            </a:extLst>
+          </p:cNvPr>
+          <p:cNvSpPr>
+            <a:spLocks noGrp="1"/>
+          </p:cNvSpPr>
+          <p:nvPr>
+            <p:ph type="title"/>
+          </p:nvPr>
+        </p:nvSpPr>
+        <p:spPr>
+          <a:xfrm>
+            <a:off x="614679" y="548640"/>
+            <a:ext cx="4779572" cy="2067705"/>
+          </a:xfrm>
+        </p:spPr>
+        <p:txBody>
+          <a:bodyPr anchor="t">
+            <a:normAutofit/>
+          </a:bodyPr>
+          <a:lstStyle/>
+          <a:p>
+            <a:r>
+              <a:rPr lang="es-CL" dirty="0"/>
+              <a:t>Introducción</a:t>
+            </a:r>
+          </a:p>
+        </p:txBody>
+      </p:sp>
+      <p:pic>
+        <p:nvPicPr>
+          <p:cNvPr id="5" name="Imagen 4" descr="Diagrama&#10;&#10;El contenido generado por IA puede ser incorrecto.">
+            <a:extLst>
+              <a:ext uri="{FF2B5EF4-FFF2-40B4-BE49-F238E27FC236}">
+                <a16:creationId xmlns:a16="http://schemas.microsoft.com/office/drawing/2014/main" id="{AAE43D43-8C3A-945E-081F-623375C275D3}"/>
+              </a:ext>
+            </a:extLst>
+          </p:cNvPr>
+          <p:cNvPicPr>
+            <a:picLocks noChangeAspect="1"/>
+          </p:cNvPicPr>
+          <p:nvPr/>
+        </p:nvPicPr>
+        <p:blipFill>
+          <a:blip r:embed="rId2">
+            <a:extLst>
+              <a:ext uri="{28A0092B-C50C-407E-A947-70E740481C1C}">
+                <a14:useLocalDpi xmlns:a14="http://schemas.microsoft.com/office/drawing/2010/main" val="0"/>
+              </a:ext>
+            </a:extLst>
+          </a:blip>
+          <a:stretch>
+            <a:fillRect/>
+          </a:stretch>
+        </p:blipFill>
+        <p:spPr>
+          <a:xfrm>
+            <a:off x="731520" y="3738793"/>
+            <a:ext cx="4673754" cy="2570564"/>
+          </a:xfrm>
+          <a:prstGeom prst="rect">
+            <a:avLst/>
+          </a:prstGeom>
+        </p:spPr>
+      </p:pic>
+      <p:sp>
+        <p:nvSpPr>
+          <p:cNvPr id="4" name="Rectangle 1">
+            <a:extLst>
+              <a:ext uri="{FF2B5EF4-FFF2-40B4-BE49-F238E27FC236}">
+                <a16:creationId xmlns:a16="http://schemas.microsoft.com/office/drawing/2014/main" id="{4163AE12-FBB8-A78F-747F-14604E99ED8F}"/>
+              </a:ext>
+            </a:extLst>
+          </p:cNvPr>
+          <p:cNvSpPr>
+            <a:spLocks noGrp="1" noChangeArrowheads="1"/>
+          </p:cNvSpPr>
+          <p:nvPr>
+            <p:ph idx="1"/>
+          </p:nvPr>
+        </p:nvSpPr>
+        <p:spPr bwMode="auto">
+          <a:xfrm>
+            <a:off x="6030551" y="548638"/>
+            <a:ext cx="5546770" cy="5760721"/>
+          </a:xfrm>
+          <a:prstGeom prst="rect">
+            <a:avLst/>
+          </a:prstGeom>
+          <a:extLst>
+            <a:ext uri="{909E8E84-426E-40DD-AFC4-6F175D3DCCD1}">
+              <a14:hiddenFill xmlns:a14="http://schemas.microsoft.com/office/drawing/2010/main">
+                <a:solidFill>
+                  <a:schemeClr val="accent1"/>
+                </a:solidFill>
+              </a14:hiddenFill>
+            </a:ext>
+            <a:ext uri="{91240B29-F687-4F45-9708-019B960494DF}">
+              <a14:hiddenLine xmlns:a14="http://schemas.microsoft.com/office/drawing/2010/main" w="9525">
+                <a:solidFill>
+                  <a:schemeClr val="tx1"/>
+                </a:solidFill>
+                <a:miter lim="800000"/>
+                <a:headEnd/>
+                <a:tailEnd/>
+              </a14:hiddenLine>
+            </a:ext>
+            <a:ext uri="{AF507438-7753-43E0-B8FC-AC1667EBCBE1}">
+              <a14:hiddenEffects xmlns:a14="http://schemas.microsoft.com/office/drawing/2010/main">
+                <a:effectLst>
+                  <a:outerShdw dist="35921" dir="2700000" algn="ctr" rotWithShape="0">
+                    <a:schemeClr val="bg2"/>
+                  </a:outerShdw>
+                </a:effectLst>
+              </a14:hiddenEffects>
+            </a:ext>
+          </a:extLst>
+        </p:spPr>
+        <p:txBody>
+          <a:bodyPr vert="horz" lIns="91440" tIns="45720" rIns="91440" bIns="45720" numCol="1" anchor="t" anchorCtr="0" compatLnSpc="1">
+            <a:prstTxWarp prst="textNoShape">
+              <a:avLst/>
+            </a:prstTxWarp>
+            <a:normAutofit/>
+          </a:bodyPr>
+          <a:lstStyle/>
+          <a:p>
+            <a:pPr marL="0" marR="0" lvl="0" indent="0" defTabSz="914400" rtl="0" eaLnBrk="0" fontAlgn="base" latinLnBrk="0" hangingPunct="0">
+              <a:lnSpc>
+                <a:spcPct val="110000"/>
+              </a:lnSpc>
+              <a:spcBef>
+                <a:spcPct val="0"/>
+              </a:spcBef>
+              <a:spcAft>
+                <a:spcPct val="0"/>
+              </a:spcAft>
+              <a:buClrTx/>
+              <a:buSzTx/>
+              <a:buFontTx/>
+              <a:buChar char="•"/>
+              <a:tabLst/>
+            </a:pPr>
+            <a:r>
+              <a:rPr kumimoji="0" lang="es-CL" altLang="es-CL" sz="1100" b="0" i="0" u="none" strike="noStrike" cap="none" normalizeH="0" baseline="0">
+                <a:ln>
+                  <a:noFill/>
+                </a:ln>
+                <a:effectLst/>
+                <a:latin typeface="Arial" panose="020B0604020202020204" pitchFamily="34" charset="0"/>
+              </a:rPr>
+              <a:t>Una </a:t>
+            </a:r>
+            <a:r>
+              <a:rPr kumimoji="0" lang="es-CL" altLang="es-CL" sz="1100" b="1" i="0" u="none" strike="noStrike" cap="none" normalizeH="0" baseline="0">
+                <a:ln>
+                  <a:noFill/>
+                </a:ln>
+                <a:effectLst/>
+                <a:latin typeface="Arial" panose="020B0604020202020204" pitchFamily="34" charset="0"/>
+              </a:rPr>
+              <a:t>red</a:t>
+            </a:r>
+            <a:r>
+              <a:rPr kumimoji="0" lang="es-CL" altLang="es-CL" sz="1100" b="0" i="0" u="none" strike="noStrike" cap="none" normalizeH="0" baseline="0">
+                <a:ln>
+                  <a:noFill/>
+                </a:ln>
+                <a:effectLst/>
+                <a:latin typeface="Arial" panose="020B0604020202020204" pitchFamily="34" charset="0"/>
+              </a:rPr>
+              <a:t> es un conjunto de elementos (llamados </a:t>
+            </a:r>
+            <a:r>
+              <a:rPr kumimoji="0" lang="es-CL" altLang="es-CL" sz="1100" b="0" i="1" u="none" strike="noStrike" cap="none" normalizeH="0" baseline="0">
+                <a:ln>
+                  <a:noFill/>
+                </a:ln>
+                <a:effectLst/>
+                <a:latin typeface="Arial" panose="020B0604020202020204" pitchFamily="34" charset="0"/>
+              </a:rPr>
+              <a:t>nodos</a:t>
+            </a:r>
+            <a:r>
+              <a:rPr kumimoji="0" lang="es-CL" altLang="es-CL" sz="1100" b="0" i="0" u="none" strike="noStrike" cap="none" normalizeH="0" baseline="0">
+                <a:ln>
+                  <a:noFill/>
+                </a:ln>
+                <a:effectLst/>
+                <a:latin typeface="Arial" panose="020B0604020202020204" pitchFamily="34" charset="0"/>
+              </a:rPr>
+              <a:t>) conectados entre sí mediante relaciones o enlaces.</a:t>
+            </a:r>
+          </a:p>
+          <a:p>
+            <a:pPr marL="0" marR="0" lvl="0" indent="0" defTabSz="914400" rtl="0" eaLnBrk="0" fontAlgn="base" latinLnBrk="0" hangingPunct="0">
+              <a:lnSpc>
+                <a:spcPct val="110000"/>
+              </a:lnSpc>
+              <a:spcBef>
+                <a:spcPct val="0"/>
+              </a:spcBef>
+              <a:spcAft>
+                <a:spcPct val="0"/>
+              </a:spcAft>
+              <a:buClrTx/>
+              <a:buSzTx/>
+              <a:buFontTx/>
+              <a:buChar char="•"/>
+              <a:tabLst/>
+            </a:pPr>
+            <a:endParaRPr lang="es-CL" altLang="es-CL" sz="1100">
+              <a:latin typeface="Arial" panose="020B0604020202020204" pitchFamily="34" charset="0"/>
+            </a:endParaRPr>
+          </a:p>
+          <a:p>
+            <a:pPr>
+              <a:lnSpc>
+                <a:spcPct val="110000"/>
+              </a:lnSpc>
+            </a:pPr>
+            <a:r>
+              <a:rPr lang="es-ES" sz="1100" b="1"/>
+              <a:t>Contexto:</a:t>
+            </a:r>
+          </a:p>
+          <a:p>
+            <a:pPr>
+              <a:lnSpc>
+                <a:spcPct val="110000"/>
+              </a:lnSpc>
+            </a:pPr>
+            <a:r>
+              <a:rPr lang="es-ES" sz="1100"/>
+              <a:t>En ciencia de datos, estudiar redes permite </a:t>
+            </a:r>
+            <a:r>
+              <a:rPr lang="es-ES" sz="1100" b="1"/>
+              <a:t>entender la estructura oculta</a:t>
+            </a:r>
+            <a:r>
+              <a:rPr lang="es-ES" sz="1100"/>
+              <a:t> detrás de grandes volúmenes de información.</a:t>
+            </a:r>
+          </a:p>
+          <a:p>
+            <a:pPr>
+              <a:lnSpc>
+                <a:spcPct val="110000"/>
+              </a:lnSpc>
+            </a:pPr>
+            <a:r>
+              <a:rPr lang="es-ES" sz="1100"/>
+              <a:t>Cada conexión revela una relación importante: colaboración, comunicación, influencia, etc.</a:t>
+            </a:r>
+          </a:p>
+          <a:p>
+            <a:pPr>
+              <a:lnSpc>
+                <a:spcPct val="110000"/>
+              </a:lnSpc>
+            </a:pPr>
+            <a:r>
+              <a:rPr lang="es-ES" sz="1100"/>
+              <a:t>Las </a:t>
+            </a:r>
+            <a:r>
+              <a:rPr lang="es-ES" sz="1100" b="1"/>
+              <a:t>comunidades</a:t>
+            </a:r>
+            <a:r>
+              <a:rPr lang="es-ES" sz="1100"/>
+              <a:t> dentro de una red son grupos de nodos que están más conectados entre sí que con el resto.</a:t>
+            </a:r>
+          </a:p>
+          <a:p>
+            <a:pPr>
+              <a:lnSpc>
+                <a:spcPct val="110000"/>
+              </a:lnSpc>
+            </a:pPr>
+            <a:r>
+              <a:rPr lang="es-ES" sz="1100" b="1"/>
+              <a:t>Motivación:</a:t>
+            </a:r>
+          </a:p>
+          <a:p>
+            <a:pPr>
+              <a:lnSpc>
+                <a:spcPct val="110000"/>
+              </a:lnSpc>
+            </a:pPr>
+            <a:r>
+              <a:rPr lang="es-ES" sz="1100"/>
+              <a:t>Detectar comunidades permite:</a:t>
+            </a:r>
+          </a:p>
+          <a:p>
+            <a:pPr lvl="1">
+              <a:lnSpc>
+                <a:spcPct val="110000"/>
+              </a:lnSpc>
+            </a:pPr>
+            <a:r>
+              <a:rPr lang="es-ES" sz="1100"/>
+              <a:t>Encontrar </a:t>
+            </a:r>
+            <a:r>
+              <a:rPr lang="es-ES" sz="1100" b="1"/>
+              <a:t>grupos naturales</a:t>
+            </a:r>
+            <a:r>
+              <a:rPr lang="es-ES" sz="1100"/>
+              <a:t> dentro de un sistema (por ejemplo, intereses comunes o temas relacionados).</a:t>
+            </a:r>
+          </a:p>
+          <a:p>
+            <a:pPr lvl="1">
+              <a:lnSpc>
+                <a:spcPct val="110000"/>
+              </a:lnSpc>
+            </a:pPr>
+            <a:r>
+              <a:rPr lang="es-ES" sz="1100"/>
+              <a:t>Comprender cómo se organiza la información o los actores en una red.</a:t>
+            </a:r>
+          </a:p>
+          <a:p>
+            <a:pPr lvl="1">
+              <a:lnSpc>
+                <a:spcPct val="110000"/>
+              </a:lnSpc>
+            </a:pPr>
+            <a:r>
+              <a:rPr lang="es-ES" sz="1100"/>
+              <a:t>Aplicar esto en áreas como biología, sociología o informática.</a:t>
+            </a:r>
+          </a:p>
+          <a:p>
+            <a:pPr>
+              <a:lnSpc>
+                <a:spcPct val="110000"/>
+              </a:lnSpc>
+            </a:pPr>
+            <a:r>
+              <a:rPr lang="es-ES" sz="1100" b="1"/>
+              <a:t>Objetivos:</a:t>
+            </a:r>
+          </a:p>
+          <a:p>
+            <a:pPr>
+              <a:lnSpc>
+                <a:spcPct val="110000"/>
+              </a:lnSpc>
+            </a:pPr>
+            <a:r>
+              <a:rPr lang="es-ES" sz="1100"/>
+              <a:t>Comprender el concepto de red y comunidad.</a:t>
+            </a:r>
+          </a:p>
+          <a:p>
+            <a:pPr>
+              <a:lnSpc>
+                <a:spcPct val="110000"/>
+              </a:lnSpc>
+            </a:pPr>
+            <a:r>
+              <a:rPr lang="es-ES" sz="1100"/>
+              <a:t>Aplicar algoritmos que detectan comunidades en redes complejas.</a:t>
+            </a:r>
+          </a:p>
+          <a:p>
+            <a:pPr>
+              <a:lnSpc>
+                <a:spcPct val="110000"/>
+              </a:lnSpc>
+            </a:pPr>
+            <a:r>
+              <a:rPr lang="es-ES" sz="1100"/>
+              <a:t>Evaluar la </a:t>
+            </a:r>
+            <a:r>
+              <a:rPr lang="es-ES" sz="1100" b="1"/>
+              <a:t>cohesión y estabilidad</a:t>
+            </a:r>
+            <a:r>
+              <a:rPr lang="es-ES" sz="1100"/>
+              <a:t> de esas comunidades para entender la estructura del sistema.</a:t>
+            </a:r>
+          </a:p>
+          <a:p>
+            <a:pPr lvl="1">
+              <a:lnSpc>
+                <a:spcPct val="110000"/>
+              </a:lnSpc>
+            </a:pPr>
+            <a:endParaRPr lang="es-ES" sz="1100"/>
+          </a:p>
+          <a:p>
+            <a:pPr marL="0" marR="0" lvl="0" indent="0" defTabSz="914400" rtl="0" eaLnBrk="0" fontAlgn="base" latinLnBrk="0" hangingPunct="0">
+              <a:lnSpc>
+                <a:spcPct val="110000"/>
+              </a:lnSpc>
+              <a:spcBef>
+                <a:spcPct val="0"/>
+              </a:spcBef>
+              <a:spcAft>
+                <a:spcPct val="0"/>
+              </a:spcAft>
+              <a:buClrTx/>
+              <a:buSzTx/>
+              <a:buFontTx/>
+              <a:buChar char="•"/>
+              <a:tabLst/>
+            </a:pPr>
+            <a:endParaRPr kumimoji="0" lang="es-CL" altLang="es-CL" sz="1100" b="0" i="0" u="none" strike="noStrike" cap="none" normalizeH="0" baseline="0">
+              <a:ln>
+                <a:noFill/>
+              </a:ln>
+              <a:effectLst/>
+              <a:latin typeface="Arial" panose="020B0604020202020204" pitchFamily="34" charset="0"/>
+            </a:endParaRPr>
+          </a:p>
+          <a:p>
+            <a:pPr marL="0" marR="0" lvl="0" indent="0" defTabSz="914400" rtl="0" eaLnBrk="0" fontAlgn="base" latinLnBrk="0" hangingPunct="0">
+              <a:lnSpc>
+                <a:spcPct val="110000"/>
+              </a:lnSpc>
+              <a:spcBef>
+                <a:spcPct val="0"/>
+              </a:spcBef>
+              <a:spcAft>
+                <a:spcPct val="0"/>
+              </a:spcAft>
+              <a:buClrTx/>
+              <a:buSzTx/>
+              <a:buFontTx/>
+              <a:buNone/>
+              <a:tabLst/>
+            </a:pPr>
+            <a:endParaRPr kumimoji="0" lang="es-CL" altLang="es-CL" sz="1100" b="0" i="0" u="none" strike="noStrike" cap="none" normalizeH="0" baseline="0" dirty="0">
+              <a:ln>
+                <a:noFill/>
+              </a:ln>
+              <a:effectLst/>
+              <a:latin typeface="Arial" panose="020B0604020202020204" pitchFamily="34" charset="0"/>
+            </a:endParaRPr>
+          </a:p>
+        </p:txBody>
+      </p:sp>
+    </p:spTree>
+    <p:extLst>
+      <p:ext uri="{BB962C8B-B14F-4D97-AF65-F5344CB8AC3E}">
+        <p14:creationId xmlns:p14="http://schemas.microsoft.com/office/powerpoint/2010/main" val="1671452555"/>
+      </p:ext>
+    </p:extLst>
+  </p:cSld>
+  <p:clrMapOvr>
+    <a:masterClrMapping/>
+  </p:clrMapOvr>
+</p:sld>
+</file>
+
+<file path=ppt/slides/slide3.xml><?xml version="1.0" encoding="utf-8"?>
+<p:sld xmlns:a="http://schemas.openxmlformats.org/drawingml/2006/main" xmlns:r="http://schemas.openxmlformats.org/officeDocument/2006/relationships" xmlns:p="http://schemas.openxmlformats.org/presentationml/2006/main">
+  <p:cSld>
+    <p:bg>
+      <p:bgPr>
+        <a:solidFill>
+          <a:schemeClr val="bg1"/>
+        </a:solidFill>
+        <a:effectLst/>
+      </p:bgPr>
+    </p:bg>
+    <p:spTree>
+      <p:nvGrpSpPr>
+        <p:cNvPr id="1" name=""/>
+        <p:cNvGrpSpPr/>
+        <p:nvPr/>
+      </p:nvGrpSpPr>
+      <p:grpSpPr>
+        <a:xfrm>
+          <a:off x="0" y="0"/>
+          <a:ext cx="0" cy="0"/>
+          <a:chOff x="0" y="0"/>
+          <a:chExt cx="0" cy="0"/>
+        </a:xfrm>
+      </p:grpSpPr>
+      <p:sp useBgFill="1">
+        <p:nvSpPr>
+          <p:cNvPr id="10" name="Rectangle 9">
+            <a:extLst>
+              <a:ext uri="{FF2B5EF4-FFF2-40B4-BE49-F238E27FC236}">
+                <a16:creationId xmlns:a16="http://schemas.microsoft.com/office/drawing/2014/main" id="{6ACA6F80-D392-A64E-3CF8-F28F1CCEE67B}"/>
+              </a:ext>
+              <a:ext uri="{C183D7F6-B498-43B3-948B-1728B52AA6E4}">
+                <adec:decorative xmlns:adec="http://schemas.microsoft.com/office/drawing/2017/decorative" val="1"/>
+              </a:ext>
+            </a:extLst>
+          </p:cNvPr>
+          <p:cNvSpPr>
+            <a:spLocks noGrp="1" noRot="1" noChangeAspect="1" noMove="1" noResize="1" noEditPoints="1" noAdjustHandles="1" noChangeArrowheads="1" noChangeShapeType="1" noTextEdit="1"/>
+          </p:cNvSpPr>
+          <p:nvPr>
+            <p:extLst>
+              <p:ext uri="{386F3935-93C4-4BCD-93E2-E3B085C9AB24}">
+                <p16:designElem xmlns:p16="http://schemas.microsoft.com/office/powerpoint/2015/main" val="1"/>
+              </p:ext>
+            </p:extLst>
+          </p:nvPr>
+        </p:nvSpPr>
+        <p:spPr>
+          <a:xfrm>
+            <a:off x="0" y="0"/>
+            <a:ext cx="12192000" cy="6858000"/>
+          </a:xfrm>
+          <a:prstGeom prst="rect">
+            <a:avLst/>
+          </a:prstGeom>
+          <a:ln w="12700" cap="flat" cmpd="sng" algn="ctr">
+            <a:noFill/>
+            <a:prstDash val="solid"/>
+            <a:miter lim="800000"/>
+          </a:ln>
+          <a:effectLst/>
+          <a:extLst>
+            <a:ext uri="{91240B29-F687-4F45-9708-019B960494DF}">
+              <a14:hiddenLine xmlns:a14="http://schemas.microsoft.com/office/drawing/2010/main" w="12700" cap="flat" cmpd="sng" algn="ctr">
+                <a:solidFill>
+                  <a:schemeClr val="accent1">
+                    <a:shade val="15000"/>
+                  </a:schemeClr>
+                </a:solidFill>
+                <a:prstDash val="solid"/>
+                <a:miter lim="800000"/>
+              </a14:hiddenLine>
+            </a:ext>
+          </a:extLst>
+        </p:spPr>
+        <p:style>
+          <a:lnRef idx="2">
+            <a:schemeClr val="accent1">
+              <a:shade val="15000"/>
+            </a:schemeClr>
+          </a:lnRef>
+          <a:fillRef idx="1">
+            <a:schemeClr val="accent1"/>
+          </a:fillRef>
+          <a:effectRef idx="0">
+            <a:schemeClr val="accent1"/>
+          </a:effectRef>
+          <a:fontRef idx="minor">
+            <a:schemeClr val="lt1"/>
+          </a:fontRef>
+        </p:style>
+        <p:txBody>
+          <a:bodyPr rtlCol="0" anchor="ctr"/>
+          <a:lstStyle/>
+          <a:p>
+            <a:pPr algn="ctr"/>
+            <a:endParaRPr lang="en-US"/>
+          </a:p>
+        </p:txBody>
+      </p:sp>
+      <p:sp>
+        <p:nvSpPr>
+          <p:cNvPr id="2" name="Título 1">
+            <a:extLst>
+              <a:ext uri="{FF2B5EF4-FFF2-40B4-BE49-F238E27FC236}">
+                <a16:creationId xmlns:a16="http://schemas.microsoft.com/office/drawing/2014/main" id="{34EA09C7-E3C1-6568-5E31-081B55229B8D}"/>
+              </a:ext>
+            </a:extLst>
+          </p:cNvPr>
+          <p:cNvSpPr>
+            <a:spLocks noGrp="1"/>
+          </p:cNvSpPr>
+          <p:nvPr>
+            <p:ph type="title"/>
+          </p:nvPr>
+        </p:nvSpPr>
+        <p:spPr>
+          <a:xfrm>
+            <a:off x="71063" y="106681"/>
+            <a:ext cx="10835641" cy="579120"/>
+          </a:xfrm>
+        </p:spPr>
+        <p:txBody>
+          <a:bodyPr anchor="t">
+            <a:normAutofit fontScale="90000"/>
+          </a:bodyPr>
+          <a:lstStyle/>
+          <a:p>
+            <a:r>
+              <a:rPr lang="es-CL" dirty="0"/>
+              <a:t>Ejemplos, planteamiento y solución</a:t>
+            </a:r>
+          </a:p>
+        </p:txBody>
+      </p:sp>
+      <p:graphicFrame>
+        <p:nvGraphicFramePr>
+          <p:cNvPr id="14" name="Marcador de contenido 2">
+            <a:extLst>
+              <a:ext uri="{FF2B5EF4-FFF2-40B4-BE49-F238E27FC236}">
+                <a16:creationId xmlns:a16="http://schemas.microsoft.com/office/drawing/2014/main" id="{B4FFEE40-1002-8720-539D-154148D744EF}"/>
+              </a:ext>
+            </a:extLst>
+          </p:cNvPr>
+          <p:cNvGraphicFramePr>
+            <a:graphicFrameLocks noGrp="1"/>
+          </p:cNvGraphicFramePr>
+          <p:nvPr>
+            <p:ph idx="1"/>
+            <p:extLst>
+              <p:ext uri="{D42A27DB-BD31-4B8C-83A1-F6EECF244321}">
+                <p14:modId xmlns:p14="http://schemas.microsoft.com/office/powerpoint/2010/main" val="1692308232"/>
+              </p:ext>
+            </p:extLst>
+          </p:nvPr>
+        </p:nvGraphicFramePr>
+        <p:xfrm>
+          <a:off x="693337" y="1589111"/>
+          <a:ext cx="5402663" cy="4655903"/>
+        </p:xfrm>
+        <a:graphic>
+          <a:graphicData uri="http://schemas.openxmlformats.org/drawingml/2006/diagram">
+            <dgm:relIds xmlns:dgm="http://schemas.openxmlformats.org/drawingml/2006/diagram" xmlns:r="http://schemas.openxmlformats.org/officeDocument/2006/relationships" r:dm="rId2" r:lo="rId3" r:qs="rId4" r:cs="rId5"/>
+          </a:graphicData>
+        </a:graphic>
+      </p:graphicFrame>
+      <p:pic>
+        <p:nvPicPr>
+          <p:cNvPr id="8" name="Imagen 7">
+            <a:extLst>
+              <a:ext uri="{FF2B5EF4-FFF2-40B4-BE49-F238E27FC236}">
+                <a16:creationId xmlns:a16="http://schemas.microsoft.com/office/drawing/2014/main" id="{BA5B6BBC-2690-64CD-F72F-D81BEA2C5D0C}"/>
+              </a:ext>
+            </a:extLst>
+          </p:cNvPr>
+          <p:cNvPicPr>
+            <a:picLocks noChangeAspect="1"/>
+          </p:cNvPicPr>
+          <p:nvPr/>
+        </p:nvPicPr>
+        <p:blipFill>
+          <a:blip r:embed="rId7"/>
+          <a:stretch>
+            <a:fillRect/>
+          </a:stretch>
+        </p:blipFill>
+        <p:spPr>
+          <a:xfrm>
+            <a:off x="10491019" y="263993"/>
+            <a:ext cx="1629918" cy="1629918"/>
+          </a:xfrm>
+          <a:prstGeom prst="rect">
+            <a:avLst/>
+          </a:prstGeom>
+        </p:spPr>
+      </p:pic>
+      <p:sp>
+        <p:nvSpPr>
+          <p:cNvPr id="5" name="CuadroTexto 4">
+            <a:extLst>
+              <a:ext uri="{FF2B5EF4-FFF2-40B4-BE49-F238E27FC236}">
+                <a16:creationId xmlns:a16="http://schemas.microsoft.com/office/drawing/2014/main" id="{1029986F-ED58-B5FE-5A8D-C0F6F74ECC05}"/>
+              </a:ext>
+            </a:extLst>
+          </p:cNvPr>
+          <p:cNvSpPr txBox="1"/>
+          <p:nvPr/>
+        </p:nvSpPr>
+        <p:spPr>
+          <a:xfrm>
+            <a:off x="484822" y="1078952"/>
+            <a:ext cx="6137910" cy="369332"/>
+          </a:xfrm>
+          <a:prstGeom prst="rect">
+            <a:avLst/>
+          </a:prstGeom>
+          <a:noFill/>
+        </p:spPr>
+        <p:txBody>
+          <a:bodyPr wrap="square">
+            <a:spAutoFit/>
+          </a:bodyPr>
+          <a:lstStyle/>
+          <a:p>
+            <a:r>
+              <a:rPr lang="es-CL" dirty="0"/>
+              <a:t>Ejemplo:</a:t>
+            </a:r>
+            <a:endParaRPr lang="es-419" dirty="0"/>
+          </a:p>
+        </p:txBody>
+      </p:sp>
+    </p:spTree>
+    <p:extLst>
+      <p:ext uri="{BB962C8B-B14F-4D97-AF65-F5344CB8AC3E}">
+        <p14:creationId xmlns:p14="http://schemas.microsoft.com/office/powerpoint/2010/main" val="4272429548"/>
+      </p:ext>
+    </p:extLst>
+  </p:cSld>
+  <p:clrMapOvr>
+    <a:masterClrMapping/>
+  </p:clrMapOvr>
+</p:sld>
+</file>
+
+<file path=ppt/slides/slide4.xml><?xml version="1.0" encoding="utf-8"?>
+<p:sld xmlns:a="http://schemas.openxmlformats.org/drawingml/2006/main" xmlns:r="http://schemas.openxmlformats.org/officeDocument/2006/relationships" xmlns:p="http://schemas.openxmlformats.org/presentationml/2006/main">
+  <p:cSld>
+    <p:bg>
+      <p:bgPr>
+        <a:solidFill>
+          <a:schemeClr val="bg1"/>
+        </a:solidFill>
+        <a:effectLst/>
+      </p:bgPr>
+    </p:bg>
+    <p:spTree>
+      <p:nvGrpSpPr>
+        <p:cNvPr id="1" name="">
+          <a:extLst>
+            <a:ext uri="{FF2B5EF4-FFF2-40B4-BE49-F238E27FC236}">
+              <a16:creationId xmlns:a16="http://schemas.microsoft.com/office/drawing/2014/main" id="{35393EB9-A1EA-5958-AC40-2F351D3D93B2}"/>
+            </a:ext>
+          </a:extLst>
+        </p:cNvPr>
+        <p:cNvGrpSpPr/>
+        <p:nvPr/>
+      </p:nvGrpSpPr>
+      <p:grpSpPr>
+        <a:xfrm>
+          <a:off x="0" y="0"/>
+          <a:ext cx="0" cy="0"/>
+          <a:chOff x="0" y="0"/>
+          <a:chExt cx="0" cy="0"/>
+        </a:xfrm>
+      </p:grpSpPr>
+      <p:sp useBgFill="1">
+        <p:nvSpPr>
+          <p:cNvPr id="10" name="Rectangle 9">
+            <a:extLst>
+              <a:ext uri="{FF2B5EF4-FFF2-40B4-BE49-F238E27FC236}">
+                <a16:creationId xmlns:a16="http://schemas.microsoft.com/office/drawing/2014/main" id="{C0056F05-9E23-E899-A137-4756700E2C8F}"/>
+              </a:ext>
+              <a:ext uri="{C183D7F6-B498-43B3-948B-1728B52AA6E4}">
+                <adec:decorative xmlns:adec="http://schemas.microsoft.com/office/drawing/2017/decorative" val="1"/>
+              </a:ext>
+            </a:extLst>
+          </p:cNvPr>
+          <p:cNvSpPr>
+            <a:spLocks noGrp="1" noRot="1" noChangeAspect="1" noMove="1" noResize="1" noEditPoints="1" noAdjustHandles="1" noChangeArrowheads="1" noChangeShapeType="1" noTextEdit="1"/>
+          </p:cNvSpPr>
+          <p:nvPr>
+            <p:extLst>
+              <p:ext uri="{386F3935-93C4-4BCD-93E2-E3B085C9AB24}">
+                <p16:designElem xmlns:p16="http://schemas.microsoft.com/office/powerpoint/2015/main" val="1"/>
+              </p:ext>
+            </p:extLst>
+          </p:nvPr>
+        </p:nvSpPr>
+        <p:spPr>
+          <a:xfrm>
+            <a:off x="0" y="0"/>
+            <a:ext cx="12192000" cy="6858000"/>
+          </a:xfrm>
+          <a:prstGeom prst="rect">
+            <a:avLst/>
+          </a:prstGeom>
+          <a:ln w="12700" cap="flat" cmpd="sng" algn="ctr">
+            <a:noFill/>
+            <a:prstDash val="solid"/>
+            <a:miter lim="800000"/>
+          </a:ln>
+          <a:effectLst/>
+          <a:extLst>
+            <a:ext uri="{91240B29-F687-4F45-9708-019B960494DF}">
+              <a14:hiddenLine xmlns:a14="http://schemas.microsoft.com/office/drawing/2010/main" w="12700" cap="flat" cmpd="sng" algn="ctr">
+                <a:solidFill>
+                  <a:schemeClr val="accent1">
+                    <a:shade val="15000"/>
+                  </a:schemeClr>
+                </a:solidFill>
+                <a:prstDash val="solid"/>
+                <a:miter lim="800000"/>
+              </a14:hiddenLine>
+            </a:ext>
+          </a:extLst>
+        </p:spPr>
+        <p:style>
+          <a:lnRef idx="2">
+            <a:schemeClr val="accent1">
+              <a:shade val="15000"/>
+            </a:schemeClr>
+          </a:lnRef>
+          <a:fillRef idx="1">
+            <a:schemeClr val="accent1"/>
+          </a:fillRef>
+          <a:effectRef idx="0">
+            <a:schemeClr val="accent1"/>
+          </a:effectRef>
+          <a:fontRef idx="minor">
+            <a:schemeClr val="lt1"/>
+          </a:fontRef>
+        </p:style>
+        <p:txBody>
+          <a:bodyPr rtlCol="0" anchor="ctr"/>
+          <a:lstStyle/>
+          <a:p>
+            <a:pPr algn="ctr"/>
+            <a:endParaRPr lang="en-US"/>
+          </a:p>
+        </p:txBody>
+      </p:sp>
+      <p:sp>
+        <p:nvSpPr>
+          <p:cNvPr id="2" name="Título 1">
+            <a:extLst>
+              <a:ext uri="{FF2B5EF4-FFF2-40B4-BE49-F238E27FC236}">
+                <a16:creationId xmlns:a16="http://schemas.microsoft.com/office/drawing/2014/main" id="{165B7D93-5A56-7985-242C-940B7AB85D87}"/>
+              </a:ext>
+            </a:extLst>
+          </p:cNvPr>
+          <p:cNvSpPr>
+            <a:spLocks noGrp="1"/>
+          </p:cNvSpPr>
+          <p:nvPr>
+            <p:ph type="title"/>
+          </p:nvPr>
+        </p:nvSpPr>
+        <p:spPr>
+          <a:xfrm>
+            <a:off x="350359" y="263993"/>
+            <a:ext cx="10835641" cy="579120"/>
+          </a:xfrm>
+        </p:spPr>
+        <p:txBody>
+          <a:bodyPr anchor="t">
+            <a:normAutofit fontScale="90000"/>
+          </a:bodyPr>
+          <a:lstStyle/>
+          <a:p>
+            <a:r>
+              <a:rPr lang="es-CL" dirty="0"/>
+              <a:t>Ejemplos, planteamiento y solución</a:t>
+            </a:r>
+          </a:p>
+        </p:txBody>
+      </p:sp>
+      <p:sp>
+        <p:nvSpPr>
+          <p:cNvPr id="6" name="CuadroTexto 5">
+            <a:extLst>
+              <a:ext uri="{FF2B5EF4-FFF2-40B4-BE49-F238E27FC236}">
+                <a16:creationId xmlns:a16="http://schemas.microsoft.com/office/drawing/2014/main" id="{CB7ACAC2-6B1A-8DCB-FAAD-A4B2FA7BB525}"/>
+              </a:ext>
+            </a:extLst>
+          </p:cNvPr>
+          <p:cNvSpPr txBox="1"/>
+          <p:nvPr/>
+        </p:nvSpPr>
+        <p:spPr>
+          <a:xfrm>
+            <a:off x="459661" y="1658756"/>
+            <a:ext cx="5975152" cy="3816429"/>
+          </a:xfrm>
+          <a:prstGeom prst="rect">
+            <a:avLst/>
+          </a:prstGeom>
+          <a:noFill/>
+        </p:spPr>
+        <p:txBody>
+          <a:bodyPr wrap="square" rtlCol="0">
+            <a:spAutoFit/>
+          </a:bodyPr>
+          <a:lstStyle/>
+          <a:p>
+            <a:r>
+              <a:rPr lang="es-ES" sz="1600" b="1" dirty="0"/>
+              <a:t>Planteamiento:</a:t>
+            </a:r>
+            <a:br>
+              <a:rPr lang="es-ES" sz="1600" dirty="0"/>
+            </a:br>
+            <a:r>
+              <a:rPr lang="es-ES" sz="1600" dirty="0"/>
+              <a:t>En una red de información como Wikipedia, cada nodo representa un artículo y los enlaces muestran referencias entre temas.</a:t>
+            </a:r>
+            <a:br>
+              <a:rPr lang="es-ES" sz="1600" dirty="0"/>
+            </a:br>
+            <a:r>
+              <a:rPr lang="es-ES" sz="1600" dirty="0"/>
+              <a:t>El desafío es </a:t>
+            </a:r>
+            <a:r>
+              <a:rPr lang="es-ES" sz="1600" b="1" dirty="0"/>
+              <a:t>entender cómo se agrupan los contenidos</a:t>
+            </a:r>
+            <a:r>
+              <a:rPr lang="es-ES" sz="1600" dirty="0"/>
+              <a:t> y cómo ciertos artículos conectan áreas distintas del conocimiento.</a:t>
+            </a:r>
+          </a:p>
+          <a:p>
+            <a:endParaRPr lang="es-ES" sz="1600" dirty="0"/>
+          </a:p>
+          <a:p>
+            <a:r>
+              <a:rPr lang="es-ES" sz="1600" b="1" dirty="0"/>
+              <a:t>Solución:</a:t>
+            </a:r>
+            <a:br>
+              <a:rPr lang="es-ES" sz="1600" dirty="0"/>
+            </a:br>
+            <a:r>
+              <a:rPr lang="es-ES" sz="1600" dirty="0"/>
+              <a:t>Usando técnicas de detección de comunidades, se identifican grupos de artículos relacionados (por ejemplo, ciencia, historia o arte).</a:t>
+            </a:r>
+            <a:br>
+              <a:rPr lang="es-ES" sz="1600" dirty="0"/>
+            </a:br>
+            <a:r>
+              <a:rPr lang="es-ES" sz="1600" dirty="0"/>
+              <a:t>Esto permite visualizar la </a:t>
+            </a:r>
+            <a:r>
+              <a:rPr lang="es-ES" sz="1600" b="1" dirty="0"/>
+              <a:t>estructura temática</a:t>
+            </a:r>
+            <a:r>
+              <a:rPr lang="es-ES" sz="1600" dirty="0"/>
+              <a:t> de la enciclopedia y entender cómo se organiza el conocimiento.</a:t>
+            </a:r>
+          </a:p>
+          <a:p>
+            <a:endParaRPr lang="es-CL" dirty="0"/>
+          </a:p>
+        </p:txBody>
+      </p:sp>
+      <p:pic>
+        <p:nvPicPr>
+          <p:cNvPr id="8" name="Imagen 7">
+            <a:extLst>
+              <a:ext uri="{FF2B5EF4-FFF2-40B4-BE49-F238E27FC236}">
+                <a16:creationId xmlns:a16="http://schemas.microsoft.com/office/drawing/2014/main" id="{6975E1F2-FDC1-8783-FD02-EF41145E6215}"/>
+              </a:ext>
+            </a:extLst>
+          </p:cNvPr>
+          <p:cNvPicPr>
+            <a:picLocks noChangeAspect="1"/>
+          </p:cNvPicPr>
+          <p:nvPr/>
+        </p:nvPicPr>
+        <p:blipFill>
+          <a:blip r:embed="rId2"/>
+          <a:stretch>
+            <a:fillRect/>
+          </a:stretch>
+        </p:blipFill>
+        <p:spPr>
+          <a:xfrm>
+            <a:off x="10491019" y="263993"/>
+            <a:ext cx="1629918" cy="1629918"/>
+          </a:xfrm>
+          <a:prstGeom prst="rect">
+            <a:avLst/>
+          </a:prstGeom>
+        </p:spPr>
+      </p:pic>
+      <p:sp>
+        <p:nvSpPr>
+          <p:cNvPr id="9" name="CuadroTexto 8">
+            <a:extLst>
+              <a:ext uri="{FF2B5EF4-FFF2-40B4-BE49-F238E27FC236}">
+                <a16:creationId xmlns:a16="http://schemas.microsoft.com/office/drawing/2014/main" id="{BD6A6147-DEC5-086F-544F-B2086D262C6E}"/>
+              </a:ext>
+            </a:extLst>
+          </p:cNvPr>
+          <p:cNvSpPr txBox="1"/>
+          <p:nvPr/>
+        </p:nvSpPr>
+        <p:spPr>
+          <a:xfrm>
+            <a:off x="398642" y="1165188"/>
+            <a:ext cx="6097190" cy="369332"/>
+          </a:xfrm>
+          <a:prstGeom prst="rect">
+            <a:avLst/>
+          </a:prstGeom>
+          <a:noFill/>
+        </p:spPr>
+        <p:txBody>
+          <a:bodyPr wrap="square">
+            <a:spAutoFit/>
+          </a:bodyPr>
+          <a:lstStyle/>
+          <a:p>
+            <a:r>
+              <a:rPr lang="es-ES" sz="1800" b="1" dirty="0"/>
+              <a:t>En nuestro caso:</a:t>
+            </a:r>
+            <a:endParaRPr lang="es-419" b="1" dirty="0"/>
+          </a:p>
+        </p:txBody>
+      </p:sp>
+      <p:pic>
+        <p:nvPicPr>
+          <p:cNvPr id="1026" name="Picture 2">
+            <a:extLst>
+              <a:ext uri="{FF2B5EF4-FFF2-40B4-BE49-F238E27FC236}">
+                <a16:creationId xmlns:a16="http://schemas.microsoft.com/office/drawing/2014/main" id="{5360E6BA-4749-CE5B-6947-8272350E3791}"/>
+              </a:ext>
+            </a:extLst>
+          </p:cNvPr>
+          <p:cNvPicPr>
+            <a:picLocks noChangeAspect="1" noChangeArrowheads="1"/>
+          </p:cNvPicPr>
+          <p:nvPr/>
+        </p:nvPicPr>
+        <p:blipFill>
+          <a:blip r:embed="rId3">
+            <a:extLst>
+              <a:ext uri="{28A0092B-C50C-407E-A947-70E740481C1C}">
+                <a14:useLocalDpi xmlns:a14="http://schemas.microsoft.com/office/drawing/2010/main" val="0"/>
+              </a:ext>
+            </a:extLst>
+          </a:blip>
+          <a:srcRect/>
+          <a:stretch>
+            <a:fillRect/>
+          </a:stretch>
+        </p:blipFill>
+        <p:spPr bwMode="auto">
+          <a:xfrm>
+            <a:off x="6735919" y="1534520"/>
+            <a:ext cx="3238661" cy="3734533"/>
+          </a:xfrm>
+          <a:prstGeom prst="rect">
+            <a:avLst/>
+          </a:prstGeom>
+          <a:noFill/>
+          <a:extLst>
+            <a:ext uri="{909E8E84-426E-40DD-AFC4-6F175D3DCCD1}">
+              <a14:hiddenFill xmlns:a14="http://schemas.microsoft.com/office/drawing/2010/main">
+                <a:solidFill>
+                  <a:srgbClr val="FFFFFF"/>
+                </a:solidFill>
+              </a14:hiddenFill>
+            </a:ext>
+          </a:extLst>
+        </p:spPr>
+      </p:pic>
+    </p:spTree>
+    <p:extLst>
+      <p:ext uri="{BB962C8B-B14F-4D97-AF65-F5344CB8AC3E}">
+        <p14:creationId xmlns:p14="http://schemas.microsoft.com/office/powerpoint/2010/main" val="1538474210"/>
+      </p:ext>
+    </p:extLst>
+  </p:cSld>
+  <p:clrMapOvr>
+    <a:masterClrMapping/>
+  </p:clrMapOvr>
+</p:sld>
+</file>
+
+<file path=ppt/slides/slide5.xml><?xml version="1.0" encoding="utf-8"?>
+<p:sld xmlns:a="http://schemas.openxmlformats.org/drawingml/2006/main" xmlns:r="http://schemas.openxmlformats.org/officeDocument/2006/relationships" xmlns:p="http://schemas.openxmlformats.org/presentationml/2006/main">
+  <p:cSld>
+    <p:spTree>
+      <p:nvGrpSpPr>
+        <p:cNvPr id="1" name=""/>
+        <p:cNvGrpSpPr/>
+        <p:nvPr/>
+      </p:nvGrpSpPr>
+      <p:grpSpPr>
+        <a:xfrm>
+          <a:off x="0" y="0"/>
+          <a:ext cx="0" cy="0"/>
+          <a:chOff x="0" y="0"/>
+          <a:chExt cx="0" cy="0"/>
+        </a:xfrm>
+      </p:grpSpPr>
+      <p:pic>
+        <p:nvPicPr>
+          <p:cNvPr id="7" name="Imagen 6">
+            <a:extLst>
+              <a:ext uri="{FF2B5EF4-FFF2-40B4-BE49-F238E27FC236}">
+                <a16:creationId xmlns:a16="http://schemas.microsoft.com/office/drawing/2014/main" id="{960C8CE6-8508-3176-75CC-B6BD7FEDD08E}"/>
+              </a:ext>
+            </a:extLst>
+          </p:cNvPr>
+          <p:cNvPicPr>
+            <a:picLocks noChangeAspect="1"/>
+          </p:cNvPicPr>
+          <p:nvPr/>
+        </p:nvPicPr>
+        <p:blipFill>
+          <a:blip r:embed="rId2"/>
+          <a:stretch>
+            <a:fillRect/>
+          </a:stretch>
+        </p:blipFill>
+        <p:spPr>
+          <a:xfrm>
+            <a:off x="0" y="1733638"/>
+            <a:ext cx="12192000" cy="3390723"/>
+          </a:xfrm>
+          <a:prstGeom prst="rect">
+            <a:avLst/>
+          </a:prstGeom>
+        </p:spPr>
+      </p:pic>
+      <p:sp>
+        <p:nvSpPr>
+          <p:cNvPr id="9" name="Elipse 8">
+            <a:extLst>
+              <a:ext uri="{FF2B5EF4-FFF2-40B4-BE49-F238E27FC236}">
+                <a16:creationId xmlns:a16="http://schemas.microsoft.com/office/drawing/2014/main" id="{CD8CC767-AED9-0581-2BDE-F269ED24C6AB}"/>
+              </a:ext>
+            </a:extLst>
+          </p:cNvPr>
+          <p:cNvSpPr/>
+          <p:nvPr/>
+        </p:nvSpPr>
+        <p:spPr>
+          <a:xfrm>
+            <a:off x="1502569" y="2871787"/>
+            <a:ext cx="1640681" cy="885825"/>
+          </a:xfrm>
+          <a:prstGeom prst="ellipse">
+            <a:avLst/>
+          </a:prstGeom>
+          <a:noFill/>
+          <a:ln w="76200">
+            <a:solidFill>
+              <a:srgbClr val="FF0000"/>
+            </a:solidFill>
+          </a:ln>
+        </p:spPr>
+        <p:style>
+          <a:lnRef idx="2">
+            <a:schemeClr val="accent1">
+              <a:shade val="15000"/>
+            </a:schemeClr>
+          </a:lnRef>
+          <a:fillRef idx="1">
+            <a:schemeClr val="accent1"/>
+          </a:fillRef>
+          <a:effectRef idx="0">
+            <a:schemeClr val="accent1"/>
+          </a:effectRef>
+          <a:fontRef idx="minor">
+            <a:schemeClr val="lt1"/>
+          </a:fontRef>
+        </p:style>
+        <p:txBody>
+          <a:bodyPr rtlCol="0" anchor="ctr"/>
+          <a:lstStyle/>
+          <a:p>
+            <a:pPr algn="ctr"/>
+            <a:endParaRPr lang="es-419"/>
+          </a:p>
+        </p:txBody>
+      </p:sp>
+      <p:cxnSp>
+        <p:nvCxnSpPr>
+          <p:cNvPr id="11" name="Conector recto de flecha 10">
+            <a:extLst>
+              <a:ext uri="{FF2B5EF4-FFF2-40B4-BE49-F238E27FC236}">
+                <a16:creationId xmlns:a16="http://schemas.microsoft.com/office/drawing/2014/main" id="{9734891A-EF53-D715-2B4C-ACF3B3AD64E9}"/>
+              </a:ext>
+            </a:extLst>
+          </p:cNvPr>
+          <p:cNvCxnSpPr/>
+          <p:nvPr/>
+        </p:nvCxnSpPr>
+        <p:spPr>
+          <a:xfrm flipV="1">
+            <a:off x="878681" y="1042988"/>
+            <a:ext cx="928688" cy="821531"/>
+          </a:xfrm>
+          <a:prstGeom prst="straightConnector1">
+            <a:avLst/>
+          </a:prstGeom>
+          <a:ln w="57150">
+            <a:solidFill>
+              <a:schemeClr val="tx1"/>
+            </a:solidFill>
+            <a:tailEnd type="triangle"/>
+          </a:ln>
+        </p:spPr>
+        <p:style>
+          <a:lnRef idx="1">
+            <a:schemeClr val="accent1"/>
+          </a:lnRef>
+          <a:fillRef idx="0">
+            <a:schemeClr val="accent1"/>
+          </a:fillRef>
+          <a:effectRef idx="0">
+            <a:schemeClr val="accent1"/>
+          </a:effectRef>
+          <a:fontRef idx="minor">
+            <a:schemeClr val="tx1"/>
+          </a:fontRef>
+        </p:style>
+      </p:cxnSp>
+      <p:cxnSp>
+        <p:nvCxnSpPr>
+          <p:cNvPr id="13" name="Conector recto de flecha 12">
+            <a:extLst>
+              <a:ext uri="{FF2B5EF4-FFF2-40B4-BE49-F238E27FC236}">
+                <a16:creationId xmlns:a16="http://schemas.microsoft.com/office/drawing/2014/main" id="{4D68CF6F-FE71-3999-8825-CC1DB85F576D}"/>
+              </a:ext>
+            </a:extLst>
+          </p:cNvPr>
+          <p:cNvCxnSpPr>
+            <a:cxnSpLocks/>
+          </p:cNvCxnSpPr>
+          <p:nvPr/>
+        </p:nvCxnSpPr>
+        <p:spPr>
+          <a:xfrm flipV="1">
+            <a:off x="3143250" y="2678906"/>
+            <a:ext cx="1557338" cy="414338"/>
+          </a:xfrm>
+          <a:prstGeom prst="straightConnector1">
+            <a:avLst/>
+          </a:prstGeom>
+          <a:ln w="57150">
+            <a:solidFill>
+              <a:schemeClr val="tx1"/>
+            </a:solidFill>
+            <a:tailEnd type="triangle"/>
+          </a:ln>
+        </p:spPr>
+        <p:style>
+          <a:lnRef idx="1">
+            <a:schemeClr val="accent1"/>
+          </a:lnRef>
+          <a:fillRef idx="0">
+            <a:schemeClr val="accent1"/>
+          </a:fillRef>
+          <a:effectRef idx="0">
+            <a:schemeClr val="accent1"/>
+          </a:effectRef>
+          <a:fontRef idx="minor">
+            <a:schemeClr val="tx1"/>
+          </a:fontRef>
+        </p:style>
+      </p:cxnSp>
+      <p:sp>
+        <p:nvSpPr>
+          <p:cNvPr id="17" name="CuadroTexto 16">
+            <a:extLst>
+              <a:ext uri="{FF2B5EF4-FFF2-40B4-BE49-F238E27FC236}">
+                <a16:creationId xmlns:a16="http://schemas.microsoft.com/office/drawing/2014/main" id="{C2AB9E45-937B-B0A6-950C-C15CEC5A515E}"/>
+              </a:ext>
+            </a:extLst>
+          </p:cNvPr>
+          <p:cNvSpPr txBox="1"/>
+          <p:nvPr/>
+        </p:nvSpPr>
+        <p:spPr>
+          <a:xfrm>
+            <a:off x="1502569" y="673656"/>
+            <a:ext cx="899605" cy="369332"/>
+          </a:xfrm>
+          <a:prstGeom prst="rect">
+            <a:avLst/>
+          </a:prstGeom>
+          <a:noFill/>
+        </p:spPr>
+        <p:txBody>
+          <a:bodyPr wrap="none" rtlCol="0">
+            <a:spAutoFit/>
+          </a:bodyPr>
+          <a:lstStyle/>
+          <a:p>
+            <a:r>
+              <a:rPr lang="es-419" b="1" dirty="0"/>
+              <a:t>NODO</a:t>
+            </a:r>
+          </a:p>
+        </p:txBody>
+      </p:sp>
+      <p:sp>
+        <p:nvSpPr>
+          <p:cNvPr id="18" name="CuadroTexto 17">
+            <a:extLst>
+              <a:ext uri="{FF2B5EF4-FFF2-40B4-BE49-F238E27FC236}">
+                <a16:creationId xmlns:a16="http://schemas.microsoft.com/office/drawing/2014/main" id="{886F117B-FF17-A841-0175-08256CB90615}"/>
+              </a:ext>
+            </a:extLst>
+          </p:cNvPr>
+          <p:cNvSpPr txBox="1"/>
+          <p:nvPr/>
+        </p:nvSpPr>
+        <p:spPr>
+          <a:xfrm>
+            <a:off x="4786312" y="2443163"/>
+            <a:ext cx="2807179" cy="369332"/>
+          </a:xfrm>
+          <a:prstGeom prst="rect">
+            <a:avLst/>
+          </a:prstGeom>
+          <a:noFill/>
+        </p:spPr>
+        <p:txBody>
+          <a:bodyPr wrap="none" rtlCol="0">
+            <a:spAutoFit/>
+          </a:bodyPr>
+          <a:lstStyle/>
+          <a:p>
+            <a:r>
+              <a:rPr lang="es-419" b="1" dirty="0"/>
+              <a:t>Hipervínculo, otro nodo</a:t>
+            </a:r>
+          </a:p>
+        </p:txBody>
+      </p:sp>
+    </p:spTree>
+    <p:extLst>
+      <p:ext uri="{BB962C8B-B14F-4D97-AF65-F5344CB8AC3E}">
+        <p14:creationId xmlns:p14="http://schemas.microsoft.com/office/powerpoint/2010/main" val="56620054"/>
+      </p:ext>
+    </p:extLst>
+  </p:cSld>
+  <p:clrMapOvr>
+    <a:masterClrMapping/>
+  </p:clrMapOvr>
+</p:sld>
+</file>
+
+<file path=ppt/slides/slide6.xml><?xml version="1.0" encoding="utf-8"?>
+<p:sld xmlns:a="http://schemas.openxmlformats.org/drawingml/2006/main" xmlns:r="http://schemas.openxmlformats.org/officeDocument/2006/relationships" xmlns:p="http://schemas.openxmlformats.org/presentationml/2006/main">
+  <p:cSld>
+    <p:bg>
+      <p:bgPr>
+        <a:solidFill>
+          <a:schemeClr val="bg1"/>
+        </a:solidFill>
+        <a:effectLst/>
+      </p:bgPr>
+    </p:bg>
+    <p:spTree>
+      <p:nvGrpSpPr>
+        <p:cNvPr id="1" name="">
+          <a:extLst>
+            <a:ext uri="{FF2B5EF4-FFF2-40B4-BE49-F238E27FC236}">
+              <a16:creationId xmlns:a16="http://schemas.microsoft.com/office/drawing/2014/main" id="{A948D23A-A65F-5095-4407-AF40F68646DA}"/>
+            </a:ext>
+          </a:extLst>
+        </p:cNvPr>
+        <p:cNvGrpSpPr/>
+        <p:nvPr/>
+      </p:nvGrpSpPr>
+      <p:grpSpPr>
+        <a:xfrm>
+          <a:off x="0" y="0"/>
+          <a:ext cx="0" cy="0"/>
+          <a:chOff x="0" y="0"/>
+          <a:chExt cx="0" cy="0"/>
+        </a:xfrm>
+      </p:grpSpPr>
+      <p:sp useBgFill="1">
+        <p:nvSpPr>
+          <p:cNvPr id="10" name="Rectangle 9">
+            <a:extLst>
+              <a:ext uri="{FF2B5EF4-FFF2-40B4-BE49-F238E27FC236}">
+                <a16:creationId xmlns:a16="http://schemas.microsoft.com/office/drawing/2014/main" id="{7DFFAC2D-4C80-4B53-41CD-6F3B86FEC853}"/>
+              </a:ext>
+              <a:ext uri="{C183D7F6-B498-43B3-948B-1728B52AA6E4}">
+                <adec:decorative xmlns:adec="http://schemas.microsoft.com/office/drawing/2017/decorative" val="1"/>
+              </a:ext>
+            </a:extLst>
+          </p:cNvPr>
+          <p:cNvSpPr>
+            <a:spLocks noGrp="1" noRot="1" noChangeAspect="1" noMove="1" noResize="1" noEditPoints="1" noAdjustHandles="1" noChangeArrowheads="1" noChangeShapeType="1" noTextEdit="1"/>
+          </p:cNvSpPr>
+          <p:nvPr>
+            <p:extLst>
+              <p:ext uri="{386F3935-93C4-4BCD-93E2-E3B085C9AB24}">
+                <p16:designElem xmlns:p16="http://schemas.microsoft.com/office/powerpoint/2015/main" val="1"/>
+              </p:ext>
+            </p:extLst>
+          </p:nvPr>
+        </p:nvSpPr>
+        <p:spPr>
+          <a:xfrm>
+            <a:off x="0" y="0"/>
+            <a:ext cx="12192000" cy="6858000"/>
+          </a:xfrm>
+          <a:prstGeom prst="rect">
+            <a:avLst/>
+          </a:prstGeom>
+          <a:ln w="12700" cap="flat" cmpd="sng" algn="ctr">
+            <a:noFill/>
+            <a:prstDash val="solid"/>
+            <a:miter lim="800000"/>
+          </a:ln>
+          <a:effectLst/>
+          <a:extLst>
+            <a:ext uri="{91240B29-F687-4F45-9708-019B960494DF}">
+              <a14:hiddenLine xmlns:a14="http://schemas.microsoft.com/office/drawing/2010/main" w="12700" cap="flat" cmpd="sng" algn="ctr">
+                <a:solidFill>
+                  <a:schemeClr val="accent1">
+                    <a:shade val="15000"/>
+                  </a:schemeClr>
+                </a:solidFill>
+                <a:prstDash val="solid"/>
+                <a:miter lim="800000"/>
+              </a14:hiddenLine>
+            </a:ext>
+          </a:extLst>
+        </p:spPr>
+        <p:style>
+          <a:lnRef idx="2">
+            <a:schemeClr val="accent1">
+              <a:shade val="15000"/>
+            </a:schemeClr>
+          </a:lnRef>
+          <a:fillRef idx="1">
+            <a:schemeClr val="accent1"/>
+          </a:fillRef>
+          <a:effectRef idx="0">
+            <a:schemeClr val="accent1"/>
+          </a:effectRef>
+          <a:fontRef idx="minor">
+            <a:schemeClr val="lt1"/>
+          </a:fontRef>
+        </p:style>
+        <p:txBody>
+          <a:bodyPr rtlCol="0" anchor="ctr"/>
+          <a:lstStyle/>
+          <a:p>
+            <a:pPr algn="ctr"/>
+            <a:endParaRPr lang="en-US"/>
+          </a:p>
+        </p:txBody>
+      </p:sp>
+      <p:sp>
+        <p:nvSpPr>
+          <p:cNvPr id="2" name="Título 1">
+            <a:extLst>
+              <a:ext uri="{FF2B5EF4-FFF2-40B4-BE49-F238E27FC236}">
+                <a16:creationId xmlns:a16="http://schemas.microsoft.com/office/drawing/2014/main" id="{F4A9BCE1-E800-E32F-51CA-049DDDA319F7}"/>
+              </a:ext>
+            </a:extLst>
+          </p:cNvPr>
+          <p:cNvSpPr>
+            <a:spLocks noGrp="1"/>
+          </p:cNvSpPr>
+          <p:nvPr>
+            <p:ph type="title"/>
+          </p:nvPr>
+        </p:nvSpPr>
+        <p:spPr>
+          <a:xfrm>
+            <a:off x="614678" y="322499"/>
+            <a:ext cx="5105401" cy="873760"/>
+          </a:xfrm>
+        </p:spPr>
+        <p:txBody>
+          <a:bodyPr anchor="t">
+            <a:normAutofit/>
+          </a:bodyPr>
+          <a:lstStyle/>
+          <a:p>
+            <a:r>
+              <a:rPr lang="es-CL" dirty="0"/>
+              <a:t>Modelos y algoritmos</a:t>
+            </a:r>
+          </a:p>
+        </p:txBody>
+      </p:sp>
+      <p:sp>
+        <p:nvSpPr>
+          <p:cNvPr id="3" name="Marcador de contenido 2">
+            <a:extLst>
+              <a:ext uri="{FF2B5EF4-FFF2-40B4-BE49-F238E27FC236}">
+                <a16:creationId xmlns:a16="http://schemas.microsoft.com/office/drawing/2014/main" id="{D828688F-5F28-B67F-8AE8-F922EDE4ED03}"/>
+              </a:ext>
+            </a:extLst>
+          </p:cNvPr>
+          <p:cNvSpPr>
+            <a:spLocks noGrp="1"/>
+          </p:cNvSpPr>
+          <p:nvPr>
+            <p:ph idx="1"/>
+          </p:nvPr>
+        </p:nvSpPr>
+        <p:spPr>
+          <a:xfrm>
+            <a:off x="325117" y="1117599"/>
+            <a:ext cx="5684522" cy="1961374"/>
+          </a:xfrm>
+        </p:spPr>
+        <p:txBody>
+          <a:bodyPr anchor="t">
+            <a:normAutofit lnSpcReduction="10000"/>
+          </a:bodyPr>
+          <a:lstStyle/>
+          <a:p>
+            <a:pPr>
+              <a:lnSpc>
+                <a:spcPct val="110000"/>
+              </a:lnSpc>
+            </a:pPr>
+            <a:r>
+              <a:rPr lang="es-ES" sz="1100" b="1" dirty="0"/>
+              <a:t>1. </a:t>
+            </a:r>
+            <a:r>
+              <a:rPr lang="es-ES" sz="1100" b="1" dirty="0" err="1"/>
+              <a:t>Louvain</a:t>
+            </a:r>
+            <a:r>
+              <a:rPr lang="es-ES" sz="1100" b="1" dirty="0"/>
+              <a:t> (optimización de modularidad)</a:t>
+            </a:r>
+          </a:p>
+          <a:p>
+            <a:r>
+              <a:rPr lang="es-ES" sz="1100" dirty="0"/>
+              <a:t>El Método de </a:t>
+            </a:r>
+            <a:r>
+              <a:rPr lang="es-ES" sz="1100" dirty="0" err="1"/>
+              <a:t>Louvain</a:t>
+            </a:r>
+            <a:r>
+              <a:rPr lang="es-ES" sz="1100" dirty="0"/>
+              <a:t> es un algoritmo </a:t>
+            </a:r>
+            <a:r>
+              <a:rPr lang="es-ES" sz="1100" b="1" dirty="0"/>
+              <a:t>heurístico</a:t>
+            </a:r>
+            <a:r>
+              <a:rPr lang="es-ES" sz="1100" dirty="0"/>
+              <a:t> y </a:t>
+            </a:r>
+            <a:r>
+              <a:rPr lang="es-ES" sz="1100" b="1" dirty="0" err="1"/>
+              <a:t>greedy</a:t>
+            </a:r>
+            <a:r>
+              <a:rPr lang="es-ES" sz="1100" dirty="0"/>
+              <a:t> diseñado para detectar comunidades en redes grandes mediante la optimización de la modularidad. Fue desarrollado por Blondel et al. en 2008 en la Universidad Católica de Lovaina, Bélgica. Es especialmente valorado por su eficiencia computacional y capacidad para procesar redes con millones de nodos.</a:t>
+            </a:r>
+          </a:p>
+          <a:p>
+            <a:pPr>
+              <a:lnSpc>
+                <a:spcPct val="110000"/>
+              </a:lnSpc>
+            </a:pPr>
+            <a:r>
+              <a:rPr lang="es-ES" sz="1100" dirty="0"/>
+              <a:t>Se basa en la </a:t>
+            </a:r>
+            <a:r>
+              <a:rPr lang="es-ES" sz="1100" b="1" dirty="0"/>
+              <a:t>maximización de la modularidad Q</a:t>
+            </a:r>
+            <a:r>
+              <a:rPr lang="es-ES" sz="1100" dirty="0"/>
+              <a:t>, una medida que cuantifica la calidad de una partición de la red en comunidades:</a:t>
+            </a:r>
+            <a:br>
+              <a:rPr lang="es-ES" sz="1100" dirty="0"/>
+            </a:br>
+            <a:endParaRPr lang="es-ES" sz="1100" dirty="0"/>
+          </a:p>
+        </p:txBody>
+      </p:sp>
+      <p:sp>
+        <p:nvSpPr>
+          <p:cNvPr id="12" name="CuadroTexto 11">
+            <a:extLst>
+              <a:ext uri="{FF2B5EF4-FFF2-40B4-BE49-F238E27FC236}">
+                <a16:creationId xmlns:a16="http://schemas.microsoft.com/office/drawing/2014/main" id="{BF8DC16F-AB9A-1237-81E4-C310FB2FE61F}"/>
+              </a:ext>
+            </a:extLst>
+          </p:cNvPr>
+          <p:cNvSpPr txBox="1"/>
+          <p:nvPr/>
+        </p:nvSpPr>
+        <p:spPr>
+          <a:xfrm>
+            <a:off x="6136423" y="3574581"/>
+            <a:ext cx="6055577" cy="2308324"/>
+          </a:xfrm>
+          <a:prstGeom prst="rect">
+            <a:avLst/>
+          </a:prstGeom>
+          <a:noFill/>
+        </p:spPr>
+        <p:txBody>
+          <a:bodyPr wrap="square">
+            <a:spAutoFit/>
+          </a:bodyPr>
+          <a:lstStyle/>
+          <a:p>
+            <a:pPr>
+              <a:buNone/>
+            </a:pPr>
+            <a:r>
+              <a:rPr lang="es-ES" sz="1200" b="1" dirty="0"/>
+              <a:t>Rango de la Modularidad</a:t>
+            </a:r>
+          </a:p>
+          <a:p>
+            <a:pPr>
+              <a:buNone/>
+            </a:pPr>
+            <a:r>
+              <a:rPr lang="es-ES" sz="1200" b="1" dirty="0"/>
+              <a:t>Q ∈ [-0.5, 1]</a:t>
+            </a:r>
+            <a:endParaRPr lang="es-ES" sz="1200" dirty="0"/>
+          </a:p>
+          <a:p>
+            <a:pPr>
+              <a:buNone/>
+            </a:pPr>
+            <a:r>
+              <a:rPr lang="es-ES" sz="1200" b="1" dirty="0"/>
+              <a:t>Interpretación:</a:t>
+            </a:r>
+          </a:p>
+          <a:p>
+            <a:pPr>
+              <a:buFont typeface="Arial" panose="020B0604020202020204" pitchFamily="34" charset="0"/>
+              <a:buChar char="•"/>
+            </a:pPr>
+            <a:r>
+              <a:rPr lang="es-ES" sz="1200" b="1" dirty="0"/>
+              <a:t>Q &gt; 0</a:t>
+            </a:r>
+            <a:r>
+              <a:rPr lang="es-ES" sz="1200" dirty="0"/>
+              <a:t>: Existe estructura comunitaria. Hay más conexiones dentro de las comunidades de lo esperado por azar.</a:t>
+            </a:r>
+          </a:p>
+          <a:p>
+            <a:pPr>
+              <a:buFont typeface="Arial" panose="020B0604020202020204" pitchFamily="34" charset="0"/>
+              <a:buChar char="•"/>
+            </a:pPr>
+            <a:r>
+              <a:rPr lang="es-ES" sz="1200" b="1" dirty="0"/>
+              <a:t>Q ≈ 0</a:t>
+            </a:r>
+            <a:r>
+              <a:rPr lang="es-ES" sz="1200" dirty="0"/>
+              <a:t>: No hay estructura comunitaria significativa. Las conexiones son aleatorias.</a:t>
+            </a:r>
+          </a:p>
+          <a:p>
+            <a:pPr>
+              <a:buFont typeface="Arial" panose="020B0604020202020204" pitchFamily="34" charset="0"/>
+              <a:buChar char="•"/>
+            </a:pPr>
+            <a:r>
+              <a:rPr lang="es-ES" sz="1200" b="1" dirty="0"/>
+              <a:t>Q &lt; 0</a:t>
+            </a:r>
+            <a:r>
+              <a:rPr lang="es-ES" sz="1200" dirty="0"/>
+              <a:t>: Hay menos conexiones dentro de las comunidades de lo esperado por azar (</a:t>
+            </a:r>
+            <a:r>
+              <a:rPr lang="es-ES" sz="1200" dirty="0" err="1"/>
+              <a:t>anti-comunidades</a:t>
+            </a:r>
+            <a:r>
+              <a:rPr lang="es-ES" sz="1200" dirty="0"/>
+              <a:t>). Esto es raro en redes reales.</a:t>
+            </a:r>
+          </a:p>
+          <a:p>
+            <a:pPr>
+              <a:buNone/>
+            </a:pPr>
+            <a:r>
+              <a:rPr lang="es-ES" sz="1200" b="1" dirty="0"/>
+              <a:t>Valores típicos en la práctica:</a:t>
+            </a:r>
+          </a:p>
+          <a:p>
+            <a:pPr>
+              <a:buFont typeface="Arial" panose="020B0604020202020204" pitchFamily="34" charset="0"/>
+              <a:buChar char="•"/>
+            </a:pPr>
+            <a:r>
+              <a:rPr lang="es-ES" sz="1200" b="1" dirty="0"/>
+              <a:t>Q entre 0.3 y 0.7</a:t>
+            </a:r>
+            <a:r>
+              <a:rPr lang="es-ES" sz="1200" dirty="0"/>
+              <a:t>: Estructura comunitaria significativa (común en redes reales)</a:t>
+            </a:r>
+          </a:p>
+          <a:p>
+            <a:pPr>
+              <a:buFont typeface="Arial" panose="020B0604020202020204" pitchFamily="34" charset="0"/>
+              <a:buChar char="•"/>
+            </a:pPr>
+            <a:r>
+              <a:rPr lang="es-ES" sz="1200" b="1" dirty="0"/>
+              <a:t>Q &gt; 0.7</a:t>
+            </a:r>
+            <a:r>
+              <a:rPr lang="es-ES" sz="1200" dirty="0"/>
+              <a:t>: Estructura comunitaria muy fuerte</a:t>
+            </a:r>
+          </a:p>
+          <a:p>
+            <a:pPr>
+              <a:buFont typeface="Arial" panose="020B0604020202020204" pitchFamily="34" charset="0"/>
+              <a:buChar char="•"/>
+            </a:pPr>
+            <a:r>
+              <a:rPr lang="es-ES" sz="1200" b="1" dirty="0"/>
+              <a:t>Q &lt; 0.3</a:t>
+            </a:r>
+            <a:r>
+              <a:rPr lang="es-ES" sz="1200" dirty="0"/>
+              <a:t>: Estructura comunitaria débil o ausente</a:t>
+            </a:r>
+          </a:p>
+        </p:txBody>
+      </p:sp>
+      <p:pic>
+        <p:nvPicPr>
+          <p:cNvPr id="16" name="Gráfico 15">
+            <a:extLst>
+              <a:ext uri="{FF2B5EF4-FFF2-40B4-BE49-F238E27FC236}">
+                <a16:creationId xmlns:a16="http://schemas.microsoft.com/office/drawing/2014/main" id="{2A04987A-04F3-4EAB-ADC8-BB3F8780CFFC}"/>
+              </a:ext>
+            </a:extLst>
+          </p:cNvPr>
+          <p:cNvPicPr>
+            <a:picLocks noChangeAspect="1"/>
+          </p:cNvPicPr>
+          <p:nvPr/>
+        </p:nvPicPr>
+        <p:blipFill>
+          <a:blip r:embed="rId2">
+            <a:extLst>
+              <a:ext uri="{96DAC541-7B7A-43D3-8B79-37D633B846F1}">
+                <asvg:svgBlip xmlns:asvg="http://schemas.microsoft.com/office/drawing/2016/SVG/main" r:embed="rId3"/>
+              </a:ext>
+            </a:extLst>
+          </a:blip>
+          <a:stretch>
+            <a:fillRect/>
+          </a:stretch>
+        </p:blipFill>
+        <p:spPr>
+          <a:xfrm>
+            <a:off x="1619969" y="3165006"/>
+            <a:ext cx="1952625" cy="409575"/>
+          </a:xfrm>
+          <a:prstGeom prst="rect">
+            <a:avLst/>
+          </a:prstGeom>
+        </p:spPr>
+      </p:pic>
+      <p:pic>
+        <p:nvPicPr>
+          <p:cNvPr id="18" name="Imagen 17">
+            <a:extLst>
+              <a:ext uri="{FF2B5EF4-FFF2-40B4-BE49-F238E27FC236}">
+                <a16:creationId xmlns:a16="http://schemas.microsoft.com/office/drawing/2014/main" id="{614CF35A-102B-E73C-1829-6C42BA22536A}"/>
+              </a:ext>
+            </a:extLst>
+          </p:cNvPr>
+          <p:cNvPicPr>
+            <a:picLocks noChangeAspect="1"/>
+          </p:cNvPicPr>
+          <p:nvPr/>
+        </p:nvPicPr>
+        <p:blipFill>
+          <a:blip r:embed="rId4"/>
+          <a:stretch>
+            <a:fillRect/>
+          </a:stretch>
+        </p:blipFill>
+        <p:spPr>
+          <a:xfrm>
+            <a:off x="6182363" y="901576"/>
+            <a:ext cx="4972994" cy="2393420"/>
+          </a:xfrm>
+          <a:prstGeom prst="rect">
+            <a:avLst/>
+          </a:prstGeom>
+        </p:spPr>
+      </p:pic>
+      <p:pic>
+        <p:nvPicPr>
+          <p:cNvPr id="20" name="Imagen 19">
+            <a:extLst>
+              <a:ext uri="{FF2B5EF4-FFF2-40B4-BE49-F238E27FC236}">
+                <a16:creationId xmlns:a16="http://schemas.microsoft.com/office/drawing/2014/main" id="{2FABF32F-D9C1-407D-79FD-0DFFC0AA0878}"/>
+              </a:ext>
+            </a:extLst>
+          </p:cNvPr>
+          <p:cNvPicPr>
+            <a:picLocks noChangeAspect="1"/>
+          </p:cNvPicPr>
+          <p:nvPr/>
+        </p:nvPicPr>
+        <p:blipFill>
+          <a:blip r:embed="rId5"/>
+          <a:stretch>
+            <a:fillRect/>
+          </a:stretch>
+        </p:blipFill>
+        <p:spPr>
+          <a:xfrm>
+            <a:off x="589366" y="3017122"/>
+            <a:ext cx="3991752" cy="3692994"/>
+          </a:xfrm>
+          <a:prstGeom prst="rect">
+            <a:avLst/>
+          </a:prstGeom>
+        </p:spPr>
+      </p:pic>
+    </p:spTree>
+    <p:extLst>
+      <p:ext uri="{BB962C8B-B14F-4D97-AF65-F5344CB8AC3E}">
+        <p14:creationId xmlns:p14="http://schemas.microsoft.com/office/powerpoint/2010/main" val="2077003669"/>
+      </p:ext>
+    </p:extLst>
+  </p:cSld>
+  <p:clrMapOvr>
+    <a:masterClrMapping/>
+  </p:clrMapOvr>
+</p:sld>
+</file>
+
+<file path=ppt/slides/slide7.xml><?xml version="1.0" encoding="utf-8"?>
+<p:sld xmlns:a="http://schemas.openxmlformats.org/drawingml/2006/main" xmlns:r="http://schemas.openxmlformats.org/officeDocument/2006/relationships" xmlns:p="http://schemas.openxmlformats.org/presentationml/2006/main">
+  <p:cSld>
+    <p:spTree>
+      <p:nvGrpSpPr>
+        <p:cNvPr id="1" name=""/>
+        <p:cNvGrpSpPr/>
+        <p:nvPr/>
+      </p:nvGrpSpPr>
+      <p:grpSpPr>
+        <a:xfrm>
+          <a:off x="0" y="0"/>
+          <a:ext cx="0" cy="0"/>
+          <a:chOff x="0" y="0"/>
+          <a:chExt cx="0" cy="0"/>
+        </a:xfrm>
+      </p:grpSpPr>
+      <p:sp>
+        <p:nvSpPr>
+          <p:cNvPr id="3" name="Marcador de contenido 2">
+            <a:extLst>
+              <a:ext uri="{FF2B5EF4-FFF2-40B4-BE49-F238E27FC236}">
+                <a16:creationId xmlns:a16="http://schemas.microsoft.com/office/drawing/2014/main" id="{B6495D94-85CB-191D-AA4A-20B254D40D52}"/>
+              </a:ext>
+            </a:extLst>
+          </p:cNvPr>
+          <p:cNvSpPr>
+            <a:spLocks noGrp="1"/>
+          </p:cNvSpPr>
+          <p:nvPr>
+            <p:ph idx="1"/>
+          </p:nvPr>
+        </p:nvSpPr>
+        <p:spPr>
+          <a:xfrm>
+            <a:off x="421873" y="643250"/>
+            <a:ext cx="10653579" cy="4593828"/>
+          </a:xfrm>
+        </p:spPr>
+        <p:txBody>
+          <a:bodyPr/>
+          <a:lstStyle/>
+          <a:p>
+            <a:r>
+              <a:rPr lang="es-ES" b="1" dirty="0"/>
+              <a:t>Supuestos del Modelo </a:t>
+            </a:r>
+            <a:r>
+              <a:rPr lang="es-ES" b="1" dirty="0" err="1"/>
+              <a:t>Louvain</a:t>
+            </a:r>
+            <a:endParaRPr lang="es-ES" b="1" dirty="0"/>
+          </a:p>
+          <a:p>
+            <a:r>
+              <a:rPr lang="es-ES" b="1" dirty="0"/>
+              <a:t>Red no dirigida</a:t>
+            </a:r>
+            <a:r>
+              <a:rPr lang="es-ES" dirty="0"/>
+              <a:t>: el algoritmo original trabaja con grafos no dirigidos (aunque existen extensiones para grafos dirigidos)</a:t>
+            </a:r>
+          </a:p>
+          <a:p>
+            <a:r>
+              <a:rPr lang="es-ES" b="1" dirty="0"/>
+              <a:t>Modularidad como métrica óptima</a:t>
+            </a:r>
+            <a:r>
+              <a:rPr lang="es-ES" dirty="0"/>
+              <a:t>: asume que una alta modularidad refleja una buena división en comunidades</a:t>
+            </a:r>
+          </a:p>
+          <a:p>
+            <a:r>
+              <a:rPr lang="es-ES" b="1" dirty="0"/>
+              <a:t>Estructura comunitaria jerárquica</a:t>
+            </a:r>
+            <a:r>
+              <a:rPr lang="es-ES" dirty="0"/>
+              <a:t>: presupone que las redes tienen organización a múltiples escalas</a:t>
+            </a:r>
+          </a:p>
+          <a:p>
+            <a:r>
+              <a:rPr lang="es-ES" b="1" dirty="0"/>
+              <a:t>Conexiones locales significativas</a:t>
+            </a:r>
+            <a:r>
+              <a:rPr lang="es-ES" dirty="0"/>
+              <a:t>: los nodos tienden a formar grupos densamente conectados</a:t>
+            </a:r>
+          </a:p>
+          <a:p>
+            <a:endParaRPr lang="es-419" dirty="0"/>
+          </a:p>
+        </p:txBody>
+      </p:sp>
+    </p:spTree>
+    <p:extLst>
+      <p:ext uri="{BB962C8B-B14F-4D97-AF65-F5344CB8AC3E}">
+        <p14:creationId xmlns:p14="http://schemas.microsoft.com/office/powerpoint/2010/main" val="2584277965"/>
+      </p:ext>
+    </p:extLst>
+  </p:cSld>
+  <p:clrMapOvr>
+    <a:masterClrMapping/>
+  </p:clrMapOvr>
+</p:sld>
+</file>
+
+<file path=ppt/slides/slide8.xml><?xml version="1.0" encoding="utf-8"?>
+<p:sld xmlns:a="http://schemas.openxmlformats.org/drawingml/2006/main" xmlns:r="http://schemas.openxmlformats.org/officeDocument/2006/relationships" xmlns:p="http://schemas.openxmlformats.org/presentationml/2006/main">
+  <p:cSld>
+    <p:spTree>
+      <p:nvGrpSpPr>
+        <p:cNvPr id="1" name=""/>
+        <p:cNvGrpSpPr/>
+        <p:nvPr/>
+      </p:nvGrpSpPr>
+      <p:grpSpPr>
+        <a:xfrm>
+          <a:off x="0" y="0"/>
+          <a:ext cx="0" cy="0"/>
+          <a:chOff x="0" y="0"/>
+          <a:chExt cx="0" cy="0"/>
+        </a:xfrm>
+      </p:grpSpPr>
+      <p:pic>
+        <p:nvPicPr>
+          <p:cNvPr id="9" name="Imagen 8" descr="Diagrama&#10;&#10;El contenido generado por IA puede ser incorrecto.">
+            <a:extLst>
+              <a:ext uri="{FF2B5EF4-FFF2-40B4-BE49-F238E27FC236}">
+                <a16:creationId xmlns:a16="http://schemas.microsoft.com/office/drawing/2014/main" id="{A71DD61D-EEC3-9C1D-01A7-215A5604ABAD}"/>
+              </a:ext>
+            </a:extLst>
+          </p:cNvPr>
+          <p:cNvPicPr>
+            <a:picLocks noChangeAspect="1"/>
+          </p:cNvPicPr>
+          <p:nvPr/>
+        </p:nvPicPr>
+        <p:blipFill>
+          <a:blip r:embed="rId3">
+            <a:extLst>
+              <a:ext uri="{28A0092B-C50C-407E-A947-70E740481C1C}">
+                <a14:useLocalDpi xmlns:a14="http://schemas.microsoft.com/office/drawing/2010/main" val="0"/>
+              </a:ext>
+            </a:extLst>
+          </a:blip>
+          <a:stretch>
+            <a:fillRect/>
+          </a:stretch>
+        </p:blipFill>
+        <p:spPr>
+          <a:xfrm>
+            <a:off x="2296660" y="0"/>
+            <a:ext cx="7598679" cy="3118110"/>
+          </a:xfrm>
+          <a:prstGeom prst="rect">
+            <a:avLst/>
+          </a:prstGeom>
+        </p:spPr>
+      </p:pic>
+      <p:pic>
+        <p:nvPicPr>
+          <p:cNvPr id="2050" name="Picture 2">
+            <a:extLst>
+              <a:ext uri="{FF2B5EF4-FFF2-40B4-BE49-F238E27FC236}">
+                <a16:creationId xmlns:a16="http://schemas.microsoft.com/office/drawing/2014/main" id="{C71561DB-79D7-C5AE-41AE-E4DBAFE2E916}"/>
+              </a:ext>
+            </a:extLst>
+          </p:cNvPr>
+          <p:cNvPicPr>
+            <a:picLocks noChangeAspect="1" noChangeArrowheads="1"/>
+          </p:cNvPicPr>
+          <p:nvPr/>
+        </p:nvPicPr>
+        <p:blipFill>
+          <a:blip r:embed="rId4">
+            <a:extLst>
+              <a:ext uri="{28A0092B-C50C-407E-A947-70E740481C1C}">
+                <a14:useLocalDpi xmlns:a14="http://schemas.microsoft.com/office/drawing/2010/main" val="0"/>
+              </a:ext>
+            </a:extLst>
+          </a:blip>
+          <a:srcRect/>
+          <a:stretch>
+            <a:fillRect/>
+          </a:stretch>
+        </p:blipFill>
+        <p:spPr bwMode="auto">
+          <a:xfrm>
+            <a:off x="3232185" y="3200208"/>
+            <a:ext cx="5727627" cy="3600223"/>
+          </a:xfrm>
+          <a:prstGeom prst="rect">
+            <a:avLst/>
+          </a:prstGeom>
+          <a:noFill/>
+          <a:extLst>
+            <a:ext uri="{909E8E84-426E-40DD-AFC4-6F175D3DCCD1}">
+              <a14:hiddenFill xmlns:a14="http://schemas.microsoft.com/office/drawing/2010/main">
+                <a:solidFill>
+                  <a:srgbClr val="FFFFFF"/>
+                </a:solidFill>
+              </a14:hiddenFill>
+            </a:ext>
+          </a:extLst>
+        </p:spPr>
+      </p:pic>
+      <p:cxnSp>
+        <p:nvCxnSpPr>
+          <p:cNvPr id="11" name="Conector: curvado 10">
+            <a:extLst>
+              <a:ext uri="{FF2B5EF4-FFF2-40B4-BE49-F238E27FC236}">
+                <a16:creationId xmlns:a16="http://schemas.microsoft.com/office/drawing/2014/main" id="{DC73F1D2-A4DA-C232-91E3-F8F09775E0DD}"/>
+              </a:ext>
+            </a:extLst>
+          </p:cNvPr>
+          <p:cNvCxnSpPr>
+            <a:stCxn id="2050" idx="1"/>
+            <a:endCxn id="9" idx="1"/>
+          </p:cNvCxnSpPr>
+          <p:nvPr/>
+        </p:nvCxnSpPr>
+        <p:spPr>
+          <a:xfrm rot="10800000">
+            <a:off x="2296661" y="1559056"/>
+            <a:ext cx="935525" cy="3441265"/>
+          </a:xfrm>
+          <a:prstGeom prst="curvedConnector3">
+            <a:avLst>
+              <a:gd name="adj1" fmla="val 254523"/>
+            </a:avLst>
+          </a:prstGeom>
+          <a:ln w="57150">
+            <a:solidFill>
+              <a:schemeClr val="tx1"/>
+            </a:solidFill>
+            <a:tailEnd type="triangle"/>
+          </a:ln>
+        </p:spPr>
+        <p:style>
+          <a:lnRef idx="1">
+            <a:schemeClr val="accent1"/>
+          </a:lnRef>
+          <a:fillRef idx="0">
+            <a:schemeClr val="accent1"/>
+          </a:fillRef>
+          <a:effectRef idx="0">
+            <a:schemeClr val="accent1"/>
+          </a:effectRef>
+          <a:fontRef idx="minor">
+            <a:schemeClr val="tx1"/>
+          </a:fontRef>
+        </p:style>
+      </p:cxnSp>
+      <p:cxnSp>
+        <p:nvCxnSpPr>
+          <p:cNvPr id="14" name="Conector: curvado 13">
+            <a:extLst>
+              <a:ext uri="{FF2B5EF4-FFF2-40B4-BE49-F238E27FC236}">
+                <a16:creationId xmlns:a16="http://schemas.microsoft.com/office/drawing/2014/main" id="{EF4388F9-2A70-D32D-46B4-17D90C76AE90}"/>
+              </a:ext>
+            </a:extLst>
+          </p:cNvPr>
+          <p:cNvCxnSpPr>
+            <a:cxnSpLocks/>
+            <a:stCxn id="9" idx="3"/>
+            <a:endCxn id="2050" idx="3"/>
+          </p:cNvCxnSpPr>
+          <p:nvPr/>
+        </p:nvCxnSpPr>
+        <p:spPr>
+          <a:xfrm flipH="1">
+            <a:off x="8959812" y="1559055"/>
+            <a:ext cx="935527" cy="3441265"/>
+          </a:xfrm>
+          <a:prstGeom prst="curvedConnector3">
+            <a:avLst>
+              <a:gd name="adj1" fmla="val -136240"/>
+            </a:avLst>
+          </a:prstGeom>
+          <a:ln w="57150">
+            <a:solidFill>
+              <a:schemeClr val="tx1"/>
+            </a:solidFill>
+            <a:tailEnd type="triangle"/>
+          </a:ln>
+        </p:spPr>
+        <p:style>
+          <a:lnRef idx="1">
+            <a:schemeClr val="accent1"/>
+          </a:lnRef>
+          <a:fillRef idx="0">
+            <a:schemeClr val="accent1"/>
+          </a:fillRef>
+          <a:effectRef idx="0">
+            <a:schemeClr val="accent1"/>
+          </a:effectRef>
+          <a:fontRef idx="minor">
+            <a:schemeClr val="tx1"/>
+          </a:fontRef>
+        </p:style>
+      </p:cxnSp>
+    </p:spTree>
+    <p:extLst>
+      <p:ext uri="{BB962C8B-B14F-4D97-AF65-F5344CB8AC3E}">
+        <p14:creationId xmlns:p14="http://schemas.microsoft.com/office/powerpoint/2010/main" val="2809239056"/>
+      </p:ext>
+    </p:extLst>
+  </p:cSld>
+  <p:clrMapOvr>
+    <a:masterClrMapping/>
+  </p:clrMapOvr>
+</p:sld>
+</file>
+
+<file path=ppt/slides/slide9.xml><?xml version="1.0" encoding="utf-8"?>
+<p:sld xmlns:a="http://schemas.openxmlformats.org/drawingml/2006/main" xmlns:r="http://schemas.openxmlformats.org/officeDocument/2006/relationships" xmlns:p="http://schemas.openxmlformats.org/presentationml/2006/main">
+  <p:cSld>
+    <p:spTree>
+      <p:nvGrpSpPr>
+        <p:cNvPr id="1" name=""/>
+        <p:cNvGrpSpPr/>
+        <p:nvPr/>
+      </p:nvGrpSpPr>
+      <p:grpSpPr>
+        <a:xfrm>
+          <a:off x="0" y="0"/>
+          <a:ext cx="0" cy="0"/>
+          <a:chOff x="0" y="0"/>
+          <a:chExt cx="0" cy="0"/>
+        </a:xfrm>
+      </p:grpSpPr>
+      <p:pic>
+        <p:nvPicPr>
+          <p:cNvPr id="5" name="Imagen 4">
+            <a:extLst>
+              <a:ext uri="{FF2B5EF4-FFF2-40B4-BE49-F238E27FC236}">
+                <a16:creationId xmlns:a16="http://schemas.microsoft.com/office/drawing/2014/main" id="{470B6156-D008-BBDC-043C-11F692701585}"/>
+              </a:ext>
+            </a:extLst>
+          </p:cNvPr>
+          <p:cNvPicPr>
+            <a:picLocks noChangeAspect="1"/>
+          </p:cNvPicPr>
+          <p:nvPr/>
+        </p:nvPicPr>
+        <p:blipFill>
+          <a:blip r:embed="rId2">
+            <a:extLst>
+              <a:ext uri="{28A0092B-C50C-407E-A947-70E740481C1C}">
+                <a14:useLocalDpi xmlns:a14="http://schemas.microsoft.com/office/drawing/2010/main" val="0"/>
+              </a:ext>
+            </a:extLst>
+          </a:blip>
+          <a:stretch>
+            <a:fillRect/>
+          </a:stretch>
+        </p:blipFill>
+        <p:spPr>
+          <a:xfrm>
+            <a:off x="1369119" y="0"/>
+            <a:ext cx="9453761" cy="6858000"/>
+          </a:xfrm>
+          <a:prstGeom prst="rect">
+            <a:avLst/>
+          </a:prstGeom>
+        </p:spPr>
+      </p:pic>
+    </p:spTree>
+    <p:extLst>
+      <p:ext uri="{BB962C8B-B14F-4D97-AF65-F5344CB8AC3E}">
+        <p14:creationId xmlns:p14="http://schemas.microsoft.com/office/powerpoint/2010/main" val="3581460230"/>
       </p:ext>
     </p:extLst>
   </p:cSld>
@@ -7407,4 +13816,319 @@
     </a:ext>
   </a:extLst>
 </a:theme>
+</file>
+
+<file path=ppt/theme/theme2.xml><?xml version="1.0" encoding="utf-8"?>
+<a:theme xmlns:a="http://schemas.openxmlformats.org/drawingml/2006/main" name="Tema de Office">
+  <a:themeElements>
+    <a:clrScheme name="Office">
+      <a:dk1>
+        <a:sysClr val="windowText" lastClr="000000"/>
+      </a:dk1>
+      <a:lt1>
+        <a:sysClr val="window" lastClr="FFFFFF"/>
+      </a:lt1>
+      <a:dk2>
+        <a:srgbClr val="0E2841"/>
+      </a:dk2>
+      <a:lt2>
+        <a:srgbClr val="E8E8E8"/>
+      </a:lt2>
+      <a:accent1>
+        <a:srgbClr val="156082"/>
+      </a:accent1>
+      <a:accent2>
+        <a:srgbClr val="E97132"/>
+      </a:accent2>
+      <a:accent3>
+        <a:srgbClr val="196B24"/>
+      </a:accent3>
+      <a:accent4>
+        <a:srgbClr val="0F9ED5"/>
+      </a:accent4>
+      <a:accent5>
+        <a:srgbClr val="A02B93"/>
+      </a:accent5>
+      <a:accent6>
+        <a:srgbClr val="4EA72E"/>
+      </a:accent6>
+      <a:hlink>
+        <a:srgbClr val="467886"/>
+      </a:hlink>
+      <a:folHlink>
+        <a:srgbClr val="96607D"/>
+      </a:folHlink>
+    </a:clrScheme>
+    <a:fontScheme name="Office">
+      <a:majorFont>
+        <a:latin typeface="Aptos Display" panose="02110004020202020204"/>
+        <a:ea typeface=""/>
+        <a:cs typeface=""/>
+        <a:font script="Jpan" typeface="游ゴシック Light"/>
+        <a:font script="Hang" typeface="맑은 고딕"/>
+        <a:font script="Hans" typeface="等线 Light"/>
+        <a:font script="Hant" typeface="新細明體"/>
+        <a:font script="Arab" typeface="Times New Roman"/>
+        <a:font script="Hebr" typeface="Times New Roman"/>
+        <a:font script="Thai" typeface="Angsana New"/>
+        <a:font script="Ethi" typeface="Nyala"/>
+        <a:font script="Beng" typeface="Vrinda"/>
+        <a:font script="Gujr" typeface="Shruti"/>
+        <a:font script="Khmr" typeface="MoolBoran"/>
+        <a:font script="Knda" typeface="Tunga"/>
+        <a:font script="Guru" typeface="Raavi"/>
+        <a:font script="Cans" typeface="Euphemia"/>
+        <a:font script="Cher" typeface="Plantagenet Cherokee"/>
+        <a:font script="Yiii" typeface="Microsoft Yi Baiti"/>
+        <a:font script="Tibt" typeface="Microsoft Himalaya"/>
+        <a:font script="Thaa" typeface="MV Boli"/>
+        <a:font script="Deva" typeface="Mangal"/>
+        <a:font script="Telu" typeface="Gautami"/>
+        <a:font script="Taml" typeface="Latha"/>
+        <a:font script="Syrc" typeface="Estrangelo Edessa"/>
+        <a:font script="Orya" typeface="Kalinga"/>
+        <a:font script="Mlym" typeface="Kartika"/>
+        <a:font script="Laoo" typeface="DokChampa"/>
+        <a:font script="Sinh" typeface="Iskoola Pota"/>
+        <a:font script="Mong" typeface="Mongolian Baiti"/>
+        <a:font script="Viet" typeface="Times New Roman"/>
+        <a:font script="Uigh" typeface="Microsoft Uighur"/>
+        <a:font script="Geor" typeface="Sylfaen"/>
+        <a:font script="Armn" typeface="Arial"/>
+        <a:font script="Bugi" typeface="Leelawadee UI"/>
+        <a:font script="Bopo" typeface="Microsoft JhengHei"/>
+        <a:font script="Java" typeface="Javanese Text"/>
+        <a:font script="Lisu" typeface="Segoe UI"/>
+        <a:font script="Mymr" typeface="Myanmar Text"/>
+        <a:font script="Nkoo" typeface="Ebrima"/>
+        <a:font script="Olck" typeface="Nirmala UI"/>
+        <a:font script="Osma" typeface="Ebrima"/>
+        <a:font script="Phag" typeface="Phagspa"/>
+        <a:font script="Syrn" typeface="Estrangelo Edessa"/>
+        <a:font script="Syrj" typeface="Estrangelo Edessa"/>
+        <a:font script="Syre" typeface="Estrangelo Edessa"/>
+        <a:font script="Sora" typeface="Nirmala UI"/>
+        <a:font script="Tale" typeface="Microsoft Tai Le"/>
+        <a:font script="Talu" typeface="Microsoft New Tai Lue"/>
+        <a:font script="Tfng" typeface="Ebrima"/>
+      </a:majorFont>
+      <a:minorFont>
+        <a:latin typeface="Aptos" panose="02110004020202020204"/>
+        <a:ea typeface=""/>
+        <a:cs typeface=""/>
+        <a:font script="Jpan" typeface="游ゴシック"/>
+        <a:font script="Hang" typeface="맑은 고딕"/>
+        <a:font script="Hans" typeface="等线"/>
+        <a:font script="Hant" typeface="新細明體"/>
+        <a:font script="Arab" typeface="Arial"/>
+        <a:font script="Hebr" typeface="Arial"/>
+        <a:font script="Thai" typeface="Cordia New"/>
+        <a:font script="Ethi" typeface="Nyala"/>
+        <a:font script="Beng" typeface="Vrinda"/>
+        <a:font script="Gujr" typeface="Shruti"/>
+        <a:font script="Khmr" typeface="DaunPenh"/>
+        <a:font script="Knda" typeface="Tunga"/>
+        <a:font script="Guru" typeface="Raavi"/>
+        <a:font script="Cans" typeface="Euphemia"/>
+        <a:font script="Cher" typeface="Plantagenet Cherokee"/>
+        <a:font script="Yiii" typeface="Microsoft Yi Baiti"/>
+        <a:font script="Tibt" typeface="Microsoft Himalaya"/>
+        <a:font script="Thaa" typeface="MV Boli"/>
+        <a:font script="Deva" typeface="Mangal"/>
+        <a:font script="Telu" typeface="Gautami"/>
+        <a:font script="Taml" typeface="Latha"/>
+        <a:font script="Syrc" typeface="Estrangelo Edessa"/>
+        <a:font script="Orya" typeface="Kalinga"/>
+        <a:font script="Mlym" typeface="Kartika"/>
+        <a:font script="Laoo" typeface="DokChampa"/>
+        <a:font script="Sinh" typeface="Iskoola Pota"/>
+        <a:font script="Mong" typeface="Mongolian Baiti"/>
+        <a:font script="Viet" typeface="Arial"/>
+        <a:font script="Uigh" typeface="Microsoft Uighur"/>
+        <a:font script="Geor" typeface="Sylfaen"/>
+        <a:font script="Armn" typeface="Arial"/>
+        <a:font script="Bugi" typeface="Leelawadee UI"/>
+        <a:font script="Bopo" typeface="Microsoft JhengHei"/>
+        <a:font script="Java" typeface="Javanese Text"/>
+        <a:font script="Lisu" typeface="Segoe UI"/>
+        <a:font script="Mymr" typeface="Myanmar Text"/>
+        <a:font script="Nkoo" typeface="Ebrima"/>
+        <a:font script="Olck" typeface="Nirmala UI"/>
+        <a:font script="Osma" typeface="Ebrima"/>
+        <a:font script="Phag" typeface="Phagspa"/>
+        <a:font script="Syrn" typeface="Estrangelo Edessa"/>
+        <a:font script="Syrj" typeface="Estrangelo Edessa"/>
+        <a:font script="Syre" typeface="Estrangelo Edessa"/>
+        <a:font script="Sora" typeface="Nirmala UI"/>
+        <a:font script="Tale" typeface="Microsoft Tai Le"/>
+        <a:font script="Talu" typeface="Microsoft New Tai Lue"/>
+        <a:font script="Tfng" typeface="Ebrima"/>
+      </a:minorFont>
+    </a:fontScheme>
+    <a:fmtScheme name="Office">
+      <a:fillStyleLst>
+        <a:solidFill>
+          <a:schemeClr val="phClr"/>
+        </a:solidFill>
+        <a:gradFill rotWithShape="1">
+          <a:gsLst>
+            <a:gs pos="0">
+              <a:schemeClr val="phClr">
+                <a:lumMod val="110000"/>
+                <a:satMod val="105000"/>
+                <a:tint val="67000"/>
+              </a:schemeClr>
+            </a:gs>
+            <a:gs pos="50000">
+              <a:schemeClr val="phClr">
+                <a:lumMod val="105000"/>
+                <a:satMod val="103000"/>
+                <a:tint val="73000"/>
+              </a:schemeClr>
+            </a:gs>
+            <a:gs pos="100000">
+              <a:schemeClr val="phClr">
+                <a:lumMod val="105000"/>
+                <a:satMod val="109000"/>
+                <a:tint val="81000"/>
+              </a:schemeClr>
+            </a:gs>
+          </a:gsLst>
+          <a:lin ang="5400000" scaled="0"/>
+        </a:gradFill>
+        <a:gradFill rotWithShape="1">
+          <a:gsLst>
+            <a:gs pos="0">
+              <a:schemeClr val="phClr">
+                <a:satMod val="103000"/>
+                <a:lumMod val="102000"/>
+                <a:tint val="94000"/>
+              </a:schemeClr>
+            </a:gs>
+            <a:gs pos="50000">
+              <a:schemeClr val="phClr">
+                <a:satMod val="110000"/>
+                <a:lumMod val="100000"/>
+                <a:shade val="100000"/>
+              </a:schemeClr>
+            </a:gs>
+            <a:gs pos="100000">
+              <a:schemeClr val="phClr">
+                <a:lumMod val="99000"/>
+                <a:satMod val="120000"/>
+                <a:shade val="78000"/>
+              </a:schemeClr>
+            </a:gs>
+          </a:gsLst>
+          <a:lin ang="5400000" scaled="0"/>
+        </a:gradFill>
+      </a:fillStyleLst>
+      <a:lnStyleLst>
+        <a:ln w="12700" cap="flat" cmpd="sng" algn="ctr">
+          <a:solidFill>
+            <a:schemeClr val="phClr"/>
+          </a:solidFill>
+          <a:prstDash val="solid"/>
+          <a:miter lim="800000"/>
+        </a:ln>
+        <a:ln w="19050" cap="flat" cmpd="sng" algn="ctr">
+          <a:solidFill>
+            <a:schemeClr val="phClr"/>
+          </a:solidFill>
+          <a:prstDash val="solid"/>
+          <a:miter lim="800000"/>
+        </a:ln>
+        <a:ln w="25400" cap="flat" cmpd="sng" algn="ctr">
+          <a:solidFill>
+            <a:schemeClr val="phClr"/>
+          </a:solidFill>
+          <a:prstDash val="solid"/>
+          <a:miter lim="800000"/>
+        </a:ln>
+      </a:lnStyleLst>
+      <a:effectStyleLst>
+        <a:effectStyle>
+          <a:effectLst/>
+        </a:effectStyle>
+        <a:effectStyle>
+          <a:effectLst/>
+        </a:effectStyle>
+        <a:effectStyle>
+          <a:effectLst>
+            <a:outerShdw blurRad="57150" dist="19050" dir="5400000" algn="ctr" rotWithShape="0">
+              <a:srgbClr val="000000">
+                <a:alpha val="63000"/>
+              </a:srgbClr>
+            </a:outerShdw>
+          </a:effectLst>
+        </a:effectStyle>
+      </a:effectStyleLst>
+      <a:bgFillStyleLst>
+        <a:solidFill>
+          <a:schemeClr val="phClr"/>
+        </a:solidFill>
+        <a:solidFill>
+          <a:schemeClr val="phClr">
+            <a:tint val="95000"/>
+            <a:satMod val="170000"/>
+          </a:schemeClr>
+        </a:solidFill>
+        <a:gradFill rotWithShape="1">
+          <a:gsLst>
+            <a:gs pos="0">
+              <a:schemeClr val="phClr">
+                <a:tint val="93000"/>
+                <a:satMod val="150000"/>
+                <a:shade val="98000"/>
+                <a:lumMod val="102000"/>
+              </a:schemeClr>
+            </a:gs>
+            <a:gs pos="50000">
+              <a:schemeClr val="phClr">
+                <a:tint val="98000"/>
+                <a:satMod val="130000"/>
+                <a:shade val="90000"/>
+                <a:lumMod val="103000"/>
+              </a:schemeClr>
+            </a:gs>
+            <a:gs pos="100000">
+              <a:schemeClr val="phClr">
+                <a:shade val="63000"/>
+                <a:satMod val="120000"/>
+              </a:schemeClr>
+            </a:gs>
+          </a:gsLst>
+          <a:lin ang="5400000" scaled="0"/>
+        </a:gradFill>
+      </a:bgFillStyleLst>
+    </a:fmtScheme>
+  </a:themeElements>
+  <a:objectDefaults>
+    <a:lnDef>
+      <a:spPr/>
+      <a:bodyPr/>
+      <a:lstStyle/>
+      <a:style>
+        <a:lnRef idx="2">
+          <a:schemeClr val="accent1"/>
+        </a:lnRef>
+        <a:fillRef idx="0">
+          <a:schemeClr val="accent1"/>
+        </a:fillRef>
+        <a:effectRef idx="1">
+          <a:schemeClr val="accent1"/>
+        </a:effectRef>
+        <a:fontRef idx="minor">
+          <a:schemeClr val="tx1"/>
+        </a:fontRef>
+      </a:style>
+    </a:lnDef>
+  </a:objectDefaults>
+  <a:extraClrSchemeLst/>
+  <a:extLst>
+    <a:ext uri="{05A4C25C-085E-4340-85A3-A5531E510DB2}">
+      <thm15:themeFamily xmlns:thm15="http://schemas.microsoft.com/office/thememl/2012/main" name="Office Theme" id="{2E142A2C-CD16-42D6-873A-C26D2A0506FA}" vid="{1BDDFF52-6CD6-40A5-AB3C-68EB2F1E4D0A}"/>
+    </a:ext>
+  </a:extLst>
+</a:theme>
 </file>